--- a/8085 Microprocessor.pptx
+++ b/8085 Microprocessor.pptx
@@ -3,21 +3,30 @@
 <p:presentation xmlns:a="http://schemas.openxmlformats.org/drawingml/2006/main" xmlns:p="http://schemas.openxmlformats.org/presentationml/2006/main" xmlns:r="http://schemas.openxmlformats.org/officeDocument/2006/relationships" xmlns:p14="http://schemas.microsoft.com/office/powerpoint/2010/main" xmlns:p15="http://schemas.microsoft.com/office/powerpoint/2012/main" xmlns:mc="http://schemas.openxmlformats.org/markup-compatibility/2006">
   <p:sldMasterIdLst>
     <p:sldMasterId id="2147483648" r:id="rId2"/>
+    <p:sldMasterId id="2147483661" r:id="rId3"/>
   </p:sldMasterIdLst>
   <p:sldIdLst>
-    <p:sldId id="256" r:id="rId3"/>
-    <p:sldId id="257" r:id="rId4"/>
-    <p:sldId id="258" r:id="rId5"/>
-    <p:sldId id="259" r:id="rId6"/>
-    <p:sldId id="260" r:id="rId7"/>
-    <p:sldId id="261" r:id="rId8"/>
-    <p:sldId id="262" r:id="rId9"/>
-    <p:sldId id="263" r:id="rId10"/>
-    <p:sldId id="264" r:id="rId11"/>
-    <p:sldId id="265" r:id="rId12"/>
-    <p:sldId id="266" r:id="rId13"/>
-    <p:sldId id="267" r:id="rId14"/>
-    <p:sldId id="268" r:id="rId15"/>
+    <p:sldId id="256" r:id="rId4"/>
+    <p:sldId id="257" r:id="rId5"/>
+    <p:sldId id="258" r:id="rId6"/>
+    <p:sldId id="259" r:id="rId7"/>
+    <p:sldId id="260" r:id="rId8"/>
+    <p:sldId id="261" r:id="rId9"/>
+    <p:sldId id="262" r:id="rId10"/>
+    <p:sldId id="263" r:id="rId11"/>
+    <p:sldId id="264" r:id="rId12"/>
+    <p:sldId id="265" r:id="rId13"/>
+    <p:sldId id="266" r:id="rId14"/>
+    <p:sldId id="267" r:id="rId15"/>
+    <p:sldId id="268" r:id="rId16"/>
+    <p:sldId id="269" r:id="rId17"/>
+    <p:sldId id="270" r:id="rId18"/>
+    <p:sldId id="271" r:id="rId19"/>
+    <p:sldId id="272" r:id="rId20"/>
+    <p:sldId id="273" r:id="rId21"/>
+    <p:sldId id="274" r:id="rId22"/>
+    <p:sldId id="275" r:id="rId23"/>
+    <p:sldId id="276" r:id="rId24"/>
   </p:sldIdLst>
   <p:sldSz cx="12192000" cy="6858000"/>
   <p:notesSz cx="7772400" cy="10058400"/>
@@ -76,7 +85,7 @@
         <p:spPr>
           <a:xfrm>
             <a:off x="609480" y="273600"/>
-            <a:ext cx="10972440" cy="1144800"/>
+            <a:ext cx="10972080" cy="1144440"/>
           </a:xfrm>
           <a:prstGeom prst="rect">
             <a:avLst/>
@@ -107,7 +116,7 @@
         <p:spPr>
           <a:xfrm>
             <a:off x="609480" y="1604520"/>
-            <a:ext cx="10972440" cy="1896840"/>
+            <a:ext cx="10972080" cy="1896840"/>
           </a:xfrm>
           <a:prstGeom prst="rect">
             <a:avLst/>
@@ -137,7 +146,7 @@
         <p:spPr>
           <a:xfrm>
             <a:off x="609480" y="3682080"/>
-            <a:ext cx="10972440" cy="1896840"/>
+            <a:ext cx="10972080" cy="1896840"/>
           </a:xfrm>
           <a:prstGeom prst="rect">
             <a:avLst/>
@@ -189,7 +198,7 @@
         <p:spPr>
           <a:xfrm>
             <a:off x="609480" y="273600"/>
-            <a:ext cx="10972440" cy="1144800"/>
+            <a:ext cx="10972080" cy="1144440"/>
           </a:xfrm>
           <a:prstGeom prst="rect">
             <a:avLst/>
@@ -362,7 +371,7 @@
         <p:spPr>
           <a:xfrm>
             <a:off x="609480" y="273600"/>
-            <a:ext cx="10972440" cy="1144800"/>
+            <a:ext cx="10972080" cy="1144440"/>
           </a:xfrm>
           <a:prstGeom prst="rect">
             <a:avLst/>
@@ -393,7 +402,7 @@
         <p:spPr>
           <a:xfrm>
             <a:off x="609480" y="1604520"/>
-            <a:ext cx="3533040" cy="1896840"/>
+            <a:ext cx="3532680" cy="1896840"/>
           </a:xfrm>
           <a:prstGeom prst="rect">
             <a:avLst/>
@@ -422,8 +431,8 @@
         </p:nvSpPr>
         <p:spPr>
           <a:xfrm>
-            <a:off x="4319640" y="1604520"/>
-            <a:ext cx="3533040" cy="1896840"/>
+            <a:off x="4319280" y="1604520"/>
+            <a:ext cx="3532680" cy="1896840"/>
           </a:xfrm>
           <a:prstGeom prst="rect">
             <a:avLst/>
@@ -452,8 +461,8 @@
         </p:nvSpPr>
         <p:spPr>
           <a:xfrm>
-            <a:off x="8029800" y="1604520"/>
-            <a:ext cx="3533040" cy="1896840"/>
+            <a:off x="8028720" y="1604520"/>
+            <a:ext cx="3532680" cy="1896840"/>
           </a:xfrm>
           <a:prstGeom prst="rect">
             <a:avLst/>
@@ -483,7 +492,7 @@
         <p:spPr>
           <a:xfrm>
             <a:off x="609480" y="3682080"/>
-            <a:ext cx="3533040" cy="1896840"/>
+            <a:ext cx="3532680" cy="1896840"/>
           </a:xfrm>
           <a:prstGeom prst="rect">
             <a:avLst/>
@@ -512,8 +521,8 @@
         </p:nvSpPr>
         <p:spPr>
           <a:xfrm>
-            <a:off x="4319640" y="3682080"/>
-            <a:ext cx="3533040" cy="1896840"/>
+            <a:off x="4319280" y="3682080"/>
+            <a:ext cx="3532680" cy="1896840"/>
           </a:xfrm>
           <a:prstGeom prst="rect">
             <a:avLst/>
@@ -542,8 +551,559 @@
         </p:nvSpPr>
         <p:spPr>
           <a:xfrm>
-            <a:off x="8029800" y="3682080"/>
-            <a:ext cx="3533040" cy="1896840"/>
+            <a:off x="8028720" y="3682080"/>
+            <a:ext cx="3532680" cy="1896840"/>
+          </a:xfrm>
+          <a:prstGeom prst="rect">
+            <a:avLst/>
+          </a:prstGeom>
+        </p:spPr>
+        <p:txBody>
+          <a:bodyPr lIns="0" rIns="0" tIns="0" bIns="0">
+            <a:normAutofit/>
+          </a:bodyPr>
+          <a:p>
+            <a:endParaRPr b="0" lang="en-US" sz="3200" spc="-1" strike="noStrike">
+              <a:latin typeface="Arial"/>
+            </a:endParaRPr>
+          </a:p>
+        </p:txBody>
+      </p:sp>
+    </p:spTree>
+  </p:cSld>
+</p:sldLayout>
+</file>
+
+<file path=ppt/slideLayouts/slideLayout13.xml><?xml version="1.0" encoding="utf-8"?>
+<p:sldLayout xmlns:a="http://schemas.openxmlformats.org/drawingml/2006/main" xmlns:p="http://schemas.openxmlformats.org/presentationml/2006/main" xmlns:r="http://schemas.openxmlformats.org/officeDocument/2006/relationships" xmlns:p14="http://schemas.microsoft.com/office/powerpoint/2010/main" xmlns:p15="http://schemas.microsoft.com/office/powerpoint/2012/main" xmlns:mc="http://schemas.openxmlformats.org/markup-compatibility/2006" type="blank" preserve="1">
+  <p:cSld name="Blank Slide">
+    <p:spTree>
+      <p:nvGrpSpPr>
+        <p:cNvPr id="1" name=""/>
+        <p:cNvGrpSpPr/>
+        <p:nvPr/>
+      </p:nvGrpSpPr>
+      <p:grpSpPr>
+        <a:xfrm>
+          <a:off x="0" y="0"/>
+          <a:ext cx="0" cy="0"/>
+          <a:chOff x="0" y="0"/>
+          <a:chExt cx="0" cy="0"/>
+        </a:xfrm>
+      </p:grpSpPr>
+    </p:spTree>
+  </p:cSld>
+</p:sldLayout>
+</file>
+
+<file path=ppt/slideLayouts/slideLayout14.xml><?xml version="1.0" encoding="utf-8"?>
+<p:sldLayout xmlns:a="http://schemas.openxmlformats.org/drawingml/2006/main" xmlns:p="http://schemas.openxmlformats.org/presentationml/2006/main" xmlns:r="http://schemas.openxmlformats.org/officeDocument/2006/relationships" xmlns:p14="http://schemas.microsoft.com/office/powerpoint/2010/main" xmlns:p15="http://schemas.microsoft.com/office/powerpoint/2012/main" xmlns:mc="http://schemas.openxmlformats.org/markup-compatibility/2006" type="tx" preserve="1">
+  <p:cSld name="Title Slide">
+    <p:spTree>
+      <p:nvGrpSpPr>
+        <p:cNvPr id="1" name=""/>
+        <p:cNvGrpSpPr/>
+        <p:nvPr/>
+      </p:nvGrpSpPr>
+      <p:grpSpPr>
+        <a:xfrm>
+          <a:off x="0" y="0"/>
+          <a:ext cx="0" cy="0"/>
+          <a:chOff x="0" y="0"/>
+          <a:chExt cx="0" cy="0"/>
+        </a:xfrm>
+      </p:grpSpPr>
+      <p:sp>
+        <p:nvSpPr>
+          <p:cNvPr id="122" name="PlaceHolder 1"/>
+          <p:cNvSpPr>
+            <a:spLocks noGrp="1"/>
+          </p:cNvSpPr>
+          <p:nvPr>
+            <p:ph type="title"/>
+          </p:nvPr>
+        </p:nvSpPr>
+        <p:spPr>
+          <a:xfrm>
+            <a:off x="609480" y="273600"/>
+            <a:ext cx="10972080" cy="1144440"/>
+          </a:xfrm>
+          <a:prstGeom prst="rect">
+            <a:avLst/>
+          </a:prstGeom>
+        </p:spPr>
+        <p:txBody>
+          <a:bodyPr lIns="0" rIns="0" tIns="0" bIns="0" anchor="ctr">
+            <a:noAutofit/>
+          </a:bodyPr>
+          <a:p>
+            <a:pPr algn="ctr"/>
+            <a:endParaRPr b="0" lang="en-US" sz="4400" spc="-1" strike="noStrike">
+              <a:latin typeface="Arial"/>
+            </a:endParaRPr>
+          </a:p>
+        </p:txBody>
+      </p:sp>
+      <p:sp>
+        <p:nvSpPr>
+          <p:cNvPr id="123" name="PlaceHolder 2"/>
+          <p:cNvSpPr>
+            <a:spLocks noGrp="1"/>
+          </p:cNvSpPr>
+          <p:nvPr>
+            <p:ph type="subTitle"/>
+          </p:nvPr>
+        </p:nvSpPr>
+        <p:spPr>
+          <a:xfrm>
+            <a:off x="609480" y="1604520"/>
+            <a:ext cx="10972080" cy="3976920"/>
+          </a:xfrm>
+          <a:prstGeom prst="rect">
+            <a:avLst/>
+          </a:prstGeom>
+        </p:spPr>
+        <p:txBody>
+          <a:bodyPr lIns="0" rIns="0" tIns="0" bIns="0" anchor="ctr">
+            <a:noAutofit/>
+          </a:bodyPr>
+          <a:p>
+            <a:pPr algn="ctr"/>
+            <a:endParaRPr b="0" lang="en-US" sz="3200" spc="-1" strike="noStrike">
+              <a:latin typeface="Arial"/>
+            </a:endParaRPr>
+          </a:p>
+        </p:txBody>
+      </p:sp>
+    </p:spTree>
+  </p:cSld>
+</p:sldLayout>
+</file>
+
+<file path=ppt/slideLayouts/slideLayout15.xml><?xml version="1.0" encoding="utf-8"?>
+<p:sldLayout xmlns:a="http://schemas.openxmlformats.org/drawingml/2006/main" xmlns:p="http://schemas.openxmlformats.org/presentationml/2006/main" xmlns:r="http://schemas.openxmlformats.org/officeDocument/2006/relationships" xmlns:p14="http://schemas.microsoft.com/office/powerpoint/2010/main" xmlns:p15="http://schemas.microsoft.com/office/powerpoint/2012/main" xmlns:mc="http://schemas.openxmlformats.org/markup-compatibility/2006" type="obj" preserve="1">
+  <p:cSld name="Title, Content">
+    <p:spTree>
+      <p:nvGrpSpPr>
+        <p:cNvPr id="1" name=""/>
+        <p:cNvGrpSpPr/>
+        <p:nvPr/>
+      </p:nvGrpSpPr>
+      <p:grpSpPr>
+        <a:xfrm>
+          <a:off x="0" y="0"/>
+          <a:ext cx="0" cy="0"/>
+          <a:chOff x="0" y="0"/>
+          <a:chExt cx="0" cy="0"/>
+        </a:xfrm>
+      </p:grpSpPr>
+      <p:sp>
+        <p:nvSpPr>
+          <p:cNvPr id="124" name="PlaceHolder 1"/>
+          <p:cNvSpPr>
+            <a:spLocks noGrp="1"/>
+          </p:cNvSpPr>
+          <p:nvPr>
+            <p:ph type="title"/>
+          </p:nvPr>
+        </p:nvSpPr>
+        <p:spPr>
+          <a:xfrm>
+            <a:off x="609480" y="273600"/>
+            <a:ext cx="10972080" cy="1144440"/>
+          </a:xfrm>
+          <a:prstGeom prst="rect">
+            <a:avLst/>
+          </a:prstGeom>
+        </p:spPr>
+        <p:txBody>
+          <a:bodyPr lIns="0" rIns="0" tIns="0" bIns="0" anchor="ctr">
+            <a:noAutofit/>
+          </a:bodyPr>
+          <a:p>
+            <a:pPr algn="ctr"/>
+            <a:endParaRPr b="0" lang="en-US" sz="4400" spc="-1" strike="noStrike">
+              <a:latin typeface="Arial"/>
+            </a:endParaRPr>
+          </a:p>
+        </p:txBody>
+      </p:sp>
+      <p:sp>
+        <p:nvSpPr>
+          <p:cNvPr id="125" name="PlaceHolder 2"/>
+          <p:cNvSpPr>
+            <a:spLocks noGrp="1"/>
+          </p:cNvSpPr>
+          <p:nvPr>
+            <p:ph type="body"/>
+          </p:nvPr>
+        </p:nvSpPr>
+        <p:spPr>
+          <a:xfrm>
+            <a:off x="609480" y="1604520"/>
+            <a:ext cx="10972080" cy="3976920"/>
+          </a:xfrm>
+          <a:prstGeom prst="rect">
+            <a:avLst/>
+          </a:prstGeom>
+        </p:spPr>
+        <p:txBody>
+          <a:bodyPr lIns="0" rIns="0" tIns="0" bIns="0">
+            <a:normAutofit/>
+          </a:bodyPr>
+          <a:p>
+            <a:endParaRPr b="0" lang="en-US" sz="3200" spc="-1" strike="noStrike">
+              <a:latin typeface="Arial"/>
+            </a:endParaRPr>
+          </a:p>
+        </p:txBody>
+      </p:sp>
+    </p:spTree>
+  </p:cSld>
+</p:sldLayout>
+</file>
+
+<file path=ppt/slideLayouts/slideLayout16.xml><?xml version="1.0" encoding="utf-8"?>
+<p:sldLayout xmlns:a="http://schemas.openxmlformats.org/drawingml/2006/main" xmlns:p="http://schemas.openxmlformats.org/presentationml/2006/main" xmlns:r="http://schemas.openxmlformats.org/officeDocument/2006/relationships" xmlns:p14="http://schemas.microsoft.com/office/powerpoint/2010/main" xmlns:p15="http://schemas.microsoft.com/office/powerpoint/2012/main" xmlns:mc="http://schemas.openxmlformats.org/markup-compatibility/2006" type="twoObj" preserve="1">
+  <p:cSld name="Title, 2 Content">
+    <p:spTree>
+      <p:nvGrpSpPr>
+        <p:cNvPr id="1" name=""/>
+        <p:cNvGrpSpPr/>
+        <p:nvPr/>
+      </p:nvGrpSpPr>
+      <p:grpSpPr>
+        <a:xfrm>
+          <a:off x="0" y="0"/>
+          <a:ext cx="0" cy="0"/>
+          <a:chOff x="0" y="0"/>
+          <a:chExt cx="0" cy="0"/>
+        </a:xfrm>
+      </p:grpSpPr>
+      <p:sp>
+        <p:nvSpPr>
+          <p:cNvPr id="126" name="PlaceHolder 1"/>
+          <p:cNvSpPr>
+            <a:spLocks noGrp="1"/>
+          </p:cNvSpPr>
+          <p:nvPr>
+            <p:ph type="title"/>
+          </p:nvPr>
+        </p:nvSpPr>
+        <p:spPr>
+          <a:xfrm>
+            <a:off x="609480" y="273600"/>
+            <a:ext cx="10972080" cy="1144440"/>
+          </a:xfrm>
+          <a:prstGeom prst="rect">
+            <a:avLst/>
+          </a:prstGeom>
+        </p:spPr>
+        <p:txBody>
+          <a:bodyPr lIns="0" rIns="0" tIns="0" bIns="0" anchor="ctr">
+            <a:noAutofit/>
+          </a:bodyPr>
+          <a:p>
+            <a:pPr algn="ctr"/>
+            <a:endParaRPr b="0" lang="en-US" sz="4400" spc="-1" strike="noStrike">
+              <a:latin typeface="Arial"/>
+            </a:endParaRPr>
+          </a:p>
+        </p:txBody>
+      </p:sp>
+      <p:sp>
+        <p:nvSpPr>
+          <p:cNvPr id="127" name="PlaceHolder 2"/>
+          <p:cNvSpPr>
+            <a:spLocks noGrp="1"/>
+          </p:cNvSpPr>
+          <p:nvPr>
+            <p:ph type="body"/>
+          </p:nvPr>
+        </p:nvSpPr>
+        <p:spPr>
+          <a:xfrm>
+            <a:off x="609480" y="1604520"/>
+            <a:ext cx="5354280" cy="3976920"/>
+          </a:xfrm>
+          <a:prstGeom prst="rect">
+            <a:avLst/>
+          </a:prstGeom>
+        </p:spPr>
+        <p:txBody>
+          <a:bodyPr lIns="0" rIns="0" tIns="0" bIns="0">
+            <a:normAutofit/>
+          </a:bodyPr>
+          <a:p>
+            <a:endParaRPr b="0" lang="en-US" sz="3200" spc="-1" strike="noStrike">
+              <a:latin typeface="Arial"/>
+            </a:endParaRPr>
+          </a:p>
+        </p:txBody>
+      </p:sp>
+      <p:sp>
+        <p:nvSpPr>
+          <p:cNvPr id="128" name="PlaceHolder 3"/>
+          <p:cNvSpPr>
+            <a:spLocks noGrp="1"/>
+          </p:cNvSpPr>
+          <p:nvPr>
+            <p:ph type="body"/>
+          </p:nvPr>
+        </p:nvSpPr>
+        <p:spPr>
+          <a:xfrm>
+            <a:off x="6231960" y="1604520"/>
+            <a:ext cx="5354280" cy="3976920"/>
+          </a:xfrm>
+          <a:prstGeom prst="rect">
+            <a:avLst/>
+          </a:prstGeom>
+        </p:spPr>
+        <p:txBody>
+          <a:bodyPr lIns="0" rIns="0" tIns="0" bIns="0">
+            <a:normAutofit/>
+          </a:bodyPr>
+          <a:p>
+            <a:endParaRPr b="0" lang="en-US" sz="3200" spc="-1" strike="noStrike">
+              <a:latin typeface="Arial"/>
+            </a:endParaRPr>
+          </a:p>
+        </p:txBody>
+      </p:sp>
+    </p:spTree>
+  </p:cSld>
+</p:sldLayout>
+</file>
+
+<file path=ppt/slideLayouts/slideLayout17.xml><?xml version="1.0" encoding="utf-8"?>
+<p:sldLayout xmlns:a="http://schemas.openxmlformats.org/drawingml/2006/main" xmlns:p="http://schemas.openxmlformats.org/presentationml/2006/main" xmlns:r="http://schemas.openxmlformats.org/officeDocument/2006/relationships" xmlns:p14="http://schemas.microsoft.com/office/powerpoint/2010/main" xmlns:p15="http://schemas.microsoft.com/office/powerpoint/2012/main" xmlns:mc="http://schemas.openxmlformats.org/markup-compatibility/2006" type="titleOnly" preserve="1">
+  <p:cSld name="Title Only">
+    <p:spTree>
+      <p:nvGrpSpPr>
+        <p:cNvPr id="1" name=""/>
+        <p:cNvGrpSpPr/>
+        <p:nvPr/>
+      </p:nvGrpSpPr>
+      <p:grpSpPr>
+        <a:xfrm>
+          <a:off x="0" y="0"/>
+          <a:ext cx="0" cy="0"/>
+          <a:chOff x="0" y="0"/>
+          <a:chExt cx="0" cy="0"/>
+        </a:xfrm>
+      </p:grpSpPr>
+      <p:sp>
+        <p:nvSpPr>
+          <p:cNvPr id="129" name="PlaceHolder 1"/>
+          <p:cNvSpPr>
+            <a:spLocks noGrp="1"/>
+          </p:cNvSpPr>
+          <p:nvPr>
+            <p:ph type="title"/>
+          </p:nvPr>
+        </p:nvSpPr>
+        <p:spPr>
+          <a:xfrm>
+            <a:off x="609480" y="273600"/>
+            <a:ext cx="10972080" cy="1144440"/>
+          </a:xfrm>
+          <a:prstGeom prst="rect">
+            <a:avLst/>
+          </a:prstGeom>
+        </p:spPr>
+        <p:txBody>
+          <a:bodyPr lIns="0" rIns="0" tIns="0" bIns="0" anchor="ctr">
+            <a:noAutofit/>
+          </a:bodyPr>
+          <a:p>
+            <a:pPr algn="ctr"/>
+            <a:endParaRPr b="0" lang="en-US" sz="4400" spc="-1" strike="noStrike">
+              <a:latin typeface="Arial"/>
+            </a:endParaRPr>
+          </a:p>
+        </p:txBody>
+      </p:sp>
+    </p:spTree>
+  </p:cSld>
+</p:sldLayout>
+</file>
+
+<file path=ppt/slideLayouts/slideLayout18.xml><?xml version="1.0" encoding="utf-8"?>
+<p:sldLayout xmlns:a="http://schemas.openxmlformats.org/drawingml/2006/main" xmlns:p="http://schemas.openxmlformats.org/presentationml/2006/main" xmlns:r="http://schemas.openxmlformats.org/officeDocument/2006/relationships" xmlns:p14="http://schemas.microsoft.com/office/powerpoint/2010/main" xmlns:p15="http://schemas.microsoft.com/office/powerpoint/2012/main" xmlns:mc="http://schemas.openxmlformats.org/markup-compatibility/2006" type="objOnly" preserve="1">
+  <p:cSld name="Centered Text">
+    <p:spTree>
+      <p:nvGrpSpPr>
+        <p:cNvPr id="1" name=""/>
+        <p:cNvGrpSpPr/>
+        <p:nvPr/>
+      </p:nvGrpSpPr>
+      <p:grpSpPr>
+        <a:xfrm>
+          <a:off x="0" y="0"/>
+          <a:ext cx="0" cy="0"/>
+          <a:chOff x="0" y="0"/>
+          <a:chExt cx="0" cy="0"/>
+        </a:xfrm>
+      </p:grpSpPr>
+      <p:sp>
+        <p:nvSpPr>
+          <p:cNvPr id="130" name="PlaceHolder 1"/>
+          <p:cNvSpPr>
+            <a:spLocks noGrp="1"/>
+          </p:cNvSpPr>
+          <p:nvPr>
+            <p:ph type="subTitle"/>
+          </p:nvPr>
+        </p:nvSpPr>
+        <p:spPr>
+          <a:xfrm>
+            <a:off x="609480" y="273600"/>
+            <a:ext cx="10972080" cy="5306400"/>
+          </a:xfrm>
+          <a:prstGeom prst="rect">
+            <a:avLst/>
+          </a:prstGeom>
+        </p:spPr>
+        <p:txBody>
+          <a:bodyPr lIns="0" rIns="0" tIns="0" bIns="0" anchor="ctr">
+            <a:noAutofit/>
+          </a:bodyPr>
+          <a:p>
+            <a:pPr algn="ctr"/>
+            <a:endParaRPr b="0" lang="en-US" sz="3200" spc="-1" strike="noStrike">
+              <a:latin typeface="Arial"/>
+            </a:endParaRPr>
+          </a:p>
+        </p:txBody>
+      </p:sp>
+    </p:spTree>
+  </p:cSld>
+</p:sldLayout>
+</file>
+
+<file path=ppt/slideLayouts/slideLayout19.xml><?xml version="1.0" encoding="utf-8"?>
+<p:sldLayout xmlns:a="http://schemas.openxmlformats.org/drawingml/2006/main" xmlns:p="http://schemas.openxmlformats.org/presentationml/2006/main" xmlns:r="http://schemas.openxmlformats.org/officeDocument/2006/relationships" xmlns:p14="http://schemas.microsoft.com/office/powerpoint/2010/main" xmlns:p15="http://schemas.microsoft.com/office/powerpoint/2012/main" xmlns:mc="http://schemas.openxmlformats.org/markup-compatibility/2006" type="twoObjAndObj" preserve="1">
+  <p:cSld name="Title, 2 Content and Content">
+    <p:spTree>
+      <p:nvGrpSpPr>
+        <p:cNvPr id="1" name=""/>
+        <p:cNvGrpSpPr/>
+        <p:nvPr/>
+      </p:nvGrpSpPr>
+      <p:grpSpPr>
+        <a:xfrm>
+          <a:off x="0" y="0"/>
+          <a:ext cx="0" cy="0"/>
+          <a:chOff x="0" y="0"/>
+          <a:chExt cx="0" cy="0"/>
+        </a:xfrm>
+      </p:grpSpPr>
+      <p:sp>
+        <p:nvSpPr>
+          <p:cNvPr id="131" name="PlaceHolder 1"/>
+          <p:cNvSpPr>
+            <a:spLocks noGrp="1"/>
+          </p:cNvSpPr>
+          <p:nvPr>
+            <p:ph type="title"/>
+          </p:nvPr>
+        </p:nvSpPr>
+        <p:spPr>
+          <a:xfrm>
+            <a:off x="609480" y="273600"/>
+            <a:ext cx="10972080" cy="1144440"/>
+          </a:xfrm>
+          <a:prstGeom prst="rect">
+            <a:avLst/>
+          </a:prstGeom>
+        </p:spPr>
+        <p:txBody>
+          <a:bodyPr lIns="0" rIns="0" tIns="0" bIns="0" anchor="ctr">
+            <a:noAutofit/>
+          </a:bodyPr>
+          <a:p>
+            <a:pPr algn="ctr"/>
+            <a:endParaRPr b="0" lang="en-US" sz="4400" spc="-1" strike="noStrike">
+              <a:latin typeface="Arial"/>
+            </a:endParaRPr>
+          </a:p>
+        </p:txBody>
+      </p:sp>
+      <p:sp>
+        <p:nvSpPr>
+          <p:cNvPr id="132" name="PlaceHolder 2"/>
+          <p:cNvSpPr>
+            <a:spLocks noGrp="1"/>
+          </p:cNvSpPr>
+          <p:nvPr>
+            <p:ph type="body"/>
+          </p:nvPr>
+        </p:nvSpPr>
+        <p:spPr>
+          <a:xfrm>
+            <a:off x="609480" y="1604520"/>
+            <a:ext cx="5354280" cy="1896840"/>
+          </a:xfrm>
+          <a:prstGeom prst="rect">
+            <a:avLst/>
+          </a:prstGeom>
+        </p:spPr>
+        <p:txBody>
+          <a:bodyPr lIns="0" rIns="0" tIns="0" bIns="0">
+            <a:normAutofit/>
+          </a:bodyPr>
+          <a:p>
+            <a:endParaRPr b="0" lang="en-US" sz="3200" spc="-1" strike="noStrike">
+              <a:latin typeface="Arial"/>
+            </a:endParaRPr>
+          </a:p>
+        </p:txBody>
+      </p:sp>
+      <p:sp>
+        <p:nvSpPr>
+          <p:cNvPr id="133" name="PlaceHolder 3"/>
+          <p:cNvSpPr>
+            <a:spLocks noGrp="1"/>
+          </p:cNvSpPr>
+          <p:nvPr>
+            <p:ph type="body"/>
+          </p:nvPr>
+        </p:nvSpPr>
+        <p:spPr>
+          <a:xfrm>
+            <a:off x="6231960" y="1604520"/>
+            <a:ext cx="5354280" cy="3976920"/>
+          </a:xfrm>
+          <a:prstGeom prst="rect">
+            <a:avLst/>
+          </a:prstGeom>
+        </p:spPr>
+        <p:txBody>
+          <a:bodyPr lIns="0" rIns="0" tIns="0" bIns="0">
+            <a:normAutofit/>
+          </a:bodyPr>
+          <a:p>
+            <a:endParaRPr b="0" lang="en-US" sz="3200" spc="-1" strike="noStrike">
+              <a:latin typeface="Arial"/>
+            </a:endParaRPr>
+          </a:p>
+        </p:txBody>
+      </p:sp>
+      <p:sp>
+        <p:nvSpPr>
+          <p:cNvPr id="134" name="PlaceHolder 4"/>
+          <p:cNvSpPr>
+            <a:spLocks noGrp="1"/>
+          </p:cNvSpPr>
+          <p:nvPr>
+            <p:ph type="body"/>
+          </p:nvPr>
+        </p:nvSpPr>
+        <p:spPr>
+          <a:xfrm>
+            <a:off x="609480" y="3682080"/>
+            <a:ext cx="5354280" cy="1896840"/>
           </a:xfrm>
           <a:prstGeom prst="rect">
             <a:avLst/>
@@ -595,7 +1155,7 @@
         <p:spPr>
           <a:xfrm>
             <a:off x="609480" y="273600"/>
-            <a:ext cx="10972440" cy="1144800"/>
+            <a:ext cx="10972080" cy="1144440"/>
           </a:xfrm>
           <a:prstGeom prst="rect">
             <a:avLst/>
@@ -626,7 +1186,7 @@
         <p:spPr>
           <a:xfrm>
             <a:off x="609480" y="1604520"/>
-            <a:ext cx="10972440" cy="3977280"/>
+            <a:ext cx="10972080" cy="3976920"/>
           </a:xfrm>
           <a:prstGeom prst="rect">
             <a:avLst/>
@@ -638,6 +1198,811 @@
           </a:bodyPr>
           <a:p>
             <a:pPr algn="ctr"/>
+            <a:endParaRPr b="0" lang="en-US" sz="3200" spc="-1" strike="noStrike">
+              <a:latin typeface="Arial"/>
+            </a:endParaRPr>
+          </a:p>
+        </p:txBody>
+      </p:sp>
+    </p:spTree>
+  </p:cSld>
+</p:sldLayout>
+</file>
+
+<file path=ppt/slideLayouts/slideLayout20.xml><?xml version="1.0" encoding="utf-8"?>
+<p:sldLayout xmlns:a="http://schemas.openxmlformats.org/drawingml/2006/main" xmlns:p="http://schemas.openxmlformats.org/presentationml/2006/main" xmlns:r="http://schemas.openxmlformats.org/officeDocument/2006/relationships" xmlns:p14="http://schemas.microsoft.com/office/powerpoint/2010/main" xmlns:p15="http://schemas.microsoft.com/office/powerpoint/2012/main" xmlns:mc="http://schemas.openxmlformats.org/markup-compatibility/2006" type="objAndTwoObj" preserve="1">
+  <p:cSld name="Title Content and 2 Content">
+    <p:spTree>
+      <p:nvGrpSpPr>
+        <p:cNvPr id="1" name=""/>
+        <p:cNvGrpSpPr/>
+        <p:nvPr/>
+      </p:nvGrpSpPr>
+      <p:grpSpPr>
+        <a:xfrm>
+          <a:off x="0" y="0"/>
+          <a:ext cx="0" cy="0"/>
+          <a:chOff x="0" y="0"/>
+          <a:chExt cx="0" cy="0"/>
+        </a:xfrm>
+      </p:grpSpPr>
+      <p:sp>
+        <p:nvSpPr>
+          <p:cNvPr id="135" name="PlaceHolder 1"/>
+          <p:cNvSpPr>
+            <a:spLocks noGrp="1"/>
+          </p:cNvSpPr>
+          <p:nvPr>
+            <p:ph type="title"/>
+          </p:nvPr>
+        </p:nvSpPr>
+        <p:spPr>
+          <a:xfrm>
+            <a:off x="609480" y="273600"/>
+            <a:ext cx="10972080" cy="1144440"/>
+          </a:xfrm>
+          <a:prstGeom prst="rect">
+            <a:avLst/>
+          </a:prstGeom>
+        </p:spPr>
+        <p:txBody>
+          <a:bodyPr lIns="0" rIns="0" tIns="0" bIns="0" anchor="ctr">
+            <a:noAutofit/>
+          </a:bodyPr>
+          <a:p>
+            <a:pPr algn="ctr"/>
+            <a:endParaRPr b="0" lang="en-US" sz="4400" spc="-1" strike="noStrike">
+              <a:latin typeface="Arial"/>
+            </a:endParaRPr>
+          </a:p>
+        </p:txBody>
+      </p:sp>
+      <p:sp>
+        <p:nvSpPr>
+          <p:cNvPr id="136" name="PlaceHolder 2"/>
+          <p:cNvSpPr>
+            <a:spLocks noGrp="1"/>
+          </p:cNvSpPr>
+          <p:nvPr>
+            <p:ph type="body"/>
+          </p:nvPr>
+        </p:nvSpPr>
+        <p:spPr>
+          <a:xfrm>
+            <a:off x="609480" y="1604520"/>
+            <a:ext cx="5354280" cy="3976920"/>
+          </a:xfrm>
+          <a:prstGeom prst="rect">
+            <a:avLst/>
+          </a:prstGeom>
+        </p:spPr>
+        <p:txBody>
+          <a:bodyPr lIns="0" rIns="0" tIns="0" bIns="0">
+            <a:normAutofit/>
+          </a:bodyPr>
+          <a:p>
+            <a:endParaRPr b="0" lang="en-US" sz="3200" spc="-1" strike="noStrike">
+              <a:latin typeface="Arial"/>
+            </a:endParaRPr>
+          </a:p>
+        </p:txBody>
+      </p:sp>
+      <p:sp>
+        <p:nvSpPr>
+          <p:cNvPr id="137" name="PlaceHolder 3"/>
+          <p:cNvSpPr>
+            <a:spLocks noGrp="1"/>
+          </p:cNvSpPr>
+          <p:nvPr>
+            <p:ph type="body"/>
+          </p:nvPr>
+        </p:nvSpPr>
+        <p:spPr>
+          <a:xfrm>
+            <a:off x="6231960" y="1604520"/>
+            <a:ext cx="5354280" cy="1896840"/>
+          </a:xfrm>
+          <a:prstGeom prst="rect">
+            <a:avLst/>
+          </a:prstGeom>
+        </p:spPr>
+        <p:txBody>
+          <a:bodyPr lIns="0" rIns="0" tIns="0" bIns="0">
+            <a:normAutofit/>
+          </a:bodyPr>
+          <a:p>
+            <a:endParaRPr b="0" lang="en-US" sz="3200" spc="-1" strike="noStrike">
+              <a:latin typeface="Arial"/>
+            </a:endParaRPr>
+          </a:p>
+        </p:txBody>
+      </p:sp>
+      <p:sp>
+        <p:nvSpPr>
+          <p:cNvPr id="138" name="PlaceHolder 4"/>
+          <p:cNvSpPr>
+            <a:spLocks noGrp="1"/>
+          </p:cNvSpPr>
+          <p:nvPr>
+            <p:ph type="body"/>
+          </p:nvPr>
+        </p:nvSpPr>
+        <p:spPr>
+          <a:xfrm>
+            <a:off x="6231960" y="3682080"/>
+            <a:ext cx="5354280" cy="1896840"/>
+          </a:xfrm>
+          <a:prstGeom prst="rect">
+            <a:avLst/>
+          </a:prstGeom>
+        </p:spPr>
+        <p:txBody>
+          <a:bodyPr lIns="0" rIns="0" tIns="0" bIns="0">
+            <a:normAutofit/>
+          </a:bodyPr>
+          <a:p>
+            <a:endParaRPr b="0" lang="en-US" sz="3200" spc="-1" strike="noStrike">
+              <a:latin typeface="Arial"/>
+            </a:endParaRPr>
+          </a:p>
+        </p:txBody>
+      </p:sp>
+    </p:spTree>
+  </p:cSld>
+</p:sldLayout>
+</file>
+
+<file path=ppt/slideLayouts/slideLayout21.xml><?xml version="1.0" encoding="utf-8"?>
+<p:sldLayout xmlns:a="http://schemas.openxmlformats.org/drawingml/2006/main" xmlns:p="http://schemas.openxmlformats.org/presentationml/2006/main" xmlns:r="http://schemas.openxmlformats.org/officeDocument/2006/relationships" xmlns:p14="http://schemas.microsoft.com/office/powerpoint/2010/main" xmlns:p15="http://schemas.microsoft.com/office/powerpoint/2012/main" xmlns:mc="http://schemas.openxmlformats.org/markup-compatibility/2006" type="twoObjOverTx" preserve="1">
+  <p:cSld name="Title, 2 Content over Content">
+    <p:spTree>
+      <p:nvGrpSpPr>
+        <p:cNvPr id="1" name=""/>
+        <p:cNvGrpSpPr/>
+        <p:nvPr/>
+      </p:nvGrpSpPr>
+      <p:grpSpPr>
+        <a:xfrm>
+          <a:off x="0" y="0"/>
+          <a:ext cx="0" cy="0"/>
+          <a:chOff x="0" y="0"/>
+          <a:chExt cx="0" cy="0"/>
+        </a:xfrm>
+      </p:grpSpPr>
+      <p:sp>
+        <p:nvSpPr>
+          <p:cNvPr id="139" name="PlaceHolder 1"/>
+          <p:cNvSpPr>
+            <a:spLocks noGrp="1"/>
+          </p:cNvSpPr>
+          <p:nvPr>
+            <p:ph type="title"/>
+          </p:nvPr>
+        </p:nvSpPr>
+        <p:spPr>
+          <a:xfrm>
+            <a:off x="609480" y="273600"/>
+            <a:ext cx="10972080" cy="1144440"/>
+          </a:xfrm>
+          <a:prstGeom prst="rect">
+            <a:avLst/>
+          </a:prstGeom>
+        </p:spPr>
+        <p:txBody>
+          <a:bodyPr lIns="0" rIns="0" tIns="0" bIns="0" anchor="ctr">
+            <a:noAutofit/>
+          </a:bodyPr>
+          <a:p>
+            <a:pPr algn="ctr"/>
+            <a:endParaRPr b="0" lang="en-US" sz="4400" spc="-1" strike="noStrike">
+              <a:latin typeface="Arial"/>
+            </a:endParaRPr>
+          </a:p>
+        </p:txBody>
+      </p:sp>
+      <p:sp>
+        <p:nvSpPr>
+          <p:cNvPr id="140" name="PlaceHolder 2"/>
+          <p:cNvSpPr>
+            <a:spLocks noGrp="1"/>
+          </p:cNvSpPr>
+          <p:nvPr>
+            <p:ph type="body"/>
+          </p:nvPr>
+        </p:nvSpPr>
+        <p:spPr>
+          <a:xfrm>
+            <a:off x="609480" y="1604520"/>
+            <a:ext cx="5354280" cy="1896840"/>
+          </a:xfrm>
+          <a:prstGeom prst="rect">
+            <a:avLst/>
+          </a:prstGeom>
+        </p:spPr>
+        <p:txBody>
+          <a:bodyPr lIns="0" rIns="0" tIns="0" bIns="0">
+            <a:normAutofit/>
+          </a:bodyPr>
+          <a:p>
+            <a:endParaRPr b="0" lang="en-US" sz="3200" spc="-1" strike="noStrike">
+              <a:latin typeface="Arial"/>
+            </a:endParaRPr>
+          </a:p>
+        </p:txBody>
+      </p:sp>
+      <p:sp>
+        <p:nvSpPr>
+          <p:cNvPr id="141" name="PlaceHolder 3"/>
+          <p:cNvSpPr>
+            <a:spLocks noGrp="1"/>
+          </p:cNvSpPr>
+          <p:nvPr>
+            <p:ph type="body"/>
+          </p:nvPr>
+        </p:nvSpPr>
+        <p:spPr>
+          <a:xfrm>
+            <a:off x="6231960" y="1604520"/>
+            <a:ext cx="5354280" cy="1896840"/>
+          </a:xfrm>
+          <a:prstGeom prst="rect">
+            <a:avLst/>
+          </a:prstGeom>
+        </p:spPr>
+        <p:txBody>
+          <a:bodyPr lIns="0" rIns="0" tIns="0" bIns="0">
+            <a:normAutofit/>
+          </a:bodyPr>
+          <a:p>
+            <a:endParaRPr b="0" lang="en-US" sz="3200" spc="-1" strike="noStrike">
+              <a:latin typeface="Arial"/>
+            </a:endParaRPr>
+          </a:p>
+        </p:txBody>
+      </p:sp>
+      <p:sp>
+        <p:nvSpPr>
+          <p:cNvPr id="142" name="PlaceHolder 4"/>
+          <p:cNvSpPr>
+            <a:spLocks noGrp="1"/>
+          </p:cNvSpPr>
+          <p:nvPr>
+            <p:ph type="body"/>
+          </p:nvPr>
+        </p:nvSpPr>
+        <p:spPr>
+          <a:xfrm>
+            <a:off x="609480" y="3682080"/>
+            <a:ext cx="10972080" cy="1896840"/>
+          </a:xfrm>
+          <a:prstGeom prst="rect">
+            <a:avLst/>
+          </a:prstGeom>
+        </p:spPr>
+        <p:txBody>
+          <a:bodyPr lIns="0" rIns="0" tIns="0" bIns="0">
+            <a:normAutofit/>
+          </a:bodyPr>
+          <a:p>
+            <a:endParaRPr b="0" lang="en-US" sz="3200" spc="-1" strike="noStrike">
+              <a:latin typeface="Arial"/>
+            </a:endParaRPr>
+          </a:p>
+        </p:txBody>
+      </p:sp>
+    </p:spTree>
+  </p:cSld>
+</p:sldLayout>
+</file>
+
+<file path=ppt/slideLayouts/slideLayout22.xml><?xml version="1.0" encoding="utf-8"?>
+<p:sldLayout xmlns:a="http://schemas.openxmlformats.org/drawingml/2006/main" xmlns:p="http://schemas.openxmlformats.org/presentationml/2006/main" xmlns:r="http://schemas.openxmlformats.org/officeDocument/2006/relationships" xmlns:p14="http://schemas.microsoft.com/office/powerpoint/2010/main" xmlns:p15="http://schemas.microsoft.com/office/powerpoint/2012/main" xmlns:mc="http://schemas.openxmlformats.org/markup-compatibility/2006" type="objOverTx" preserve="1">
+  <p:cSld name="Title, Content over Content">
+    <p:spTree>
+      <p:nvGrpSpPr>
+        <p:cNvPr id="1" name=""/>
+        <p:cNvGrpSpPr/>
+        <p:nvPr/>
+      </p:nvGrpSpPr>
+      <p:grpSpPr>
+        <a:xfrm>
+          <a:off x="0" y="0"/>
+          <a:ext cx="0" cy="0"/>
+          <a:chOff x="0" y="0"/>
+          <a:chExt cx="0" cy="0"/>
+        </a:xfrm>
+      </p:grpSpPr>
+      <p:sp>
+        <p:nvSpPr>
+          <p:cNvPr id="143" name="PlaceHolder 1"/>
+          <p:cNvSpPr>
+            <a:spLocks noGrp="1"/>
+          </p:cNvSpPr>
+          <p:nvPr>
+            <p:ph type="title"/>
+          </p:nvPr>
+        </p:nvSpPr>
+        <p:spPr>
+          <a:xfrm>
+            <a:off x="609480" y="273600"/>
+            <a:ext cx="10972080" cy="1144440"/>
+          </a:xfrm>
+          <a:prstGeom prst="rect">
+            <a:avLst/>
+          </a:prstGeom>
+        </p:spPr>
+        <p:txBody>
+          <a:bodyPr lIns="0" rIns="0" tIns="0" bIns="0" anchor="ctr">
+            <a:noAutofit/>
+          </a:bodyPr>
+          <a:p>
+            <a:pPr algn="ctr"/>
+            <a:endParaRPr b="0" lang="en-US" sz="4400" spc="-1" strike="noStrike">
+              <a:latin typeface="Arial"/>
+            </a:endParaRPr>
+          </a:p>
+        </p:txBody>
+      </p:sp>
+      <p:sp>
+        <p:nvSpPr>
+          <p:cNvPr id="144" name="PlaceHolder 2"/>
+          <p:cNvSpPr>
+            <a:spLocks noGrp="1"/>
+          </p:cNvSpPr>
+          <p:nvPr>
+            <p:ph type="body"/>
+          </p:nvPr>
+        </p:nvSpPr>
+        <p:spPr>
+          <a:xfrm>
+            <a:off x="609480" y="1604520"/>
+            <a:ext cx="10972080" cy="1896840"/>
+          </a:xfrm>
+          <a:prstGeom prst="rect">
+            <a:avLst/>
+          </a:prstGeom>
+        </p:spPr>
+        <p:txBody>
+          <a:bodyPr lIns="0" rIns="0" tIns="0" bIns="0">
+            <a:normAutofit/>
+          </a:bodyPr>
+          <a:p>
+            <a:endParaRPr b="0" lang="en-US" sz="3200" spc="-1" strike="noStrike">
+              <a:latin typeface="Arial"/>
+            </a:endParaRPr>
+          </a:p>
+        </p:txBody>
+      </p:sp>
+      <p:sp>
+        <p:nvSpPr>
+          <p:cNvPr id="145" name="PlaceHolder 3"/>
+          <p:cNvSpPr>
+            <a:spLocks noGrp="1"/>
+          </p:cNvSpPr>
+          <p:nvPr>
+            <p:ph type="body"/>
+          </p:nvPr>
+        </p:nvSpPr>
+        <p:spPr>
+          <a:xfrm>
+            <a:off x="609480" y="3682080"/>
+            <a:ext cx="10972080" cy="1896840"/>
+          </a:xfrm>
+          <a:prstGeom prst="rect">
+            <a:avLst/>
+          </a:prstGeom>
+        </p:spPr>
+        <p:txBody>
+          <a:bodyPr lIns="0" rIns="0" tIns="0" bIns="0">
+            <a:normAutofit/>
+          </a:bodyPr>
+          <a:p>
+            <a:endParaRPr b="0" lang="en-US" sz="3200" spc="-1" strike="noStrike">
+              <a:latin typeface="Arial"/>
+            </a:endParaRPr>
+          </a:p>
+        </p:txBody>
+      </p:sp>
+    </p:spTree>
+  </p:cSld>
+</p:sldLayout>
+</file>
+
+<file path=ppt/slideLayouts/slideLayout23.xml><?xml version="1.0" encoding="utf-8"?>
+<p:sldLayout xmlns:a="http://schemas.openxmlformats.org/drawingml/2006/main" xmlns:p="http://schemas.openxmlformats.org/presentationml/2006/main" xmlns:r="http://schemas.openxmlformats.org/officeDocument/2006/relationships" xmlns:p14="http://schemas.microsoft.com/office/powerpoint/2010/main" xmlns:p15="http://schemas.microsoft.com/office/powerpoint/2012/main" xmlns:mc="http://schemas.openxmlformats.org/markup-compatibility/2006" type="fourObj" preserve="1">
+  <p:cSld name="Title, 4 Content">
+    <p:spTree>
+      <p:nvGrpSpPr>
+        <p:cNvPr id="1" name=""/>
+        <p:cNvGrpSpPr/>
+        <p:nvPr/>
+      </p:nvGrpSpPr>
+      <p:grpSpPr>
+        <a:xfrm>
+          <a:off x="0" y="0"/>
+          <a:ext cx="0" cy="0"/>
+          <a:chOff x="0" y="0"/>
+          <a:chExt cx="0" cy="0"/>
+        </a:xfrm>
+      </p:grpSpPr>
+      <p:sp>
+        <p:nvSpPr>
+          <p:cNvPr id="146" name="PlaceHolder 1"/>
+          <p:cNvSpPr>
+            <a:spLocks noGrp="1"/>
+          </p:cNvSpPr>
+          <p:nvPr>
+            <p:ph type="title"/>
+          </p:nvPr>
+        </p:nvSpPr>
+        <p:spPr>
+          <a:xfrm>
+            <a:off x="609480" y="273600"/>
+            <a:ext cx="10972080" cy="1144440"/>
+          </a:xfrm>
+          <a:prstGeom prst="rect">
+            <a:avLst/>
+          </a:prstGeom>
+        </p:spPr>
+        <p:txBody>
+          <a:bodyPr lIns="0" rIns="0" tIns="0" bIns="0" anchor="ctr">
+            <a:noAutofit/>
+          </a:bodyPr>
+          <a:p>
+            <a:pPr algn="ctr"/>
+            <a:endParaRPr b="0" lang="en-US" sz="4400" spc="-1" strike="noStrike">
+              <a:latin typeface="Arial"/>
+            </a:endParaRPr>
+          </a:p>
+        </p:txBody>
+      </p:sp>
+      <p:sp>
+        <p:nvSpPr>
+          <p:cNvPr id="147" name="PlaceHolder 2"/>
+          <p:cNvSpPr>
+            <a:spLocks noGrp="1"/>
+          </p:cNvSpPr>
+          <p:nvPr>
+            <p:ph type="body"/>
+          </p:nvPr>
+        </p:nvSpPr>
+        <p:spPr>
+          <a:xfrm>
+            <a:off x="609480" y="1604520"/>
+            <a:ext cx="5354280" cy="1896840"/>
+          </a:xfrm>
+          <a:prstGeom prst="rect">
+            <a:avLst/>
+          </a:prstGeom>
+        </p:spPr>
+        <p:txBody>
+          <a:bodyPr lIns="0" rIns="0" tIns="0" bIns="0">
+            <a:normAutofit/>
+          </a:bodyPr>
+          <a:p>
+            <a:endParaRPr b="0" lang="en-US" sz="3200" spc="-1" strike="noStrike">
+              <a:latin typeface="Arial"/>
+            </a:endParaRPr>
+          </a:p>
+        </p:txBody>
+      </p:sp>
+      <p:sp>
+        <p:nvSpPr>
+          <p:cNvPr id="148" name="PlaceHolder 3"/>
+          <p:cNvSpPr>
+            <a:spLocks noGrp="1"/>
+          </p:cNvSpPr>
+          <p:nvPr>
+            <p:ph type="body"/>
+          </p:nvPr>
+        </p:nvSpPr>
+        <p:spPr>
+          <a:xfrm>
+            <a:off x="6231960" y="1604520"/>
+            <a:ext cx="5354280" cy="1896840"/>
+          </a:xfrm>
+          <a:prstGeom prst="rect">
+            <a:avLst/>
+          </a:prstGeom>
+        </p:spPr>
+        <p:txBody>
+          <a:bodyPr lIns="0" rIns="0" tIns="0" bIns="0">
+            <a:normAutofit/>
+          </a:bodyPr>
+          <a:p>
+            <a:endParaRPr b="0" lang="en-US" sz="3200" spc="-1" strike="noStrike">
+              <a:latin typeface="Arial"/>
+            </a:endParaRPr>
+          </a:p>
+        </p:txBody>
+      </p:sp>
+      <p:sp>
+        <p:nvSpPr>
+          <p:cNvPr id="149" name="PlaceHolder 4"/>
+          <p:cNvSpPr>
+            <a:spLocks noGrp="1"/>
+          </p:cNvSpPr>
+          <p:nvPr>
+            <p:ph type="body"/>
+          </p:nvPr>
+        </p:nvSpPr>
+        <p:spPr>
+          <a:xfrm>
+            <a:off x="609480" y="3682080"/>
+            <a:ext cx="5354280" cy="1896840"/>
+          </a:xfrm>
+          <a:prstGeom prst="rect">
+            <a:avLst/>
+          </a:prstGeom>
+        </p:spPr>
+        <p:txBody>
+          <a:bodyPr lIns="0" rIns="0" tIns="0" bIns="0">
+            <a:normAutofit/>
+          </a:bodyPr>
+          <a:p>
+            <a:endParaRPr b="0" lang="en-US" sz="3200" spc="-1" strike="noStrike">
+              <a:latin typeface="Arial"/>
+            </a:endParaRPr>
+          </a:p>
+        </p:txBody>
+      </p:sp>
+      <p:sp>
+        <p:nvSpPr>
+          <p:cNvPr id="150" name="PlaceHolder 5"/>
+          <p:cNvSpPr>
+            <a:spLocks noGrp="1"/>
+          </p:cNvSpPr>
+          <p:nvPr>
+            <p:ph type="body"/>
+          </p:nvPr>
+        </p:nvSpPr>
+        <p:spPr>
+          <a:xfrm>
+            <a:off x="6231960" y="3682080"/>
+            <a:ext cx="5354280" cy="1896840"/>
+          </a:xfrm>
+          <a:prstGeom prst="rect">
+            <a:avLst/>
+          </a:prstGeom>
+        </p:spPr>
+        <p:txBody>
+          <a:bodyPr lIns="0" rIns="0" tIns="0" bIns="0">
+            <a:normAutofit/>
+          </a:bodyPr>
+          <a:p>
+            <a:endParaRPr b="0" lang="en-US" sz="3200" spc="-1" strike="noStrike">
+              <a:latin typeface="Arial"/>
+            </a:endParaRPr>
+          </a:p>
+        </p:txBody>
+      </p:sp>
+    </p:spTree>
+  </p:cSld>
+</p:sldLayout>
+</file>
+
+<file path=ppt/slideLayouts/slideLayout24.xml><?xml version="1.0" encoding="utf-8"?>
+<p:sldLayout xmlns:a="http://schemas.openxmlformats.org/drawingml/2006/main" xmlns:p="http://schemas.openxmlformats.org/presentationml/2006/main" xmlns:r="http://schemas.openxmlformats.org/officeDocument/2006/relationships" xmlns:p14="http://schemas.microsoft.com/office/powerpoint/2010/main" xmlns:p15="http://schemas.microsoft.com/office/powerpoint/2012/main" xmlns:mc="http://schemas.openxmlformats.org/markup-compatibility/2006" type="blank" preserve="1">
+  <p:cSld name="Title, 6 Content">
+    <p:spTree>
+      <p:nvGrpSpPr>
+        <p:cNvPr id="1" name=""/>
+        <p:cNvGrpSpPr/>
+        <p:nvPr/>
+      </p:nvGrpSpPr>
+      <p:grpSpPr>
+        <a:xfrm>
+          <a:off x="0" y="0"/>
+          <a:ext cx="0" cy="0"/>
+          <a:chOff x="0" y="0"/>
+          <a:chExt cx="0" cy="0"/>
+        </a:xfrm>
+      </p:grpSpPr>
+      <p:sp>
+        <p:nvSpPr>
+          <p:cNvPr id="151" name="PlaceHolder 1"/>
+          <p:cNvSpPr>
+            <a:spLocks noGrp="1"/>
+          </p:cNvSpPr>
+          <p:nvPr>
+            <p:ph type="title"/>
+          </p:nvPr>
+        </p:nvSpPr>
+        <p:spPr>
+          <a:xfrm>
+            <a:off x="609480" y="273600"/>
+            <a:ext cx="10972080" cy="1144440"/>
+          </a:xfrm>
+          <a:prstGeom prst="rect">
+            <a:avLst/>
+          </a:prstGeom>
+        </p:spPr>
+        <p:txBody>
+          <a:bodyPr lIns="0" rIns="0" tIns="0" bIns="0" anchor="ctr">
+            <a:noAutofit/>
+          </a:bodyPr>
+          <a:p>
+            <a:pPr algn="ctr"/>
+            <a:endParaRPr b="0" lang="en-US" sz="4400" spc="-1" strike="noStrike">
+              <a:latin typeface="Arial"/>
+            </a:endParaRPr>
+          </a:p>
+        </p:txBody>
+      </p:sp>
+      <p:sp>
+        <p:nvSpPr>
+          <p:cNvPr id="152" name="PlaceHolder 2"/>
+          <p:cNvSpPr>
+            <a:spLocks noGrp="1"/>
+          </p:cNvSpPr>
+          <p:nvPr>
+            <p:ph type="body"/>
+          </p:nvPr>
+        </p:nvSpPr>
+        <p:spPr>
+          <a:xfrm>
+            <a:off x="609480" y="1604520"/>
+            <a:ext cx="3532680" cy="1896840"/>
+          </a:xfrm>
+          <a:prstGeom prst="rect">
+            <a:avLst/>
+          </a:prstGeom>
+        </p:spPr>
+        <p:txBody>
+          <a:bodyPr lIns="0" rIns="0" tIns="0" bIns="0">
+            <a:normAutofit/>
+          </a:bodyPr>
+          <a:p>
+            <a:endParaRPr b="0" lang="en-US" sz="3200" spc="-1" strike="noStrike">
+              <a:latin typeface="Arial"/>
+            </a:endParaRPr>
+          </a:p>
+        </p:txBody>
+      </p:sp>
+      <p:sp>
+        <p:nvSpPr>
+          <p:cNvPr id="153" name="PlaceHolder 3"/>
+          <p:cNvSpPr>
+            <a:spLocks noGrp="1"/>
+          </p:cNvSpPr>
+          <p:nvPr>
+            <p:ph type="body"/>
+          </p:nvPr>
+        </p:nvSpPr>
+        <p:spPr>
+          <a:xfrm>
+            <a:off x="4319280" y="1604520"/>
+            <a:ext cx="3532680" cy="1896840"/>
+          </a:xfrm>
+          <a:prstGeom prst="rect">
+            <a:avLst/>
+          </a:prstGeom>
+        </p:spPr>
+        <p:txBody>
+          <a:bodyPr lIns="0" rIns="0" tIns="0" bIns="0">
+            <a:normAutofit/>
+          </a:bodyPr>
+          <a:p>
+            <a:endParaRPr b="0" lang="en-US" sz="3200" spc="-1" strike="noStrike">
+              <a:latin typeface="Arial"/>
+            </a:endParaRPr>
+          </a:p>
+        </p:txBody>
+      </p:sp>
+      <p:sp>
+        <p:nvSpPr>
+          <p:cNvPr id="154" name="PlaceHolder 4"/>
+          <p:cNvSpPr>
+            <a:spLocks noGrp="1"/>
+          </p:cNvSpPr>
+          <p:nvPr>
+            <p:ph type="body"/>
+          </p:nvPr>
+        </p:nvSpPr>
+        <p:spPr>
+          <a:xfrm>
+            <a:off x="8028720" y="1604520"/>
+            <a:ext cx="3532680" cy="1896840"/>
+          </a:xfrm>
+          <a:prstGeom prst="rect">
+            <a:avLst/>
+          </a:prstGeom>
+        </p:spPr>
+        <p:txBody>
+          <a:bodyPr lIns="0" rIns="0" tIns="0" bIns="0">
+            <a:normAutofit/>
+          </a:bodyPr>
+          <a:p>
+            <a:endParaRPr b="0" lang="en-US" sz="3200" spc="-1" strike="noStrike">
+              <a:latin typeface="Arial"/>
+            </a:endParaRPr>
+          </a:p>
+        </p:txBody>
+      </p:sp>
+      <p:sp>
+        <p:nvSpPr>
+          <p:cNvPr id="155" name="PlaceHolder 5"/>
+          <p:cNvSpPr>
+            <a:spLocks noGrp="1"/>
+          </p:cNvSpPr>
+          <p:nvPr>
+            <p:ph type="body"/>
+          </p:nvPr>
+        </p:nvSpPr>
+        <p:spPr>
+          <a:xfrm>
+            <a:off x="609480" y="3682080"/>
+            <a:ext cx="3532680" cy="1896840"/>
+          </a:xfrm>
+          <a:prstGeom prst="rect">
+            <a:avLst/>
+          </a:prstGeom>
+        </p:spPr>
+        <p:txBody>
+          <a:bodyPr lIns="0" rIns="0" tIns="0" bIns="0">
+            <a:normAutofit/>
+          </a:bodyPr>
+          <a:p>
+            <a:endParaRPr b="0" lang="en-US" sz="3200" spc="-1" strike="noStrike">
+              <a:latin typeface="Arial"/>
+            </a:endParaRPr>
+          </a:p>
+        </p:txBody>
+      </p:sp>
+      <p:sp>
+        <p:nvSpPr>
+          <p:cNvPr id="156" name="PlaceHolder 6"/>
+          <p:cNvSpPr>
+            <a:spLocks noGrp="1"/>
+          </p:cNvSpPr>
+          <p:nvPr>
+            <p:ph type="body"/>
+          </p:nvPr>
+        </p:nvSpPr>
+        <p:spPr>
+          <a:xfrm>
+            <a:off x="4319280" y="3682080"/>
+            <a:ext cx="3532680" cy="1896840"/>
+          </a:xfrm>
+          <a:prstGeom prst="rect">
+            <a:avLst/>
+          </a:prstGeom>
+        </p:spPr>
+        <p:txBody>
+          <a:bodyPr lIns="0" rIns="0" tIns="0" bIns="0">
+            <a:normAutofit/>
+          </a:bodyPr>
+          <a:p>
+            <a:endParaRPr b="0" lang="en-US" sz="3200" spc="-1" strike="noStrike">
+              <a:latin typeface="Arial"/>
+            </a:endParaRPr>
+          </a:p>
+        </p:txBody>
+      </p:sp>
+      <p:sp>
+        <p:nvSpPr>
+          <p:cNvPr id="157" name="PlaceHolder 7"/>
+          <p:cNvSpPr>
+            <a:spLocks noGrp="1"/>
+          </p:cNvSpPr>
+          <p:nvPr>
+            <p:ph type="body"/>
+          </p:nvPr>
+        </p:nvSpPr>
+        <p:spPr>
+          <a:xfrm>
+            <a:off x="8028720" y="3682080"/>
+            <a:ext cx="3532680" cy="1896840"/>
+          </a:xfrm>
+          <a:prstGeom prst="rect">
+            <a:avLst/>
+          </a:prstGeom>
+        </p:spPr>
+        <p:txBody>
+          <a:bodyPr lIns="0" rIns="0" tIns="0" bIns="0">
+            <a:normAutofit/>
+          </a:bodyPr>
+          <a:p>
             <a:endParaRPr b="0" lang="en-US" sz="3200" spc="-1" strike="noStrike">
               <a:latin typeface="Arial"/>
             </a:endParaRPr>
@@ -679,7 +2044,7 @@
         <p:spPr>
           <a:xfrm>
             <a:off x="609480" y="273600"/>
-            <a:ext cx="10972440" cy="1144800"/>
+            <a:ext cx="10972080" cy="1144440"/>
           </a:xfrm>
           <a:prstGeom prst="rect">
             <a:avLst/>
@@ -710,7 +2075,7 @@
         <p:spPr>
           <a:xfrm>
             <a:off x="609480" y="1604520"/>
-            <a:ext cx="10972440" cy="3977280"/>
+            <a:ext cx="10972080" cy="3976920"/>
           </a:xfrm>
           <a:prstGeom prst="rect">
             <a:avLst/>
@@ -762,7 +2127,7 @@
         <p:spPr>
           <a:xfrm>
             <a:off x="609480" y="273600"/>
-            <a:ext cx="10972440" cy="1144800"/>
+            <a:ext cx="10972080" cy="1144440"/>
           </a:xfrm>
           <a:prstGeom prst="rect">
             <a:avLst/>
@@ -793,7 +2158,7 @@
         <p:spPr>
           <a:xfrm>
             <a:off x="609480" y="1604520"/>
-            <a:ext cx="5354280" cy="3977280"/>
+            <a:ext cx="5354280" cy="3976920"/>
           </a:xfrm>
           <a:prstGeom prst="rect">
             <a:avLst/>
@@ -823,7 +2188,7 @@
         <p:spPr>
           <a:xfrm>
             <a:off x="6231960" y="1604520"/>
-            <a:ext cx="5354280" cy="3977280"/>
+            <a:ext cx="5354280" cy="3976920"/>
           </a:xfrm>
           <a:prstGeom prst="rect">
             <a:avLst/>
@@ -875,7 +2240,7 @@
         <p:spPr>
           <a:xfrm>
             <a:off x="609480" y="273600"/>
-            <a:ext cx="10972440" cy="1144800"/>
+            <a:ext cx="10972080" cy="1144440"/>
           </a:xfrm>
           <a:prstGeom prst="rect">
             <a:avLst/>
@@ -928,7 +2293,7 @@
         <p:spPr>
           <a:xfrm>
             <a:off x="609480" y="273600"/>
-            <a:ext cx="10972440" cy="5307840"/>
+            <a:ext cx="10972080" cy="5306400"/>
           </a:xfrm>
           <a:prstGeom prst="rect">
             <a:avLst/>
@@ -981,7 +2346,7 @@
         <p:spPr>
           <a:xfrm>
             <a:off x="609480" y="273600"/>
-            <a:ext cx="10972440" cy="1144800"/>
+            <a:ext cx="10972080" cy="1144440"/>
           </a:xfrm>
           <a:prstGeom prst="rect">
             <a:avLst/>
@@ -1042,7 +2407,7 @@
         <p:spPr>
           <a:xfrm>
             <a:off x="6231960" y="1604520"/>
-            <a:ext cx="5354280" cy="3977280"/>
+            <a:ext cx="5354280" cy="3976920"/>
           </a:xfrm>
           <a:prstGeom prst="rect">
             <a:avLst/>
@@ -1124,7 +2489,7 @@
         <p:spPr>
           <a:xfrm>
             <a:off x="609480" y="273600"/>
-            <a:ext cx="10972440" cy="1144800"/>
+            <a:ext cx="10972080" cy="1144440"/>
           </a:xfrm>
           <a:prstGeom prst="rect">
             <a:avLst/>
@@ -1155,7 +2520,7 @@
         <p:spPr>
           <a:xfrm>
             <a:off x="609480" y="1604520"/>
-            <a:ext cx="5354280" cy="3977280"/>
+            <a:ext cx="5354280" cy="3976920"/>
           </a:xfrm>
           <a:prstGeom prst="rect">
             <a:avLst/>
@@ -1267,7 +2632,7 @@
         <p:spPr>
           <a:xfrm>
             <a:off x="609480" y="273600"/>
-            <a:ext cx="10972440" cy="1144800"/>
+            <a:ext cx="10972080" cy="1144440"/>
           </a:xfrm>
           <a:prstGeom prst="rect">
             <a:avLst/>
@@ -1358,7 +2723,7 @@
         <p:spPr>
           <a:xfrm>
             <a:off x="609480" y="3682080"/>
-            <a:ext cx="10972440" cy="1896840"/>
+            <a:ext cx="10972080" cy="1896840"/>
           </a:xfrm>
           <a:prstGeom prst="rect">
             <a:avLst/>
@@ -1420,7 +2785,7 @@
         <p:spPr>
           <a:xfrm>
             <a:off x="0" y="0"/>
-            <a:ext cx="12191400" cy="6857280"/>
+            <a:ext cx="12190680" cy="6856560"/>
           </a:xfrm>
           <a:prstGeom prst="rect">
             <a:avLst/>
@@ -1439,9 +2804,9 @@
         <p:grpSpPr>
           <a:xfrm>
             <a:off x="-14400" y="0"/>
-            <a:ext cx="12053160" cy="6857280"/>
+            <a:ext cx="12052440" cy="6856560"/>
             <a:chOff x="-14400" y="0"/>
-            <a:chExt cx="12053160" cy="6857280"/>
+            <a:chExt cx="12052440" cy="6856560"/>
           </a:xfrm>
         </p:grpSpPr>
         <p:grpSp>
@@ -1453,9 +2818,9 @@
           <p:grpSpPr>
             <a:xfrm>
               <a:off x="-14400" y="0"/>
-              <a:ext cx="1220400" cy="6857280"/>
+              <a:ext cx="1219680" cy="6856560"/>
               <a:chOff x="-14400" y="0"/>
-              <a:chExt cx="1220400" cy="6857280"/>
+              <a:chExt cx="1219680" cy="6856560"/>
             </a:xfrm>
           </p:grpSpPr>
           <p:sp>
@@ -1467,7 +2832,7 @@
             <p:spPr>
               <a:xfrm>
                 <a:off x="114480" y="4680"/>
-                <a:ext cx="23040" cy="2180520"/>
+                <a:ext cx="22320" cy="2179800"/>
               </a:xfrm>
               <a:prstGeom prst="rect">
                 <a:avLst/>
@@ -1503,7 +2868,7 @@
             <p:spPr>
               <a:xfrm>
                 <a:off x="33480" y="2176560"/>
-                <a:ext cx="189720" cy="189720"/>
+                <a:ext cx="189000" cy="189000"/>
               </a:xfrm>
               <a:custGeom>
                 <a:avLst/>
@@ -1594,7 +2959,7 @@
             <p:spPr>
               <a:xfrm>
                 <a:off x="28440" y="4021200"/>
-                <a:ext cx="189720" cy="188280"/>
+                <a:ext cx="189000" cy="187560"/>
               </a:xfrm>
               <a:custGeom>
                 <a:avLst/>
@@ -1685,7 +3050,7 @@
             <p:spPr>
               <a:xfrm>
                 <a:off x="200160" y="4680"/>
-                <a:ext cx="369000" cy="1810440"/>
+                <a:ext cx="368280" cy="1809720"/>
               </a:xfrm>
               <a:custGeom>
                 <a:avLst/>
@@ -1750,7 +3115,7 @@
             <p:spPr>
               <a:xfrm>
                 <a:off x="503280" y="1801800"/>
-                <a:ext cx="189720" cy="188280"/>
+                <a:ext cx="189000" cy="187560"/>
               </a:xfrm>
               <a:custGeom>
                 <a:avLst/>
@@ -1841,7 +3206,7 @@
             <p:spPr>
               <a:xfrm>
                 <a:off x="285840" y="4680"/>
-                <a:ext cx="369000" cy="1429560"/>
+                <a:ext cx="368280" cy="1428840"/>
               </a:xfrm>
               <a:custGeom>
                 <a:avLst/>
@@ -1906,7 +3271,7 @@
             <p:spPr>
               <a:xfrm>
                 <a:off x="546120" y="0"/>
-                <a:ext cx="151560" cy="912240"/>
+                <a:ext cx="150840" cy="911520"/>
               </a:xfrm>
               <a:custGeom>
                 <a:avLst/>
@@ -1971,7 +3336,7 @@
             <p:spPr>
               <a:xfrm>
                 <a:off x="588960" y="1420920"/>
-                <a:ext cx="189720" cy="189720"/>
+                <a:ext cx="189000" cy="189000"/>
               </a:xfrm>
               <a:custGeom>
                 <a:avLst/>
@@ -2062,7 +3427,7 @@
             <p:spPr>
               <a:xfrm>
                 <a:off x="588960" y="903240"/>
-                <a:ext cx="189720" cy="189720"/>
+                <a:ext cx="189000" cy="189000"/>
               </a:xfrm>
               <a:custGeom>
                 <a:avLst/>
@@ -2153,7 +3518,7 @@
             <p:spPr>
               <a:xfrm>
                 <a:off x="641520" y="0"/>
-                <a:ext cx="421560" cy="526320"/>
+                <a:ext cx="420840" cy="525600"/>
               </a:xfrm>
               <a:custGeom>
                 <a:avLst/>
@@ -2218,7 +3583,7 @@
             <p:spPr>
               <a:xfrm>
                 <a:off x="1020600" y="488880"/>
-                <a:ext cx="161280" cy="146880"/>
+                <a:ext cx="160560" cy="146160"/>
               </a:xfrm>
               <a:custGeom>
                 <a:avLst/>
@@ -2356,7 +3721,7 @@
             <p:spPr>
               <a:xfrm>
                 <a:off x="9360" y="1801800"/>
-                <a:ext cx="123120" cy="126360"/>
+                <a:ext cx="122400" cy="125640"/>
               </a:xfrm>
               <a:custGeom>
                 <a:avLst/>
@@ -2415,7 +3780,7 @@
             <p:spPr>
               <a:xfrm>
                 <a:off x="-9360" y="3549600"/>
-                <a:ext cx="146880" cy="480240"/>
+                <a:ext cx="146160" cy="479520"/>
               </a:xfrm>
               <a:custGeom>
                 <a:avLst/>
@@ -2480,7 +3845,7 @@
             <p:spPr>
               <a:xfrm>
                 <a:off x="128520" y="1382760"/>
-                <a:ext cx="142200" cy="475560"/>
+                <a:ext cx="141480" cy="474840"/>
               </a:xfrm>
               <a:custGeom>
                 <a:avLst/>
@@ -2545,7 +3910,7 @@
             <p:spPr>
               <a:xfrm>
                 <a:off x="204840" y="1849320"/>
-                <a:ext cx="113760" cy="107280"/>
+                <a:ext cx="113040" cy="106560"/>
               </a:xfrm>
               <a:custGeom>
                 <a:avLst/>
@@ -2636,7 +4001,7 @@
             <p:spPr>
               <a:xfrm>
                 <a:off x="133200" y="4662360"/>
-                <a:ext cx="23040" cy="2180520"/>
+                <a:ext cx="22320" cy="2179800"/>
               </a:xfrm>
               <a:prstGeom prst="rect">
                 <a:avLst/>
@@ -2672,7 +4037,7 @@
             <p:spPr>
               <a:xfrm>
                 <a:off x="223920" y="5041800"/>
-                <a:ext cx="369000" cy="1801080"/>
+                <a:ext cx="368280" cy="1800360"/>
               </a:xfrm>
               <a:custGeom>
                 <a:avLst/>
@@ -2740,7 +4105,7 @@
             <p:spPr>
               <a:xfrm>
                 <a:off x="52560" y="4481640"/>
-                <a:ext cx="189720" cy="189720"/>
+                <a:ext cx="189000" cy="189000"/>
               </a:xfrm>
               <a:custGeom>
                 <a:avLst/>
@@ -2831,7 +4196,7 @@
             <p:spPr>
               <a:xfrm>
                 <a:off x="-14400" y="5627520"/>
-                <a:ext cx="84960" cy="1215360"/>
+                <a:ext cx="84240" cy="1214640"/>
               </a:xfrm>
               <a:custGeom>
                 <a:avLst/>
@@ -2896,7 +4261,7 @@
             <p:spPr>
               <a:xfrm>
                 <a:off x="527040" y="4867200"/>
-                <a:ext cx="189720" cy="188280"/>
+                <a:ext cx="189000" cy="187560"/>
               </a:xfrm>
               <a:custGeom>
                 <a:avLst/>
@@ -2987,7 +4352,7 @@
             <p:spPr>
               <a:xfrm>
                 <a:off x="309600" y="5423040"/>
-                <a:ext cx="374040" cy="1424880"/>
+                <a:ext cx="373320" cy="1424160"/>
               </a:xfrm>
               <a:custGeom>
                 <a:avLst/>
@@ -3055,7 +4420,7 @@
             <p:spPr>
               <a:xfrm>
                 <a:off x="569880" y="5945040"/>
-                <a:ext cx="151560" cy="912240"/>
+                <a:ext cx="150840" cy="911520"/>
               </a:xfrm>
               <a:custGeom>
                 <a:avLst/>
@@ -3120,7 +4485,7 @@
             <p:spPr>
               <a:xfrm>
                 <a:off x="612720" y="5246640"/>
-                <a:ext cx="189720" cy="189720"/>
+                <a:ext cx="189000" cy="189000"/>
               </a:xfrm>
               <a:custGeom>
                 <a:avLst/>
@@ -3211,7 +4576,7 @@
             <p:spPr>
               <a:xfrm>
                 <a:off x="612720" y="5764320"/>
-                <a:ext cx="189720" cy="189720"/>
+                <a:ext cx="189000" cy="189000"/>
               </a:xfrm>
               <a:custGeom>
                 <a:avLst/>
@@ -3302,7 +4667,7 @@
             <p:spPr>
               <a:xfrm>
                 <a:off x="669960" y="6330960"/>
-                <a:ext cx="416880" cy="516960"/>
+                <a:ext cx="416160" cy="516240"/>
               </a:xfrm>
               <a:custGeom>
                 <a:avLst/>
@@ -3370,7 +4735,7 @@
             <p:spPr>
               <a:xfrm>
                 <a:off x="1049400" y="6221520"/>
-                <a:ext cx="156600" cy="146880"/>
+                <a:ext cx="155880" cy="146160"/>
               </a:xfrm>
               <a:custGeom>
                 <a:avLst/>
@@ -3492,9 +4857,9 @@
           <p:grpSpPr>
             <a:xfrm>
               <a:off x="11364840" y="0"/>
-              <a:ext cx="673920" cy="6847920"/>
+              <a:ext cx="673200" cy="6847200"/>
               <a:chOff x="11364840" y="0"/>
-              <a:chExt cx="673920" cy="6847920"/>
+              <a:chExt cx="673200" cy="6847200"/>
             </a:xfrm>
           </p:grpSpPr>
           <p:sp>
@@ -3506,7 +4871,7 @@
             <p:spPr>
               <a:xfrm>
                 <a:off x="11484000" y="0"/>
-                <a:ext cx="416880" cy="511920"/>
+                <a:ext cx="416160" cy="511200"/>
               </a:xfrm>
               <a:custGeom>
                 <a:avLst/>
@@ -3578,7 +4943,7 @@
             <p:spPr>
               <a:xfrm>
                 <a:off x="11364840" y="474840"/>
-                <a:ext cx="156600" cy="151560"/>
+                <a:ext cx="155880" cy="150840"/>
               </a:xfrm>
               <a:custGeom>
                 <a:avLst/>
@@ -3698,7 +5063,7 @@
             <p:spPr>
               <a:xfrm>
                 <a:off x="11631600" y="1539720"/>
-                <a:ext cx="188280" cy="189720"/>
+                <a:ext cx="187560" cy="189000"/>
               </a:xfrm>
               <a:custGeom>
                 <a:avLst/>
@@ -3793,7 +5158,7 @@
             <p:spPr>
               <a:xfrm>
                 <a:off x="11531520" y="5694480"/>
-                <a:ext cx="297720" cy="1153440"/>
+                <a:ext cx="297000" cy="1152720"/>
               </a:xfrm>
               <a:custGeom>
                 <a:avLst/>
@@ -3865,7 +5230,7 @@
             <p:spPr>
               <a:xfrm>
                 <a:off x="11773080" y="5551560"/>
-                <a:ext cx="156600" cy="154800"/>
+                <a:ext cx="155880" cy="154080"/>
               </a:xfrm>
               <a:custGeom>
                 <a:avLst/>
@@ -3960,7 +5325,7 @@
             <p:spPr>
               <a:xfrm>
                 <a:off x="11711160" y="4680"/>
-                <a:ext cx="304200" cy="1544040"/>
+                <a:ext cx="303480" cy="1543320"/>
               </a:xfrm>
               <a:custGeom>
                 <a:avLst/>
@@ -4035,7 +5400,7 @@
             <p:spPr>
               <a:xfrm>
                 <a:off x="11636280" y="4867200"/>
-                <a:ext cx="188280" cy="188280"/>
+                <a:ext cx="187560" cy="187560"/>
               </a:xfrm>
               <a:custGeom>
                 <a:avLst/>
@@ -4130,7 +5495,7 @@
             <p:spPr>
               <a:xfrm>
                 <a:off x="11441160" y="5046840"/>
-                <a:ext cx="307080" cy="1801080"/>
+                <a:ext cx="306360" cy="1800360"/>
               </a:xfrm>
               <a:custGeom>
                 <a:avLst/>
@@ -4205,7 +5570,7 @@
             <p:spPr>
               <a:xfrm>
                 <a:off x="11849040" y="6416640"/>
-                <a:ext cx="189720" cy="188280"/>
+                <a:ext cx="189000" cy="187560"/>
               </a:xfrm>
               <a:custGeom>
                 <a:avLst/>
@@ -4300,7 +5665,7 @@
             <p:spPr>
               <a:xfrm>
                 <a:off x="11939760" y="6595920"/>
-                <a:ext cx="23040" cy="251640"/>
+                <a:ext cx="22320" cy="250920"/>
               </a:xfrm>
               <a:prstGeom prst="rect">
                 <a:avLst/>
@@ -4346,6 +5711,3194 @@
         <p:spPr>
           <a:xfrm>
             <a:off x="609480" y="273600"/>
+            <a:ext cx="10972080" cy="1144440"/>
+          </a:xfrm>
+          <a:prstGeom prst="rect">
+            <a:avLst/>
+          </a:prstGeom>
+        </p:spPr>
+        <p:txBody>
+          <a:bodyPr lIns="0" rIns="0" tIns="0" bIns="0" anchor="ctr">
+            <a:noAutofit/>
+          </a:bodyPr>
+          <a:p>
+            <a:r>
+              <a:rPr b="0" lang="en-US" sz="1800" spc="-1" strike="noStrike">
+                <a:latin typeface="Arial"/>
+              </a:rPr>
+              <a:t>Click to edit the title text format</a:t>
+            </a:r>
+            <a:endParaRPr b="0" lang="en-US" sz="1800" spc="-1" strike="noStrike">
+              <a:latin typeface="Arial"/>
+            </a:endParaRPr>
+          </a:p>
+        </p:txBody>
+      </p:sp>
+      <p:sp>
+        <p:nvSpPr>
+          <p:cNvPr id="42" name="PlaceHolder 2"/>
+          <p:cNvSpPr>
+            <a:spLocks noGrp="1"/>
+          </p:cNvSpPr>
+          <p:nvPr>
+            <p:ph type="body"/>
+          </p:nvPr>
+        </p:nvSpPr>
+        <p:spPr>
+          <a:xfrm>
+            <a:off x="609480" y="1604520"/>
+            <a:ext cx="10972080" cy="3976920"/>
+          </a:xfrm>
+          <a:prstGeom prst="rect">
+            <a:avLst/>
+          </a:prstGeom>
+        </p:spPr>
+        <p:txBody>
+          <a:bodyPr lIns="0" rIns="0" tIns="0" bIns="0">
+            <a:normAutofit/>
+          </a:bodyPr>
+          <a:p>
+            <a:pPr marL="432000" indent="-324000">
+              <a:spcBef>
+                <a:spcPts val="1417"/>
+              </a:spcBef>
+              <a:buClr>
+                <a:srgbClr val="000000"/>
+              </a:buClr>
+              <a:buSzPct val="45000"/>
+              <a:buFont typeface="Wingdings" charset="2"/>
+              <a:buChar char=""/>
+            </a:pPr>
+            <a:r>
+              <a:rPr b="0" lang="en-US" sz="1800" spc="-1" strike="noStrike">
+                <a:latin typeface="Arial"/>
+              </a:rPr>
+              <a:t>Click to edit the outline text format</a:t>
+            </a:r>
+            <a:endParaRPr b="0" lang="en-US" sz="1800" spc="-1" strike="noStrike">
+              <a:latin typeface="Arial"/>
+            </a:endParaRPr>
+          </a:p>
+          <a:p>
+            <a:pPr lvl="1" marL="864000" indent="-324000">
+              <a:spcBef>
+                <a:spcPts val="1134"/>
+              </a:spcBef>
+              <a:buClr>
+                <a:srgbClr val="000000"/>
+              </a:buClr>
+              <a:buSzPct val="75000"/>
+              <a:buFont typeface="Symbol" charset="2"/>
+              <a:buChar char=""/>
+            </a:pPr>
+            <a:r>
+              <a:rPr b="0" lang="en-US" sz="1800" spc="-1" strike="noStrike">
+                <a:latin typeface="Arial"/>
+              </a:rPr>
+              <a:t>Second Outline Level</a:t>
+            </a:r>
+            <a:endParaRPr b="0" lang="en-US" sz="1800" spc="-1" strike="noStrike">
+              <a:latin typeface="Arial"/>
+            </a:endParaRPr>
+          </a:p>
+          <a:p>
+            <a:pPr lvl="2" marL="1296000" indent="-288000">
+              <a:spcBef>
+                <a:spcPts val="850"/>
+              </a:spcBef>
+              <a:buClr>
+                <a:srgbClr val="000000"/>
+              </a:buClr>
+              <a:buSzPct val="45000"/>
+              <a:buFont typeface="Wingdings" charset="2"/>
+              <a:buChar char=""/>
+            </a:pPr>
+            <a:r>
+              <a:rPr b="0" lang="en-US" sz="1800" spc="-1" strike="noStrike">
+                <a:latin typeface="Arial"/>
+              </a:rPr>
+              <a:t>Third Outline Level</a:t>
+            </a:r>
+            <a:endParaRPr b="0" lang="en-US" sz="1800" spc="-1" strike="noStrike">
+              <a:latin typeface="Arial"/>
+            </a:endParaRPr>
+          </a:p>
+          <a:p>
+            <a:pPr lvl="3" marL="1728000" indent="-216000">
+              <a:spcBef>
+                <a:spcPts val="567"/>
+              </a:spcBef>
+              <a:buClr>
+                <a:srgbClr val="000000"/>
+              </a:buClr>
+              <a:buSzPct val="75000"/>
+              <a:buFont typeface="Symbol" charset="2"/>
+              <a:buChar char=""/>
+            </a:pPr>
+            <a:r>
+              <a:rPr b="0" lang="en-US" sz="1800" spc="-1" strike="noStrike">
+                <a:latin typeface="Arial"/>
+              </a:rPr>
+              <a:t>Fourth Outline Level</a:t>
+            </a:r>
+            <a:endParaRPr b="0" lang="en-US" sz="1800" spc="-1" strike="noStrike">
+              <a:latin typeface="Arial"/>
+            </a:endParaRPr>
+          </a:p>
+          <a:p>
+            <a:pPr lvl="4" marL="2160000" indent="-216000">
+              <a:spcBef>
+                <a:spcPts val="283"/>
+              </a:spcBef>
+              <a:buClr>
+                <a:srgbClr val="000000"/>
+              </a:buClr>
+              <a:buSzPct val="45000"/>
+              <a:buFont typeface="Wingdings" charset="2"/>
+              <a:buChar char=""/>
+            </a:pPr>
+            <a:r>
+              <a:rPr b="0" lang="en-US" sz="1800" spc="-1" strike="noStrike">
+                <a:latin typeface="Arial"/>
+              </a:rPr>
+              <a:t>Fifth Outline Level</a:t>
+            </a:r>
+            <a:endParaRPr b="0" lang="en-US" sz="1800" spc="-1" strike="noStrike">
+              <a:latin typeface="Arial"/>
+            </a:endParaRPr>
+          </a:p>
+          <a:p>
+            <a:pPr lvl="5" marL="2592000" indent="-216000">
+              <a:spcBef>
+                <a:spcPts val="283"/>
+              </a:spcBef>
+              <a:buClr>
+                <a:srgbClr val="000000"/>
+              </a:buClr>
+              <a:buSzPct val="45000"/>
+              <a:buFont typeface="Wingdings" charset="2"/>
+              <a:buChar char=""/>
+            </a:pPr>
+            <a:r>
+              <a:rPr b="0" lang="en-US" sz="1800" spc="-1" strike="noStrike">
+                <a:latin typeface="Arial"/>
+              </a:rPr>
+              <a:t>Sixth Outline Level</a:t>
+            </a:r>
+            <a:endParaRPr b="0" lang="en-US" sz="1800" spc="-1" strike="noStrike">
+              <a:latin typeface="Arial"/>
+            </a:endParaRPr>
+          </a:p>
+          <a:p>
+            <a:pPr lvl="6" marL="3024000" indent="-216000">
+              <a:spcBef>
+                <a:spcPts val="283"/>
+              </a:spcBef>
+              <a:buClr>
+                <a:srgbClr val="000000"/>
+              </a:buClr>
+              <a:buSzPct val="45000"/>
+              <a:buFont typeface="Wingdings" charset="2"/>
+              <a:buChar char=""/>
+            </a:pPr>
+            <a:r>
+              <a:rPr b="0" lang="en-US" sz="1800" spc="-1" strike="noStrike">
+                <a:latin typeface="Arial"/>
+              </a:rPr>
+              <a:t>Seventh Outline Level</a:t>
+            </a:r>
+            <a:endParaRPr b="0" lang="en-US" sz="1800" spc="-1" strike="noStrike">
+              <a:latin typeface="Arial"/>
+            </a:endParaRPr>
+          </a:p>
+        </p:txBody>
+      </p:sp>
+    </p:spTree>
+  </p:cSld>
+  <p:clrMap bg1="lt1" bg2="lt2" tx1="dk1" tx2="dk2" accent1="accent1" accent2="accent2" accent3="accent3" accent4="accent4" accent5="accent5" accent6="accent6" hlink="hlink" folHlink="folHlink"/>
+  <p:sldLayoutIdLst>
+    <p:sldLayoutId id="2147483649" r:id="rId4"/>
+    <p:sldLayoutId id="2147483650" r:id="rId5"/>
+    <p:sldLayoutId id="2147483651" r:id="rId6"/>
+    <p:sldLayoutId id="2147483652" r:id="rId7"/>
+    <p:sldLayoutId id="2147483653" r:id="rId8"/>
+    <p:sldLayoutId id="2147483654" r:id="rId9"/>
+    <p:sldLayoutId id="2147483655" r:id="rId10"/>
+    <p:sldLayoutId id="2147483656" r:id="rId11"/>
+    <p:sldLayoutId id="2147483657" r:id="rId12"/>
+    <p:sldLayoutId id="2147483658" r:id="rId13"/>
+    <p:sldLayoutId id="2147483659" r:id="rId14"/>
+    <p:sldLayoutId id="2147483660" r:id="rId15"/>
+  </p:sldLayoutIdLst>
+</p:sldMaster>
+</file>
+
+<file path=ppt/slideMasters/slideMaster2.xml><?xml version="1.0" encoding="utf-8"?>
+<p:sldMaster xmlns:a="http://schemas.openxmlformats.org/drawingml/2006/main" xmlns:p="http://schemas.openxmlformats.org/presentationml/2006/main" xmlns:r="http://schemas.openxmlformats.org/officeDocument/2006/relationships" xmlns:p14="http://schemas.microsoft.com/office/powerpoint/2010/main" xmlns:p15="http://schemas.microsoft.com/office/powerpoint/2012/main" xmlns:mc="http://schemas.openxmlformats.org/markup-compatibility/2006">
+  <p:cSld>
+    <p:bg>
+      <p:bgPr>
+        <a:blipFill rotWithShape="0">
+          <a:blip r:embed="rId2"/>
+          <a:stretch/>
+        </a:blipFill>
+      </p:bgPr>
+    </p:bg>
+    <p:spTree>
+      <p:nvGrpSpPr>
+        <p:cNvPr id="1" name=""/>
+        <p:cNvGrpSpPr/>
+        <p:nvPr/>
+      </p:nvGrpSpPr>
+      <p:grpSpPr>
+        <a:xfrm>
+          <a:off x="0" y="0"/>
+          <a:ext cx="0" cy="0"/>
+          <a:chOff x="0" y="0"/>
+          <a:chExt cx="0" cy="0"/>
+        </a:xfrm>
+      </p:grpSpPr>
+      <p:pic>
+        <p:nvPicPr>
+          <p:cNvPr id="79" name="Picture 2" descr="\\DROBO-FS\QuickDrops\JB\PPTX NG\Droplets\LightingOverlay.png"/>
+          <p:cNvPicPr/>
+          <p:nvPr/>
+        </p:nvPicPr>
+        <p:blipFill>
+          <a:blip r:embed="rId3">
+            <a:alphaModFix amt="30000"/>
+          </a:blip>
+          <a:stretch/>
+        </p:blipFill>
+        <p:spPr>
+          <a:xfrm>
+            <a:off x="0" y="0"/>
+            <a:ext cx="12190680" cy="6856560"/>
+          </a:xfrm>
+          <a:prstGeom prst="rect">
+            <a:avLst/>
+          </a:prstGeom>
+          <a:ln w="0">
+            <a:noFill/>
+          </a:ln>
+        </p:spPr>
+      </p:pic>
+      <p:grpSp>
+        <p:nvGrpSpPr>
+          <p:cNvPr id="80" name="Group 7"/>
+          <p:cNvGrpSpPr/>
+          <p:nvPr/>
+        </p:nvGrpSpPr>
+        <p:grpSpPr>
+          <a:xfrm>
+            <a:off x="-14400" y="0"/>
+            <a:ext cx="12052440" cy="6856560"/>
+            <a:chOff x="-14400" y="0"/>
+            <a:chExt cx="12052440" cy="6856560"/>
+          </a:xfrm>
+        </p:grpSpPr>
+        <p:grpSp>
+          <p:nvGrpSpPr>
+            <p:cNvPr id="81" name="Group 8"/>
+            <p:cNvGrpSpPr/>
+            <p:nvPr/>
+          </p:nvGrpSpPr>
+          <p:grpSpPr>
+            <a:xfrm>
+              <a:off x="-14400" y="0"/>
+              <a:ext cx="1219680" cy="6856560"/>
+              <a:chOff x="-14400" y="0"/>
+              <a:chExt cx="1219680" cy="6856560"/>
+            </a:xfrm>
+          </p:grpSpPr>
+          <p:sp>
+            <p:nvSpPr>
+              <p:cNvPr id="82" name="Rectangle 5"/>
+              <p:cNvSpPr/>
+              <p:nvPr/>
+            </p:nvSpPr>
+            <p:spPr>
+              <a:xfrm>
+                <a:off x="114480" y="4680"/>
+                <a:ext cx="22320" cy="2179800"/>
+              </a:xfrm>
+              <a:prstGeom prst="rect">
+                <a:avLst/>
+              </a:prstGeom>
+              <a:gradFill rotWithShape="0">
+                <a:gsLst>
+                  <a:gs pos="0">
+                    <a:srgbClr val="82ffff"/>
+                  </a:gs>
+                  <a:gs pos="100000">
+                    <a:srgbClr val="3d97de"/>
+                  </a:gs>
+                </a:gsLst>
+                <a:lin ang="5400000"/>
+              </a:gradFill>
+              <a:ln w="0">
+                <a:noFill/>
+              </a:ln>
+            </p:spPr>
+            <p:style>
+              <a:lnRef idx="0"/>
+              <a:fillRef idx="0"/>
+              <a:effectRef idx="0"/>
+              <a:fontRef idx="minor"/>
+            </p:style>
+          </p:sp>
+          <p:sp>
+            <p:nvSpPr>
+              <p:cNvPr id="83" name="Freeform 6"/>
+              <p:cNvSpPr/>
+              <p:nvPr/>
+            </p:nvSpPr>
+            <p:spPr>
+              <a:xfrm>
+                <a:off x="33480" y="2176560"/>
+                <a:ext cx="189000" cy="189000"/>
+              </a:xfrm>
+              <a:custGeom>
+                <a:avLst/>
+                <a:gdLst/>
+                <a:ahLst/>
+                <a:rect l="l" t="t" r="r" b="b"/>
+                <a:pathLst>
+                  <a:path w="40" h="40">
+                    <a:moveTo>
+                      <a:pt x="20" y="40"/>
+                    </a:moveTo>
+                    <a:cubicBezTo>
+                      <a:pt x="9" y="40"/>
+                      <a:pt x="0" y="31"/>
+                      <a:pt x="0" y="20"/>
+                    </a:cubicBezTo>
+                    <a:cubicBezTo>
+                      <a:pt x="0" y="9"/>
+                      <a:pt x="9" y="0"/>
+                      <a:pt x="20" y="0"/>
+                    </a:cubicBezTo>
+                    <a:cubicBezTo>
+                      <a:pt x="31" y="0"/>
+                      <a:pt x="40" y="9"/>
+                      <a:pt x="40" y="20"/>
+                    </a:cubicBezTo>
+                    <a:cubicBezTo>
+                      <a:pt x="40" y="31"/>
+                      <a:pt x="31" y="40"/>
+                      <a:pt x="20" y="40"/>
+                    </a:cubicBezTo>
+                    <a:close/>
+                    <a:moveTo>
+                      <a:pt x="20" y="4"/>
+                    </a:moveTo>
+                    <a:cubicBezTo>
+                      <a:pt x="11" y="4"/>
+                      <a:pt x="4" y="11"/>
+                      <a:pt x="4" y="20"/>
+                    </a:cubicBezTo>
+                    <a:cubicBezTo>
+                      <a:pt x="4" y="29"/>
+                      <a:pt x="11" y="36"/>
+                      <a:pt x="20" y="36"/>
+                    </a:cubicBezTo>
+                    <a:cubicBezTo>
+                      <a:pt x="28" y="36"/>
+                      <a:pt x="36" y="29"/>
+                      <a:pt x="36" y="20"/>
+                    </a:cubicBezTo>
+                    <a:cubicBezTo>
+                      <a:pt x="36" y="11"/>
+                      <a:pt x="28" y="4"/>
+                      <a:pt x="20" y="4"/>
+                    </a:cubicBezTo>
+                    <a:close/>
+                  </a:path>
+                </a:pathLst>
+              </a:custGeom>
+              <a:gradFill rotWithShape="0">
+                <a:gsLst>
+                  <a:gs pos="0">
+                    <a:srgbClr val="82ffff"/>
+                  </a:gs>
+                  <a:gs pos="100000">
+                    <a:srgbClr val="3d97de"/>
+                  </a:gs>
+                </a:gsLst>
+                <a:lin ang="5400000"/>
+              </a:gradFill>
+              <a:ln w="0">
+                <a:noFill/>
+              </a:ln>
+            </p:spPr>
+            <p:style>
+              <a:lnRef idx="0"/>
+              <a:fillRef idx="0"/>
+              <a:effectRef idx="0"/>
+              <a:fontRef idx="minor"/>
+            </p:style>
+          </p:sp>
+          <p:sp>
+            <p:nvSpPr>
+              <p:cNvPr id="84" name="Freeform 7"/>
+              <p:cNvSpPr/>
+              <p:nvPr/>
+            </p:nvSpPr>
+            <p:spPr>
+              <a:xfrm>
+                <a:off x="28440" y="4021200"/>
+                <a:ext cx="189000" cy="187560"/>
+              </a:xfrm>
+              <a:custGeom>
+                <a:avLst/>
+                <a:gdLst/>
+                <a:ahLst/>
+                <a:rect l="l" t="t" r="r" b="b"/>
+                <a:pathLst>
+                  <a:path w="40" h="40">
+                    <a:moveTo>
+                      <a:pt x="20" y="40"/>
+                    </a:moveTo>
+                    <a:cubicBezTo>
+                      <a:pt x="9" y="40"/>
+                      <a:pt x="0" y="31"/>
+                      <a:pt x="0" y="20"/>
+                    </a:cubicBezTo>
+                    <a:cubicBezTo>
+                      <a:pt x="0" y="9"/>
+                      <a:pt x="9" y="0"/>
+                      <a:pt x="20" y="0"/>
+                    </a:cubicBezTo>
+                    <a:cubicBezTo>
+                      <a:pt x="31" y="0"/>
+                      <a:pt x="40" y="9"/>
+                      <a:pt x="40" y="20"/>
+                    </a:cubicBezTo>
+                    <a:cubicBezTo>
+                      <a:pt x="40" y="31"/>
+                      <a:pt x="31" y="40"/>
+                      <a:pt x="20" y="40"/>
+                    </a:cubicBezTo>
+                    <a:close/>
+                    <a:moveTo>
+                      <a:pt x="20" y="4"/>
+                    </a:moveTo>
+                    <a:cubicBezTo>
+                      <a:pt x="12" y="4"/>
+                      <a:pt x="4" y="11"/>
+                      <a:pt x="4" y="20"/>
+                    </a:cubicBezTo>
+                    <a:cubicBezTo>
+                      <a:pt x="4" y="29"/>
+                      <a:pt x="12" y="36"/>
+                      <a:pt x="20" y="36"/>
+                    </a:cubicBezTo>
+                    <a:cubicBezTo>
+                      <a:pt x="29" y="36"/>
+                      <a:pt x="36" y="29"/>
+                      <a:pt x="36" y="20"/>
+                    </a:cubicBezTo>
+                    <a:cubicBezTo>
+                      <a:pt x="36" y="11"/>
+                      <a:pt x="29" y="4"/>
+                      <a:pt x="20" y="4"/>
+                    </a:cubicBezTo>
+                    <a:close/>
+                  </a:path>
+                </a:pathLst>
+              </a:custGeom>
+              <a:gradFill rotWithShape="0">
+                <a:gsLst>
+                  <a:gs pos="0">
+                    <a:srgbClr val="82ffff"/>
+                  </a:gs>
+                  <a:gs pos="100000">
+                    <a:srgbClr val="3d97de"/>
+                  </a:gs>
+                </a:gsLst>
+                <a:lin ang="5400000"/>
+              </a:gradFill>
+              <a:ln w="0">
+                <a:noFill/>
+              </a:ln>
+            </p:spPr>
+            <p:style>
+              <a:lnRef idx="0"/>
+              <a:fillRef idx="0"/>
+              <a:effectRef idx="0"/>
+              <a:fontRef idx="minor"/>
+            </p:style>
+          </p:sp>
+          <p:sp>
+            <p:nvSpPr>
+              <p:cNvPr id="85" name="Freeform 8"/>
+              <p:cNvSpPr/>
+              <p:nvPr/>
+            </p:nvSpPr>
+            <p:spPr>
+              <a:xfrm>
+                <a:off x="200160" y="4680"/>
+                <a:ext cx="368280" cy="1809720"/>
+              </a:xfrm>
+              <a:custGeom>
+                <a:avLst/>
+                <a:gdLst/>
+                <a:ahLst/>
+                <a:rect l="l" t="t" r="r" b="b"/>
+                <a:pathLst>
+                  <a:path w="233" h="1141">
+                    <a:moveTo>
+                      <a:pt x="218" y="1141"/>
+                    </a:moveTo>
+                    <a:lnTo>
+                      <a:pt x="0" y="626"/>
+                    </a:lnTo>
+                    <a:lnTo>
+                      <a:pt x="0" y="0"/>
+                    </a:lnTo>
+                    <a:lnTo>
+                      <a:pt x="15" y="0"/>
+                    </a:lnTo>
+                    <a:lnTo>
+                      <a:pt x="15" y="623"/>
+                    </a:lnTo>
+                    <a:lnTo>
+                      <a:pt x="233" y="1135"/>
+                    </a:lnTo>
+                    <a:lnTo>
+                      <a:pt x="218" y="1141"/>
+                    </a:lnTo>
+                    <a:close/>
+                  </a:path>
+                </a:pathLst>
+              </a:custGeom>
+              <a:gradFill rotWithShape="0">
+                <a:gsLst>
+                  <a:gs pos="0">
+                    <a:srgbClr val="82ffff"/>
+                  </a:gs>
+                  <a:gs pos="100000">
+                    <a:srgbClr val="3d97de"/>
+                  </a:gs>
+                </a:gsLst>
+                <a:lin ang="5400000"/>
+              </a:gradFill>
+              <a:ln w="0">
+                <a:noFill/>
+              </a:ln>
+            </p:spPr>
+            <p:style>
+              <a:lnRef idx="0"/>
+              <a:fillRef idx="0"/>
+              <a:effectRef idx="0"/>
+              <a:fontRef idx="minor"/>
+            </p:style>
+          </p:sp>
+          <p:sp>
+            <p:nvSpPr>
+              <p:cNvPr id="86" name="Freeform 9"/>
+              <p:cNvSpPr/>
+              <p:nvPr/>
+            </p:nvSpPr>
+            <p:spPr>
+              <a:xfrm>
+                <a:off x="503280" y="1801800"/>
+                <a:ext cx="189000" cy="187560"/>
+              </a:xfrm>
+              <a:custGeom>
+                <a:avLst/>
+                <a:gdLst/>
+                <a:ahLst/>
+                <a:rect l="l" t="t" r="r" b="b"/>
+                <a:pathLst>
+                  <a:path w="40" h="40">
+                    <a:moveTo>
+                      <a:pt x="20" y="40"/>
+                    </a:moveTo>
+                    <a:cubicBezTo>
+                      <a:pt x="9" y="40"/>
+                      <a:pt x="0" y="31"/>
+                      <a:pt x="0" y="20"/>
+                    </a:cubicBezTo>
+                    <a:cubicBezTo>
+                      <a:pt x="0" y="9"/>
+                      <a:pt x="9" y="0"/>
+                      <a:pt x="20" y="0"/>
+                    </a:cubicBezTo>
+                    <a:cubicBezTo>
+                      <a:pt x="33" y="0"/>
+                      <a:pt x="40" y="6"/>
+                      <a:pt x="40" y="20"/>
+                    </a:cubicBezTo>
+                    <a:cubicBezTo>
+                      <a:pt x="40" y="31"/>
+                      <a:pt x="31" y="40"/>
+                      <a:pt x="20" y="40"/>
+                    </a:cubicBezTo>
+                    <a:close/>
+                    <a:moveTo>
+                      <a:pt x="20" y="4"/>
+                    </a:moveTo>
+                    <a:cubicBezTo>
+                      <a:pt x="11" y="4"/>
+                      <a:pt x="4" y="11"/>
+                      <a:pt x="4" y="20"/>
+                    </a:cubicBezTo>
+                    <a:cubicBezTo>
+                      <a:pt x="4" y="29"/>
+                      <a:pt x="11" y="36"/>
+                      <a:pt x="20" y="36"/>
+                    </a:cubicBezTo>
+                    <a:cubicBezTo>
+                      <a:pt x="28" y="36"/>
+                      <a:pt x="36" y="29"/>
+                      <a:pt x="36" y="20"/>
+                    </a:cubicBezTo>
+                    <a:cubicBezTo>
+                      <a:pt x="36" y="9"/>
+                      <a:pt x="31" y="4"/>
+                      <a:pt x="20" y="4"/>
+                    </a:cubicBezTo>
+                    <a:close/>
+                  </a:path>
+                </a:pathLst>
+              </a:custGeom>
+              <a:gradFill rotWithShape="0">
+                <a:gsLst>
+                  <a:gs pos="0">
+                    <a:srgbClr val="82ffff"/>
+                  </a:gs>
+                  <a:gs pos="100000">
+                    <a:srgbClr val="3d97de"/>
+                  </a:gs>
+                </a:gsLst>
+                <a:lin ang="5400000"/>
+              </a:gradFill>
+              <a:ln w="0">
+                <a:noFill/>
+              </a:ln>
+            </p:spPr>
+            <p:style>
+              <a:lnRef idx="0"/>
+              <a:fillRef idx="0"/>
+              <a:effectRef idx="0"/>
+              <a:fontRef idx="minor"/>
+            </p:style>
+          </p:sp>
+          <p:sp>
+            <p:nvSpPr>
+              <p:cNvPr id="87" name="Freeform 10"/>
+              <p:cNvSpPr/>
+              <p:nvPr/>
+            </p:nvSpPr>
+            <p:spPr>
+              <a:xfrm>
+                <a:off x="285840" y="4680"/>
+                <a:ext cx="368280" cy="1428840"/>
+              </a:xfrm>
+              <a:custGeom>
+                <a:avLst/>
+                <a:gdLst/>
+                <a:ahLst/>
+                <a:rect l="l" t="t" r="r" b="b"/>
+                <a:pathLst>
+                  <a:path w="233" h="901">
+                    <a:moveTo>
+                      <a:pt x="221" y="901"/>
+                    </a:moveTo>
+                    <a:lnTo>
+                      <a:pt x="0" y="383"/>
+                    </a:lnTo>
+                    <a:lnTo>
+                      <a:pt x="0" y="0"/>
+                    </a:lnTo>
+                    <a:lnTo>
+                      <a:pt x="18" y="0"/>
+                    </a:lnTo>
+                    <a:lnTo>
+                      <a:pt x="18" y="380"/>
+                    </a:lnTo>
+                    <a:lnTo>
+                      <a:pt x="233" y="895"/>
+                    </a:lnTo>
+                    <a:lnTo>
+                      <a:pt x="221" y="901"/>
+                    </a:lnTo>
+                    <a:close/>
+                  </a:path>
+                </a:pathLst>
+              </a:custGeom>
+              <a:gradFill rotWithShape="0">
+                <a:gsLst>
+                  <a:gs pos="0">
+                    <a:srgbClr val="82ffff"/>
+                  </a:gs>
+                  <a:gs pos="100000">
+                    <a:srgbClr val="3d97de"/>
+                  </a:gs>
+                </a:gsLst>
+                <a:lin ang="5400000"/>
+              </a:gradFill>
+              <a:ln w="0">
+                <a:noFill/>
+              </a:ln>
+            </p:spPr>
+            <p:style>
+              <a:lnRef idx="0"/>
+              <a:fillRef idx="0"/>
+              <a:effectRef idx="0"/>
+              <a:fontRef idx="minor"/>
+            </p:style>
+          </p:sp>
+          <p:sp>
+            <p:nvSpPr>
+              <p:cNvPr id="88" name="Freeform 11"/>
+              <p:cNvSpPr/>
+              <p:nvPr/>
+            </p:nvSpPr>
+            <p:spPr>
+              <a:xfrm>
+                <a:off x="546120" y="0"/>
+                <a:ext cx="150840" cy="911520"/>
+              </a:xfrm>
+              <a:custGeom>
+                <a:avLst/>
+                <a:gdLst/>
+                <a:ahLst/>
+                <a:rect l="l" t="t" r="r" b="b"/>
+                <a:pathLst>
+                  <a:path w="96" h="575">
+                    <a:moveTo>
+                      <a:pt x="96" y="575"/>
+                    </a:moveTo>
+                    <a:lnTo>
+                      <a:pt x="78" y="575"/>
+                    </a:lnTo>
+                    <a:lnTo>
+                      <a:pt x="78" y="192"/>
+                    </a:lnTo>
+                    <a:lnTo>
+                      <a:pt x="0" y="6"/>
+                    </a:lnTo>
+                    <a:lnTo>
+                      <a:pt x="15" y="0"/>
+                    </a:lnTo>
+                    <a:lnTo>
+                      <a:pt x="96" y="189"/>
+                    </a:lnTo>
+                    <a:lnTo>
+                      <a:pt x="96" y="575"/>
+                    </a:lnTo>
+                    <a:close/>
+                  </a:path>
+                </a:pathLst>
+              </a:custGeom>
+              <a:gradFill rotWithShape="0">
+                <a:gsLst>
+                  <a:gs pos="0">
+                    <a:srgbClr val="82ffff"/>
+                  </a:gs>
+                  <a:gs pos="100000">
+                    <a:srgbClr val="3d97de"/>
+                  </a:gs>
+                </a:gsLst>
+                <a:lin ang="5400000"/>
+              </a:gradFill>
+              <a:ln w="0">
+                <a:noFill/>
+              </a:ln>
+            </p:spPr>
+            <p:style>
+              <a:lnRef idx="0"/>
+              <a:fillRef idx="0"/>
+              <a:effectRef idx="0"/>
+              <a:fontRef idx="minor"/>
+            </p:style>
+          </p:sp>
+          <p:sp>
+            <p:nvSpPr>
+              <p:cNvPr id="89" name="Freeform 12"/>
+              <p:cNvSpPr/>
+              <p:nvPr/>
+            </p:nvSpPr>
+            <p:spPr>
+              <a:xfrm>
+                <a:off x="588960" y="1420920"/>
+                <a:ext cx="189000" cy="189000"/>
+              </a:xfrm>
+              <a:custGeom>
+                <a:avLst/>
+                <a:gdLst/>
+                <a:ahLst/>
+                <a:rect l="l" t="t" r="r" b="b"/>
+                <a:pathLst>
+                  <a:path w="40" h="40">
+                    <a:moveTo>
+                      <a:pt x="20" y="40"/>
+                    </a:moveTo>
+                    <a:cubicBezTo>
+                      <a:pt x="9" y="40"/>
+                      <a:pt x="0" y="31"/>
+                      <a:pt x="0" y="20"/>
+                    </a:cubicBezTo>
+                    <a:cubicBezTo>
+                      <a:pt x="0" y="9"/>
+                      <a:pt x="9" y="0"/>
+                      <a:pt x="20" y="0"/>
+                    </a:cubicBezTo>
+                    <a:cubicBezTo>
+                      <a:pt x="33" y="0"/>
+                      <a:pt x="40" y="7"/>
+                      <a:pt x="40" y="20"/>
+                    </a:cubicBezTo>
+                    <a:cubicBezTo>
+                      <a:pt x="40" y="31"/>
+                      <a:pt x="31" y="40"/>
+                      <a:pt x="20" y="40"/>
+                    </a:cubicBezTo>
+                    <a:close/>
+                    <a:moveTo>
+                      <a:pt x="20" y="4"/>
+                    </a:moveTo>
+                    <a:cubicBezTo>
+                      <a:pt x="11" y="4"/>
+                      <a:pt x="4" y="11"/>
+                      <a:pt x="4" y="20"/>
+                    </a:cubicBezTo>
+                    <a:cubicBezTo>
+                      <a:pt x="4" y="29"/>
+                      <a:pt x="11" y="36"/>
+                      <a:pt x="20" y="36"/>
+                    </a:cubicBezTo>
+                    <a:cubicBezTo>
+                      <a:pt x="29" y="36"/>
+                      <a:pt x="36" y="29"/>
+                      <a:pt x="36" y="20"/>
+                    </a:cubicBezTo>
+                    <a:cubicBezTo>
+                      <a:pt x="36" y="9"/>
+                      <a:pt x="31" y="4"/>
+                      <a:pt x="20" y="4"/>
+                    </a:cubicBezTo>
+                    <a:close/>
+                  </a:path>
+                </a:pathLst>
+              </a:custGeom>
+              <a:gradFill rotWithShape="0">
+                <a:gsLst>
+                  <a:gs pos="0">
+                    <a:srgbClr val="82ffff"/>
+                  </a:gs>
+                  <a:gs pos="100000">
+                    <a:srgbClr val="3d97de"/>
+                  </a:gs>
+                </a:gsLst>
+                <a:lin ang="5400000"/>
+              </a:gradFill>
+              <a:ln w="0">
+                <a:noFill/>
+              </a:ln>
+            </p:spPr>
+            <p:style>
+              <a:lnRef idx="0"/>
+              <a:fillRef idx="0"/>
+              <a:effectRef idx="0"/>
+              <a:fontRef idx="minor"/>
+            </p:style>
+          </p:sp>
+          <p:sp>
+            <p:nvSpPr>
+              <p:cNvPr id="90" name="Freeform 13"/>
+              <p:cNvSpPr/>
+              <p:nvPr/>
+            </p:nvSpPr>
+            <p:spPr>
+              <a:xfrm>
+                <a:off x="588960" y="903240"/>
+                <a:ext cx="189000" cy="189000"/>
+              </a:xfrm>
+              <a:custGeom>
+                <a:avLst/>
+                <a:gdLst/>
+                <a:ahLst/>
+                <a:rect l="l" t="t" r="r" b="b"/>
+                <a:pathLst>
+                  <a:path w="40" h="40">
+                    <a:moveTo>
+                      <a:pt x="20" y="40"/>
+                    </a:moveTo>
+                    <a:cubicBezTo>
+                      <a:pt x="9" y="40"/>
+                      <a:pt x="0" y="31"/>
+                      <a:pt x="0" y="20"/>
+                    </a:cubicBezTo>
+                    <a:cubicBezTo>
+                      <a:pt x="0" y="9"/>
+                      <a:pt x="9" y="0"/>
+                      <a:pt x="20" y="0"/>
+                    </a:cubicBezTo>
+                    <a:cubicBezTo>
+                      <a:pt x="31" y="0"/>
+                      <a:pt x="40" y="9"/>
+                      <a:pt x="40" y="20"/>
+                    </a:cubicBezTo>
+                    <a:cubicBezTo>
+                      <a:pt x="40" y="31"/>
+                      <a:pt x="31" y="40"/>
+                      <a:pt x="20" y="40"/>
+                    </a:cubicBezTo>
+                    <a:close/>
+                    <a:moveTo>
+                      <a:pt x="20" y="4"/>
+                    </a:moveTo>
+                    <a:cubicBezTo>
+                      <a:pt x="11" y="4"/>
+                      <a:pt x="4" y="11"/>
+                      <a:pt x="4" y="20"/>
+                    </a:cubicBezTo>
+                    <a:cubicBezTo>
+                      <a:pt x="4" y="29"/>
+                      <a:pt x="11" y="36"/>
+                      <a:pt x="20" y="36"/>
+                    </a:cubicBezTo>
+                    <a:cubicBezTo>
+                      <a:pt x="29" y="36"/>
+                      <a:pt x="36" y="29"/>
+                      <a:pt x="36" y="20"/>
+                    </a:cubicBezTo>
+                    <a:cubicBezTo>
+                      <a:pt x="36" y="11"/>
+                      <a:pt x="29" y="4"/>
+                      <a:pt x="20" y="4"/>
+                    </a:cubicBezTo>
+                    <a:close/>
+                  </a:path>
+                </a:pathLst>
+              </a:custGeom>
+              <a:gradFill rotWithShape="0">
+                <a:gsLst>
+                  <a:gs pos="0">
+                    <a:srgbClr val="82ffff"/>
+                  </a:gs>
+                  <a:gs pos="100000">
+                    <a:srgbClr val="3d97de"/>
+                  </a:gs>
+                </a:gsLst>
+                <a:lin ang="5400000"/>
+              </a:gradFill>
+              <a:ln w="0">
+                <a:noFill/>
+              </a:ln>
+            </p:spPr>
+            <p:style>
+              <a:lnRef idx="0"/>
+              <a:fillRef idx="0"/>
+              <a:effectRef idx="0"/>
+              <a:fontRef idx="minor"/>
+            </p:style>
+          </p:sp>
+          <p:sp>
+            <p:nvSpPr>
+              <p:cNvPr id="91" name="Freeform 14"/>
+              <p:cNvSpPr/>
+              <p:nvPr/>
+            </p:nvSpPr>
+            <p:spPr>
+              <a:xfrm>
+                <a:off x="641520" y="0"/>
+                <a:ext cx="420840" cy="525600"/>
+              </a:xfrm>
+              <a:custGeom>
+                <a:avLst/>
+                <a:gdLst/>
+                <a:ahLst/>
+                <a:rect l="l" t="t" r="r" b="b"/>
+                <a:pathLst>
+                  <a:path w="266" h="332">
+                    <a:moveTo>
+                      <a:pt x="257" y="332"/>
+                    </a:moveTo>
+                    <a:lnTo>
+                      <a:pt x="48" y="123"/>
+                    </a:lnTo>
+                    <a:lnTo>
+                      <a:pt x="0" y="6"/>
+                    </a:lnTo>
+                    <a:lnTo>
+                      <a:pt x="15" y="0"/>
+                    </a:lnTo>
+                    <a:lnTo>
+                      <a:pt x="63" y="114"/>
+                    </a:lnTo>
+                    <a:lnTo>
+                      <a:pt x="266" y="320"/>
+                    </a:lnTo>
+                    <a:lnTo>
+                      <a:pt x="257" y="332"/>
+                    </a:lnTo>
+                    <a:close/>
+                  </a:path>
+                </a:pathLst>
+              </a:custGeom>
+              <a:gradFill rotWithShape="0">
+                <a:gsLst>
+                  <a:gs pos="0">
+                    <a:srgbClr val="82ffff"/>
+                  </a:gs>
+                  <a:gs pos="100000">
+                    <a:srgbClr val="3d97de"/>
+                  </a:gs>
+                </a:gsLst>
+                <a:lin ang="5400000"/>
+              </a:gradFill>
+              <a:ln w="0">
+                <a:noFill/>
+              </a:ln>
+            </p:spPr>
+            <p:style>
+              <a:lnRef idx="0"/>
+              <a:fillRef idx="0"/>
+              <a:effectRef idx="0"/>
+              <a:fontRef idx="minor"/>
+            </p:style>
+          </p:sp>
+          <p:sp>
+            <p:nvSpPr>
+              <p:cNvPr id="92" name="Freeform 15"/>
+              <p:cNvSpPr/>
+              <p:nvPr/>
+            </p:nvSpPr>
+            <p:spPr>
+              <a:xfrm>
+                <a:off x="1020600" y="488880"/>
+                <a:ext cx="160560" cy="146160"/>
+              </a:xfrm>
+              <a:custGeom>
+                <a:avLst/>
+                <a:gdLst/>
+                <a:ahLst/>
+                <a:rect l="l" t="t" r="r" b="b"/>
+                <a:pathLst>
+                  <a:path w="34" h="31">
+                    <a:moveTo>
+                      <a:pt x="17" y="31"/>
+                    </a:moveTo>
+                    <a:cubicBezTo>
+                      <a:pt x="13" y="31"/>
+                      <a:pt x="9" y="30"/>
+                      <a:pt x="6" y="27"/>
+                    </a:cubicBezTo>
+                    <a:cubicBezTo>
+                      <a:pt x="0" y="20"/>
+                      <a:pt x="0" y="10"/>
+                      <a:pt x="6" y="4"/>
+                    </a:cubicBezTo>
+                    <a:cubicBezTo>
+                      <a:pt x="9" y="1"/>
+                      <a:pt x="13" y="0"/>
+                      <a:pt x="17" y="0"/>
+                    </a:cubicBezTo>
+                    <a:cubicBezTo>
+                      <a:pt x="21" y="0"/>
+                      <a:pt x="25" y="1"/>
+                      <a:pt x="28" y="4"/>
+                    </a:cubicBezTo>
+                    <a:cubicBezTo>
+                      <a:pt x="34" y="10"/>
+                      <a:pt x="34" y="20"/>
+                      <a:pt x="28" y="27"/>
+                    </a:cubicBezTo>
+                    <a:cubicBezTo>
+                      <a:pt x="25" y="30"/>
+                      <a:pt x="21" y="31"/>
+                      <a:pt x="17" y="31"/>
+                    </a:cubicBezTo>
+                    <a:close/>
+                    <a:moveTo>
+                      <a:pt x="17" y="4"/>
+                    </a:moveTo>
+                    <a:cubicBezTo>
+                      <a:pt x="14" y="4"/>
+                      <a:pt x="11" y="5"/>
+                      <a:pt x="9" y="7"/>
+                    </a:cubicBezTo>
+                    <a:cubicBezTo>
+                      <a:pt x="4" y="12"/>
+                      <a:pt x="4" y="19"/>
+                      <a:pt x="9" y="24"/>
+                    </a:cubicBezTo>
+                    <a:cubicBezTo>
+                      <a:pt x="11" y="26"/>
+                      <a:pt x="14" y="27"/>
+                      <a:pt x="17" y="27"/>
+                    </a:cubicBezTo>
+                    <a:cubicBezTo>
+                      <a:pt x="20" y="27"/>
+                      <a:pt x="23" y="26"/>
+                      <a:pt x="25" y="24"/>
+                    </a:cubicBezTo>
+                    <a:cubicBezTo>
+                      <a:pt x="30" y="19"/>
+                      <a:pt x="30" y="12"/>
+                      <a:pt x="25" y="7"/>
+                    </a:cubicBezTo>
+                    <a:cubicBezTo>
+                      <a:pt x="23" y="5"/>
+                      <a:pt x="20" y="4"/>
+                      <a:pt x="17" y="4"/>
+                    </a:cubicBezTo>
+                    <a:close/>
+                  </a:path>
+                </a:pathLst>
+              </a:custGeom>
+              <a:gradFill rotWithShape="0">
+                <a:gsLst>
+                  <a:gs pos="0">
+                    <a:srgbClr val="82ffff"/>
+                  </a:gs>
+                  <a:gs pos="100000">
+                    <a:srgbClr val="3d97de"/>
+                  </a:gs>
+                </a:gsLst>
+                <a:lin ang="5400000"/>
+              </a:gradFill>
+              <a:ln w="0">
+                <a:noFill/>
+              </a:ln>
+            </p:spPr>
+            <p:style>
+              <a:lnRef idx="0"/>
+              <a:fillRef idx="0"/>
+              <a:effectRef idx="0"/>
+              <a:fontRef idx="minor"/>
+            </p:style>
+          </p:sp>
+          <p:sp>
+            <p:nvSpPr>
+              <p:cNvPr id="93" name="Line 16"/>
+              <p:cNvSpPr/>
+              <p:nvPr/>
+            </p:nvSpPr>
+            <p:spPr>
+              <a:xfrm>
+                <a:off x="-4680" y="9360"/>
+                <a:ext cx="360" cy="360"/>
+              </a:xfrm>
+              <a:prstGeom prst="line">
+                <a:avLst/>
+              </a:prstGeom>
+              <a:ln w="15">
+                <a:solidFill>
+                  <a:srgbClr val="ffffff"/>
+                </a:solidFill>
+              </a:ln>
+            </p:spPr>
+            <p:style>
+              <a:lnRef idx="0"/>
+              <a:fillRef idx="0"/>
+              <a:effectRef idx="0"/>
+              <a:fontRef idx="minor"/>
+            </p:style>
+          </p:sp>
+          <p:sp>
+            <p:nvSpPr>
+              <p:cNvPr id="94" name="Freeform 17"/>
+              <p:cNvSpPr/>
+              <p:nvPr/>
+            </p:nvSpPr>
+            <p:spPr>
+              <a:xfrm>
+                <a:off x="9360" y="1801800"/>
+                <a:ext cx="122400" cy="125640"/>
+              </a:xfrm>
+              <a:custGeom>
+                <a:avLst/>
+                <a:gdLst/>
+                <a:ahLst/>
+                <a:rect l="l" t="t" r="r" b="b"/>
+                <a:pathLst>
+                  <a:path w="78" h="80">
+                    <a:moveTo>
+                      <a:pt x="6" y="80"/>
+                    </a:moveTo>
+                    <a:lnTo>
+                      <a:pt x="0" y="71"/>
+                    </a:lnTo>
+                    <a:lnTo>
+                      <a:pt x="69" y="0"/>
+                    </a:lnTo>
+                    <a:lnTo>
+                      <a:pt x="78" y="9"/>
+                    </a:lnTo>
+                    <a:lnTo>
+                      <a:pt x="6" y="80"/>
+                    </a:lnTo>
+                    <a:close/>
+                  </a:path>
+                </a:pathLst>
+              </a:custGeom>
+              <a:gradFill rotWithShape="0">
+                <a:gsLst>
+                  <a:gs pos="0">
+                    <a:srgbClr val="82ffff"/>
+                  </a:gs>
+                  <a:gs pos="100000">
+                    <a:srgbClr val="3d97de"/>
+                  </a:gs>
+                </a:gsLst>
+                <a:lin ang="5400000"/>
+              </a:gradFill>
+              <a:ln w="0">
+                <a:noFill/>
+              </a:ln>
+            </p:spPr>
+            <p:style>
+              <a:lnRef idx="0"/>
+              <a:fillRef idx="0"/>
+              <a:effectRef idx="0"/>
+              <a:fontRef idx="minor"/>
+            </p:style>
+          </p:sp>
+          <p:sp>
+            <p:nvSpPr>
+              <p:cNvPr id="95" name="Freeform 18"/>
+              <p:cNvSpPr/>
+              <p:nvPr/>
+            </p:nvSpPr>
+            <p:spPr>
+              <a:xfrm>
+                <a:off x="-9360" y="3549600"/>
+                <a:ext cx="146160" cy="479520"/>
+              </a:xfrm>
+              <a:custGeom>
+                <a:avLst/>
+                <a:gdLst/>
+                <a:ahLst/>
+                <a:rect l="l" t="t" r="r" b="b"/>
+                <a:pathLst>
+                  <a:path w="93" h="303">
+                    <a:moveTo>
+                      <a:pt x="93" y="303"/>
+                    </a:moveTo>
+                    <a:lnTo>
+                      <a:pt x="78" y="303"/>
+                    </a:lnTo>
+                    <a:lnTo>
+                      <a:pt x="78" y="78"/>
+                    </a:lnTo>
+                    <a:lnTo>
+                      <a:pt x="0" y="12"/>
+                    </a:lnTo>
+                    <a:lnTo>
+                      <a:pt x="12" y="0"/>
+                    </a:lnTo>
+                    <a:lnTo>
+                      <a:pt x="93" y="69"/>
+                    </a:lnTo>
+                    <a:lnTo>
+                      <a:pt x="93" y="303"/>
+                    </a:lnTo>
+                    <a:close/>
+                  </a:path>
+                </a:pathLst>
+              </a:custGeom>
+              <a:gradFill rotWithShape="0">
+                <a:gsLst>
+                  <a:gs pos="0">
+                    <a:srgbClr val="82ffff"/>
+                  </a:gs>
+                  <a:gs pos="100000">
+                    <a:srgbClr val="3d97de"/>
+                  </a:gs>
+                </a:gsLst>
+                <a:lin ang="5400000"/>
+              </a:gradFill>
+              <a:ln w="0">
+                <a:noFill/>
+              </a:ln>
+            </p:spPr>
+            <p:style>
+              <a:lnRef idx="0"/>
+              <a:fillRef idx="0"/>
+              <a:effectRef idx="0"/>
+              <a:fontRef idx="minor"/>
+            </p:style>
+          </p:sp>
+          <p:sp>
+            <p:nvSpPr>
+              <p:cNvPr id="96" name="Freeform 19"/>
+              <p:cNvSpPr/>
+              <p:nvPr/>
+            </p:nvSpPr>
+            <p:spPr>
+              <a:xfrm>
+                <a:off x="128520" y="1382760"/>
+                <a:ext cx="141480" cy="474840"/>
+              </a:xfrm>
+              <a:custGeom>
+                <a:avLst/>
+                <a:gdLst/>
+                <a:ahLst/>
+                <a:rect l="l" t="t" r="r" b="b"/>
+                <a:pathLst>
+                  <a:path w="90" h="300">
+                    <a:moveTo>
+                      <a:pt x="90" y="300"/>
+                    </a:moveTo>
+                    <a:lnTo>
+                      <a:pt x="78" y="300"/>
+                    </a:lnTo>
+                    <a:lnTo>
+                      <a:pt x="78" y="84"/>
+                    </a:lnTo>
+                    <a:lnTo>
+                      <a:pt x="0" y="9"/>
+                    </a:lnTo>
+                    <a:lnTo>
+                      <a:pt x="9" y="0"/>
+                    </a:lnTo>
+                    <a:lnTo>
+                      <a:pt x="90" y="81"/>
+                    </a:lnTo>
+                    <a:lnTo>
+                      <a:pt x="90" y="300"/>
+                    </a:lnTo>
+                    <a:close/>
+                  </a:path>
+                </a:pathLst>
+              </a:custGeom>
+              <a:gradFill rotWithShape="0">
+                <a:gsLst>
+                  <a:gs pos="0">
+                    <a:srgbClr val="82ffff"/>
+                  </a:gs>
+                  <a:gs pos="100000">
+                    <a:srgbClr val="3d97de"/>
+                  </a:gs>
+                </a:gsLst>
+                <a:lin ang="5400000"/>
+              </a:gradFill>
+              <a:ln w="0">
+                <a:noFill/>
+              </a:ln>
+            </p:spPr>
+            <p:style>
+              <a:lnRef idx="0"/>
+              <a:fillRef idx="0"/>
+              <a:effectRef idx="0"/>
+              <a:fontRef idx="minor"/>
+            </p:style>
+          </p:sp>
+          <p:sp>
+            <p:nvSpPr>
+              <p:cNvPr id="97" name="Freeform 20"/>
+              <p:cNvSpPr/>
+              <p:nvPr/>
+            </p:nvSpPr>
+            <p:spPr>
+              <a:xfrm>
+                <a:off x="204840" y="1849320"/>
+                <a:ext cx="113040" cy="106560"/>
+              </a:xfrm>
+              <a:custGeom>
+                <a:avLst/>
+                <a:gdLst/>
+                <a:ahLst/>
+                <a:rect l="l" t="t" r="r" b="b"/>
+                <a:pathLst>
+                  <a:path w="24" h="23">
+                    <a:moveTo>
+                      <a:pt x="12" y="23"/>
+                    </a:moveTo>
+                    <a:cubicBezTo>
+                      <a:pt x="6" y="23"/>
+                      <a:pt x="0" y="18"/>
+                      <a:pt x="0" y="12"/>
+                    </a:cubicBezTo>
+                    <a:cubicBezTo>
+                      <a:pt x="0" y="5"/>
+                      <a:pt x="6" y="0"/>
+                      <a:pt x="12" y="0"/>
+                    </a:cubicBezTo>
+                    <a:cubicBezTo>
+                      <a:pt x="18" y="0"/>
+                      <a:pt x="24" y="5"/>
+                      <a:pt x="24" y="12"/>
+                    </a:cubicBezTo>
+                    <a:cubicBezTo>
+                      <a:pt x="24" y="18"/>
+                      <a:pt x="18" y="23"/>
+                      <a:pt x="12" y="23"/>
+                    </a:cubicBezTo>
+                    <a:close/>
+                    <a:moveTo>
+                      <a:pt x="12" y="4"/>
+                    </a:moveTo>
+                    <a:cubicBezTo>
+                      <a:pt x="8" y="4"/>
+                      <a:pt x="4" y="8"/>
+                      <a:pt x="4" y="12"/>
+                    </a:cubicBezTo>
+                    <a:cubicBezTo>
+                      <a:pt x="4" y="16"/>
+                      <a:pt x="8" y="19"/>
+                      <a:pt x="12" y="19"/>
+                    </a:cubicBezTo>
+                    <a:cubicBezTo>
+                      <a:pt x="16" y="19"/>
+                      <a:pt x="20" y="16"/>
+                      <a:pt x="20" y="12"/>
+                    </a:cubicBezTo>
+                    <a:cubicBezTo>
+                      <a:pt x="20" y="8"/>
+                      <a:pt x="16" y="4"/>
+                      <a:pt x="12" y="4"/>
+                    </a:cubicBezTo>
+                    <a:close/>
+                  </a:path>
+                </a:pathLst>
+              </a:custGeom>
+              <a:gradFill rotWithShape="0">
+                <a:gsLst>
+                  <a:gs pos="0">
+                    <a:srgbClr val="82ffff"/>
+                  </a:gs>
+                  <a:gs pos="100000">
+                    <a:srgbClr val="3d97de"/>
+                  </a:gs>
+                </a:gsLst>
+                <a:lin ang="5400000"/>
+              </a:gradFill>
+              <a:ln w="0">
+                <a:noFill/>
+              </a:ln>
+            </p:spPr>
+            <p:style>
+              <a:lnRef idx="0"/>
+              <a:fillRef idx="0"/>
+              <a:effectRef idx="0"/>
+              <a:fontRef idx="minor"/>
+            </p:style>
+          </p:sp>
+          <p:sp>
+            <p:nvSpPr>
+              <p:cNvPr id="98" name="Rectangle 21"/>
+              <p:cNvSpPr/>
+              <p:nvPr/>
+            </p:nvSpPr>
+            <p:spPr>
+              <a:xfrm>
+                <a:off x="133200" y="4662360"/>
+                <a:ext cx="22320" cy="2179800"/>
+              </a:xfrm>
+              <a:prstGeom prst="rect">
+                <a:avLst/>
+              </a:prstGeom>
+              <a:gradFill rotWithShape="0">
+                <a:gsLst>
+                  <a:gs pos="0">
+                    <a:srgbClr val="82ffff"/>
+                  </a:gs>
+                  <a:gs pos="100000">
+                    <a:srgbClr val="3d97de"/>
+                  </a:gs>
+                </a:gsLst>
+                <a:lin ang="5400000"/>
+              </a:gradFill>
+              <a:ln w="0">
+                <a:noFill/>
+              </a:ln>
+            </p:spPr>
+            <p:style>
+              <a:lnRef idx="0"/>
+              <a:fillRef idx="0"/>
+              <a:effectRef idx="0"/>
+              <a:fontRef idx="minor"/>
+            </p:style>
+          </p:sp>
+          <p:sp>
+            <p:nvSpPr>
+              <p:cNvPr id="99" name="Freeform 22"/>
+              <p:cNvSpPr/>
+              <p:nvPr/>
+            </p:nvSpPr>
+            <p:spPr>
+              <a:xfrm>
+                <a:off x="223920" y="5041800"/>
+                <a:ext cx="368280" cy="1800360"/>
+              </a:xfrm>
+              <a:custGeom>
+                <a:avLst/>
+                <a:gdLst/>
+                <a:ahLst/>
+                <a:rect l="l" t="t" r="r" b="b"/>
+                <a:pathLst>
+                  <a:path w="233" h="1135">
+                    <a:moveTo>
+                      <a:pt x="15" y="1135"/>
+                    </a:moveTo>
+                    <a:lnTo>
+                      <a:pt x="0" y="1135"/>
+                    </a:lnTo>
+                    <a:lnTo>
+                      <a:pt x="0" y="515"/>
+                    </a:lnTo>
+                    <a:lnTo>
+                      <a:pt x="0" y="512"/>
+                    </a:lnTo>
+                    <a:lnTo>
+                      <a:pt x="218" y="0"/>
+                    </a:lnTo>
+                    <a:lnTo>
+                      <a:pt x="233" y="6"/>
+                    </a:lnTo>
+                    <a:lnTo>
+                      <a:pt x="15" y="518"/>
+                    </a:lnTo>
+                    <a:lnTo>
+                      <a:pt x="15" y="1135"/>
+                    </a:lnTo>
+                    <a:close/>
+                  </a:path>
+                </a:pathLst>
+              </a:custGeom>
+              <a:gradFill rotWithShape="0">
+                <a:gsLst>
+                  <a:gs pos="0">
+                    <a:srgbClr val="82ffff"/>
+                  </a:gs>
+                  <a:gs pos="100000">
+                    <a:srgbClr val="3d97de"/>
+                  </a:gs>
+                </a:gsLst>
+                <a:lin ang="5400000"/>
+              </a:gradFill>
+              <a:ln w="0">
+                <a:noFill/>
+              </a:ln>
+            </p:spPr>
+            <p:style>
+              <a:lnRef idx="0"/>
+              <a:fillRef idx="0"/>
+              <a:effectRef idx="0"/>
+              <a:fontRef idx="minor"/>
+            </p:style>
+          </p:sp>
+          <p:sp>
+            <p:nvSpPr>
+              <p:cNvPr id="100" name="Freeform 23"/>
+              <p:cNvSpPr/>
+              <p:nvPr/>
+            </p:nvSpPr>
+            <p:spPr>
+              <a:xfrm>
+                <a:off x="52560" y="4481640"/>
+                <a:ext cx="189000" cy="189000"/>
+              </a:xfrm>
+              <a:custGeom>
+                <a:avLst/>
+                <a:gdLst/>
+                <a:ahLst/>
+                <a:rect l="l" t="t" r="r" b="b"/>
+                <a:pathLst>
+                  <a:path w="40" h="40">
+                    <a:moveTo>
+                      <a:pt x="20" y="40"/>
+                    </a:moveTo>
+                    <a:cubicBezTo>
+                      <a:pt x="9" y="40"/>
+                      <a:pt x="0" y="31"/>
+                      <a:pt x="0" y="20"/>
+                    </a:cubicBezTo>
+                    <a:cubicBezTo>
+                      <a:pt x="0" y="9"/>
+                      <a:pt x="9" y="0"/>
+                      <a:pt x="20" y="0"/>
+                    </a:cubicBezTo>
+                    <a:cubicBezTo>
+                      <a:pt x="31" y="0"/>
+                      <a:pt x="40" y="9"/>
+                      <a:pt x="40" y="20"/>
+                    </a:cubicBezTo>
+                    <a:cubicBezTo>
+                      <a:pt x="40" y="31"/>
+                      <a:pt x="31" y="40"/>
+                      <a:pt x="20" y="40"/>
+                    </a:cubicBezTo>
+                    <a:close/>
+                    <a:moveTo>
+                      <a:pt x="20" y="4"/>
+                    </a:moveTo>
+                    <a:cubicBezTo>
+                      <a:pt x="11" y="4"/>
+                      <a:pt x="4" y="11"/>
+                      <a:pt x="4" y="20"/>
+                    </a:cubicBezTo>
+                    <a:cubicBezTo>
+                      <a:pt x="4" y="29"/>
+                      <a:pt x="11" y="36"/>
+                      <a:pt x="20" y="36"/>
+                    </a:cubicBezTo>
+                    <a:cubicBezTo>
+                      <a:pt x="28" y="36"/>
+                      <a:pt x="36" y="29"/>
+                      <a:pt x="36" y="20"/>
+                    </a:cubicBezTo>
+                    <a:cubicBezTo>
+                      <a:pt x="36" y="11"/>
+                      <a:pt x="28" y="4"/>
+                      <a:pt x="20" y="4"/>
+                    </a:cubicBezTo>
+                    <a:close/>
+                  </a:path>
+                </a:pathLst>
+              </a:custGeom>
+              <a:gradFill rotWithShape="0">
+                <a:gsLst>
+                  <a:gs pos="0">
+                    <a:srgbClr val="82ffff"/>
+                  </a:gs>
+                  <a:gs pos="100000">
+                    <a:srgbClr val="3d97de"/>
+                  </a:gs>
+                </a:gsLst>
+                <a:lin ang="5400000"/>
+              </a:gradFill>
+              <a:ln w="0">
+                <a:noFill/>
+              </a:ln>
+            </p:spPr>
+            <p:style>
+              <a:lnRef idx="0"/>
+              <a:fillRef idx="0"/>
+              <a:effectRef idx="0"/>
+              <a:fontRef idx="minor"/>
+            </p:style>
+          </p:sp>
+          <p:sp>
+            <p:nvSpPr>
+              <p:cNvPr id="101" name="Freeform 24"/>
+              <p:cNvSpPr/>
+              <p:nvPr/>
+            </p:nvSpPr>
+            <p:spPr>
+              <a:xfrm>
+                <a:off x="-14400" y="5627520"/>
+                <a:ext cx="84240" cy="1214640"/>
+              </a:xfrm>
+              <a:custGeom>
+                <a:avLst/>
+                <a:gdLst/>
+                <a:ahLst/>
+                <a:rect l="l" t="t" r="r" b="b"/>
+                <a:pathLst>
+                  <a:path w="54" h="766">
+                    <a:moveTo>
+                      <a:pt x="54" y="766"/>
+                    </a:moveTo>
+                    <a:lnTo>
+                      <a:pt x="36" y="766"/>
+                    </a:lnTo>
+                    <a:lnTo>
+                      <a:pt x="36" y="149"/>
+                    </a:lnTo>
+                    <a:lnTo>
+                      <a:pt x="0" y="3"/>
+                    </a:lnTo>
+                    <a:lnTo>
+                      <a:pt x="18" y="0"/>
+                    </a:lnTo>
+                    <a:lnTo>
+                      <a:pt x="54" y="146"/>
+                    </a:lnTo>
+                    <a:lnTo>
+                      <a:pt x="54" y="766"/>
+                    </a:lnTo>
+                    <a:close/>
+                  </a:path>
+                </a:pathLst>
+              </a:custGeom>
+              <a:gradFill rotWithShape="0">
+                <a:gsLst>
+                  <a:gs pos="0">
+                    <a:srgbClr val="82ffff"/>
+                  </a:gs>
+                  <a:gs pos="100000">
+                    <a:srgbClr val="3d97de"/>
+                  </a:gs>
+                </a:gsLst>
+                <a:lin ang="5400000"/>
+              </a:gradFill>
+              <a:ln w="0">
+                <a:noFill/>
+              </a:ln>
+            </p:spPr>
+            <p:style>
+              <a:lnRef idx="0"/>
+              <a:fillRef idx="0"/>
+              <a:effectRef idx="0"/>
+              <a:fontRef idx="minor"/>
+            </p:style>
+          </p:sp>
+          <p:sp>
+            <p:nvSpPr>
+              <p:cNvPr id="102" name="Freeform 25"/>
+              <p:cNvSpPr/>
+              <p:nvPr/>
+            </p:nvSpPr>
+            <p:spPr>
+              <a:xfrm>
+                <a:off x="527040" y="4867200"/>
+                <a:ext cx="189000" cy="187560"/>
+              </a:xfrm>
+              <a:custGeom>
+                <a:avLst/>
+                <a:gdLst/>
+                <a:ahLst/>
+                <a:rect l="l" t="t" r="r" b="b"/>
+                <a:pathLst>
+                  <a:path w="40" h="40">
+                    <a:moveTo>
+                      <a:pt x="20" y="40"/>
+                    </a:moveTo>
+                    <a:cubicBezTo>
+                      <a:pt x="9" y="40"/>
+                      <a:pt x="0" y="31"/>
+                      <a:pt x="0" y="20"/>
+                    </a:cubicBezTo>
+                    <a:cubicBezTo>
+                      <a:pt x="0" y="9"/>
+                      <a:pt x="9" y="0"/>
+                      <a:pt x="20" y="0"/>
+                    </a:cubicBezTo>
+                    <a:cubicBezTo>
+                      <a:pt x="31" y="0"/>
+                      <a:pt x="40" y="9"/>
+                      <a:pt x="40" y="20"/>
+                    </a:cubicBezTo>
+                    <a:cubicBezTo>
+                      <a:pt x="40" y="31"/>
+                      <a:pt x="31" y="40"/>
+                      <a:pt x="20" y="40"/>
+                    </a:cubicBezTo>
+                    <a:close/>
+                    <a:moveTo>
+                      <a:pt x="20" y="4"/>
+                    </a:moveTo>
+                    <a:cubicBezTo>
+                      <a:pt x="11" y="4"/>
+                      <a:pt x="4" y="11"/>
+                      <a:pt x="4" y="20"/>
+                    </a:cubicBezTo>
+                    <a:cubicBezTo>
+                      <a:pt x="4" y="29"/>
+                      <a:pt x="11" y="36"/>
+                      <a:pt x="20" y="36"/>
+                    </a:cubicBezTo>
+                    <a:cubicBezTo>
+                      <a:pt x="29" y="36"/>
+                      <a:pt x="36" y="29"/>
+                      <a:pt x="36" y="20"/>
+                    </a:cubicBezTo>
+                    <a:cubicBezTo>
+                      <a:pt x="36" y="11"/>
+                      <a:pt x="29" y="4"/>
+                      <a:pt x="20" y="4"/>
+                    </a:cubicBezTo>
+                    <a:close/>
+                  </a:path>
+                </a:pathLst>
+              </a:custGeom>
+              <a:gradFill rotWithShape="0">
+                <a:gsLst>
+                  <a:gs pos="0">
+                    <a:srgbClr val="82ffff"/>
+                  </a:gs>
+                  <a:gs pos="100000">
+                    <a:srgbClr val="3d97de"/>
+                  </a:gs>
+                </a:gsLst>
+                <a:lin ang="5400000"/>
+              </a:gradFill>
+              <a:ln w="0">
+                <a:noFill/>
+              </a:ln>
+            </p:spPr>
+            <p:style>
+              <a:lnRef idx="0"/>
+              <a:fillRef idx="0"/>
+              <a:effectRef idx="0"/>
+              <a:fontRef idx="minor"/>
+            </p:style>
+          </p:sp>
+          <p:sp>
+            <p:nvSpPr>
+              <p:cNvPr id="103" name="Freeform 26"/>
+              <p:cNvSpPr/>
+              <p:nvPr/>
+            </p:nvSpPr>
+            <p:spPr>
+              <a:xfrm>
+                <a:off x="309600" y="5423040"/>
+                <a:ext cx="373320" cy="1424160"/>
+              </a:xfrm>
+              <a:custGeom>
+                <a:avLst/>
+                <a:gdLst/>
+                <a:ahLst/>
+                <a:rect l="l" t="t" r="r" b="b"/>
+                <a:pathLst>
+                  <a:path w="236" h="898">
+                    <a:moveTo>
+                      <a:pt x="18" y="898"/>
+                    </a:moveTo>
+                    <a:lnTo>
+                      <a:pt x="0" y="898"/>
+                    </a:lnTo>
+                    <a:lnTo>
+                      <a:pt x="0" y="515"/>
+                    </a:lnTo>
+                    <a:lnTo>
+                      <a:pt x="3" y="512"/>
+                    </a:lnTo>
+                    <a:lnTo>
+                      <a:pt x="221" y="0"/>
+                    </a:lnTo>
+                    <a:lnTo>
+                      <a:pt x="236" y="6"/>
+                    </a:lnTo>
+                    <a:lnTo>
+                      <a:pt x="18" y="518"/>
+                    </a:lnTo>
+                    <a:lnTo>
+                      <a:pt x="18" y="898"/>
+                    </a:lnTo>
+                    <a:close/>
+                  </a:path>
+                </a:pathLst>
+              </a:custGeom>
+              <a:gradFill rotWithShape="0">
+                <a:gsLst>
+                  <a:gs pos="0">
+                    <a:srgbClr val="82ffff"/>
+                  </a:gs>
+                  <a:gs pos="100000">
+                    <a:srgbClr val="3d97de"/>
+                  </a:gs>
+                </a:gsLst>
+                <a:lin ang="5400000"/>
+              </a:gradFill>
+              <a:ln w="0">
+                <a:noFill/>
+              </a:ln>
+            </p:spPr>
+            <p:style>
+              <a:lnRef idx="0"/>
+              <a:fillRef idx="0"/>
+              <a:effectRef idx="0"/>
+              <a:fontRef idx="minor"/>
+            </p:style>
+          </p:sp>
+          <p:sp>
+            <p:nvSpPr>
+              <p:cNvPr id="104" name="Freeform 27"/>
+              <p:cNvSpPr/>
+              <p:nvPr/>
+            </p:nvSpPr>
+            <p:spPr>
+              <a:xfrm>
+                <a:off x="569880" y="5945040"/>
+                <a:ext cx="150840" cy="911520"/>
+              </a:xfrm>
+              <a:custGeom>
+                <a:avLst/>
+                <a:gdLst/>
+                <a:ahLst/>
+                <a:rect l="l" t="t" r="r" b="b"/>
+                <a:pathLst>
+                  <a:path w="96" h="575">
+                    <a:moveTo>
+                      <a:pt x="15" y="575"/>
+                    </a:moveTo>
+                    <a:lnTo>
+                      <a:pt x="0" y="569"/>
+                    </a:lnTo>
+                    <a:lnTo>
+                      <a:pt x="81" y="383"/>
+                    </a:lnTo>
+                    <a:lnTo>
+                      <a:pt x="81" y="0"/>
+                    </a:lnTo>
+                    <a:lnTo>
+                      <a:pt x="96" y="0"/>
+                    </a:lnTo>
+                    <a:lnTo>
+                      <a:pt x="96" y="386"/>
+                    </a:lnTo>
+                    <a:lnTo>
+                      <a:pt x="15" y="575"/>
+                    </a:lnTo>
+                    <a:close/>
+                  </a:path>
+                </a:pathLst>
+              </a:custGeom>
+              <a:gradFill rotWithShape="0">
+                <a:gsLst>
+                  <a:gs pos="0">
+                    <a:srgbClr val="82ffff"/>
+                  </a:gs>
+                  <a:gs pos="100000">
+                    <a:srgbClr val="3d97de"/>
+                  </a:gs>
+                </a:gsLst>
+                <a:lin ang="5400000"/>
+              </a:gradFill>
+              <a:ln w="0">
+                <a:noFill/>
+              </a:ln>
+            </p:spPr>
+            <p:style>
+              <a:lnRef idx="0"/>
+              <a:fillRef idx="0"/>
+              <a:effectRef idx="0"/>
+              <a:fontRef idx="minor"/>
+            </p:style>
+          </p:sp>
+          <p:sp>
+            <p:nvSpPr>
+              <p:cNvPr id="105" name="Freeform 28"/>
+              <p:cNvSpPr/>
+              <p:nvPr/>
+            </p:nvSpPr>
+            <p:spPr>
+              <a:xfrm>
+                <a:off x="612720" y="5246640"/>
+                <a:ext cx="189000" cy="189000"/>
+              </a:xfrm>
+              <a:custGeom>
+                <a:avLst/>
+                <a:gdLst/>
+                <a:ahLst/>
+                <a:rect l="l" t="t" r="r" b="b"/>
+                <a:pathLst>
+                  <a:path w="40" h="40">
+                    <a:moveTo>
+                      <a:pt x="20" y="40"/>
+                    </a:moveTo>
+                    <a:cubicBezTo>
+                      <a:pt x="9" y="40"/>
+                      <a:pt x="0" y="31"/>
+                      <a:pt x="0" y="20"/>
+                    </a:cubicBezTo>
+                    <a:cubicBezTo>
+                      <a:pt x="0" y="9"/>
+                      <a:pt x="9" y="0"/>
+                      <a:pt x="20" y="0"/>
+                    </a:cubicBezTo>
+                    <a:cubicBezTo>
+                      <a:pt x="31" y="0"/>
+                      <a:pt x="40" y="9"/>
+                      <a:pt x="40" y="20"/>
+                    </a:cubicBezTo>
+                    <a:cubicBezTo>
+                      <a:pt x="40" y="31"/>
+                      <a:pt x="31" y="40"/>
+                      <a:pt x="20" y="40"/>
+                    </a:cubicBezTo>
+                    <a:close/>
+                    <a:moveTo>
+                      <a:pt x="20" y="4"/>
+                    </a:moveTo>
+                    <a:cubicBezTo>
+                      <a:pt x="12" y="4"/>
+                      <a:pt x="4" y="11"/>
+                      <a:pt x="4" y="20"/>
+                    </a:cubicBezTo>
+                    <a:cubicBezTo>
+                      <a:pt x="4" y="29"/>
+                      <a:pt x="12" y="36"/>
+                      <a:pt x="20" y="36"/>
+                    </a:cubicBezTo>
+                    <a:cubicBezTo>
+                      <a:pt x="29" y="36"/>
+                      <a:pt x="36" y="29"/>
+                      <a:pt x="36" y="20"/>
+                    </a:cubicBezTo>
+                    <a:cubicBezTo>
+                      <a:pt x="36" y="11"/>
+                      <a:pt x="29" y="4"/>
+                      <a:pt x="20" y="4"/>
+                    </a:cubicBezTo>
+                    <a:close/>
+                  </a:path>
+                </a:pathLst>
+              </a:custGeom>
+              <a:gradFill rotWithShape="0">
+                <a:gsLst>
+                  <a:gs pos="0">
+                    <a:srgbClr val="82ffff"/>
+                  </a:gs>
+                  <a:gs pos="100000">
+                    <a:srgbClr val="3d97de"/>
+                  </a:gs>
+                </a:gsLst>
+                <a:lin ang="5400000"/>
+              </a:gradFill>
+              <a:ln w="0">
+                <a:noFill/>
+              </a:ln>
+            </p:spPr>
+            <p:style>
+              <a:lnRef idx="0"/>
+              <a:fillRef idx="0"/>
+              <a:effectRef idx="0"/>
+              <a:fontRef idx="minor"/>
+            </p:style>
+          </p:sp>
+          <p:sp>
+            <p:nvSpPr>
+              <p:cNvPr id="106" name="Freeform 29"/>
+              <p:cNvSpPr/>
+              <p:nvPr/>
+            </p:nvSpPr>
+            <p:spPr>
+              <a:xfrm>
+                <a:off x="612720" y="5764320"/>
+                <a:ext cx="189000" cy="189000"/>
+              </a:xfrm>
+              <a:custGeom>
+                <a:avLst/>
+                <a:gdLst/>
+                <a:ahLst/>
+                <a:rect l="l" t="t" r="r" b="b"/>
+                <a:pathLst>
+                  <a:path w="40" h="40">
+                    <a:moveTo>
+                      <a:pt x="20" y="40"/>
+                    </a:moveTo>
+                    <a:cubicBezTo>
+                      <a:pt x="9" y="40"/>
+                      <a:pt x="0" y="31"/>
+                      <a:pt x="0" y="20"/>
+                    </a:cubicBezTo>
+                    <a:cubicBezTo>
+                      <a:pt x="0" y="9"/>
+                      <a:pt x="9" y="0"/>
+                      <a:pt x="20" y="0"/>
+                    </a:cubicBezTo>
+                    <a:cubicBezTo>
+                      <a:pt x="31" y="0"/>
+                      <a:pt x="40" y="9"/>
+                      <a:pt x="40" y="20"/>
+                    </a:cubicBezTo>
+                    <a:cubicBezTo>
+                      <a:pt x="40" y="31"/>
+                      <a:pt x="31" y="40"/>
+                      <a:pt x="20" y="40"/>
+                    </a:cubicBezTo>
+                    <a:close/>
+                    <a:moveTo>
+                      <a:pt x="20" y="4"/>
+                    </a:moveTo>
+                    <a:cubicBezTo>
+                      <a:pt x="12" y="4"/>
+                      <a:pt x="4" y="11"/>
+                      <a:pt x="4" y="20"/>
+                    </a:cubicBezTo>
+                    <a:cubicBezTo>
+                      <a:pt x="4" y="29"/>
+                      <a:pt x="12" y="36"/>
+                      <a:pt x="20" y="36"/>
+                    </a:cubicBezTo>
+                    <a:cubicBezTo>
+                      <a:pt x="29" y="36"/>
+                      <a:pt x="36" y="29"/>
+                      <a:pt x="36" y="20"/>
+                    </a:cubicBezTo>
+                    <a:cubicBezTo>
+                      <a:pt x="36" y="11"/>
+                      <a:pt x="29" y="4"/>
+                      <a:pt x="20" y="4"/>
+                    </a:cubicBezTo>
+                    <a:close/>
+                  </a:path>
+                </a:pathLst>
+              </a:custGeom>
+              <a:gradFill rotWithShape="0">
+                <a:gsLst>
+                  <a:gs pos="0">
+                    <a:srgbClr val="82ffff"/>
+                  </a:gs>
+                  <a:gs pos="100000">
+                    <a:srgbClr val="3d97de"/>
+                  </a:gs>
+                </a:gsLst>
+                <a:lin ang="5400000"/>
+              </a:gradFill>
+              <a:ln w="0">
+                <a:noFill/>
+              </a:ln>
+            </p:spPr>
+            <p:style>
+              <a:lnRef idx="0"/>
+              <a:fillRef idx="0"/>
+              <a:effectRef idx="0"/>
+              <a:fontRef idx="minor"/>
+            </p:style>
+          </p:sp>
+          <p:sp>
+            <p:nvSpPr>
+              <p:cNvPr id="107" name="Freeform 30"/>
+              <p:cNvSpPr/>
+              <p:nvPr/>
+            </p:nvSpPr>
+            <p:spPr>
+              <a:xfrm>
+                <a:off x="669960" y="6330960"/>
+                <a:ext cx="416160" cy="516240"/>
+              </a:xfrm>
+              <a:custGeom>
+                <a:avLst/>
+                <a:gdLst/>
+                <a:ahLst/>
+                <a:rect l="l" t="t" r="r" b="b"/>
+                <a:pathLst>
+                  <a:path w="263" h="326">
+                    <a:moveTo>
+                      <a:pt x="15" y="326"/>
+                    </a:moveTo>
+                    <a:lnTo>
+                      <a:pt x="0" y="320"/>
+                    </a:lnTo>
+                    <a:lnTo>
+                      <a:pt x="45" y="206"/>
+                    </a:lnTo>
+                    <a:lnTo>
+                      <a:pt x="48" y="206"/>
+                    </a:lnTo>
+                    <a:lnTo>
+                      <a:pt x="254" y="0"/>
+                    </a:lnTo>
+                    <a:lnTo>
+                      <a:pt x="263" y="12"/>
+                    </a:lnTo>
+                    <a:lnTo>
+                      <a:pt x="60" y="215"/>
+                    </a:lnTo>
+                    <a:lnTo>
+                      <a:pt x="15" y="326"/>
+                    </a:lnTo>
+                    <a:close/>
+                  </a:path>
+                </a:pathLst>
+              </a:custGeom>
+              <a:gradFill rotWithShape="0">
+                <a:gsLst>
+                  <a:gs pos="0">
+                    <a:srgbClr val="82ffff"/>
+                  </a:gs>
+                  <a:gs pos="100000">
+                    <a:srgbClr val="3d97de"/>
+                  </a:gs>
+                </a:gsLst>
+                <a:lin ang="5400000"/>
+              </a:gradFill>
+              <a:ln w="0">
+                <a:noFill/>
+              </a:ln>
+            </p:spPr>
+            <p:style>
+              <a:lnRef idx="0"/>
+              <a:fillRef idx="0"/>
+              <a:effectRef idx="0"/>
+              <a:fontRef idx="minor"/>
+            </p:style>
+          </p:sp>
+          <p:sp>
+            <p:nvSpPr>
+              <p:cNvPr id="108" name="Freeform 31"/>
+              <p:cNvSpPr/>
+              <p:nvPr/>
+            </p:nvSpPr>
+            <p:spPr>
+              <a:xfrm>
+                <a:off x="1049400" y="6221520"/>
+                <a:ext cx="155880" cy="146160"/>
+              </a:xfrm>
+              <a:custGeom>
+                <a:avLst/>
+                <a:gdLst/>
+                <a:ahLst/>
+                <a:rect l="l" t="t" r="r" b="b"/>
+                <a:pathLst>
+                  <a:path w="33" h="31">
+                    <a:moveTo>
+                      <a:pt x="16" y="31"/>
+                    </a:moveTo>
+                    <a:cubicBezTo>
+                      <a:pt x="12" y="31"/>
+                      <a:pt x="8" y="29"/>
+                      <a:pt x="5" y="26"/>
+                    </a:cubicBezTo>
+                    <a:cubicBezTo>
+                      <a:pt x="2" y="24"/>
+                      <a:pt x="0" y="20"/>
+                      <a:pt x="0" y="15"/>
+                    </a:cubicBezTo>
+                    <a:cubicBezTo>
+                      <a:pt x="0" y="11"/>
+                      <a:pt x="2" y="7"/>
+                      <a:pt x="5" y="4"/>
+                    </a:cubicBezTo>
+                    <a:cubicBezTo>
+                      <a:pt x="8" y="1"/>
+                      <a:pt x="12" y="0"/>
+                      <a:pt x="16" y="0"/>
+                    </a:cubicBezTo>
+                    <a:cubicBezTo>
+                      <a:pt x="20" y="0"/>
+                      <a:pt x="24" y="1"/>
+                      <a:pt x="27" y="4"/>
+                    </a:cubicBezTo>
+                    <a:cubicBezTo>
+                      <a:pt x="33" y="10"/>
+                      <a:pt x="33" y="20"/>
+                      <a:pt x="27" y="26"/>
+                    </a:cubicBezTo>
+                    <a:cubicBezTo>
+                      <a:pt x="24" y="29"/>
+                      <a:pt x="20" y="31"/>
+                      <a:pt x="16" y="31"/>
+                    </a:cubicBezTo>
+                    <a:close/>
+                    <a:moveTo>
+                      <a:pt x="16" y="4"/>
+                    </a:moveTo>
+                    <a:cubicBezTo>
+                      <a:pt x="13" y="4"/>
+                      <a:pt x="10" y="5"/>
+                      <a:pt x="8" y="7"/>
+                    </a:cubicBezTo>
+                    <a:cubicBezTo>
+                      <a:pt x="6" y="9"/>
+                      <a:pt x="4" y="12"/>
+                      <a:pt x="4" y="15"/>
+                    </a:cubicBezTo>
+                    <a:cubicBezTo>
+                      <a:pt x="4" y="19"/>
+                      <a:pt x="6" y="21"/>
+                      <a:pt x="8" y="24"/>
+                    </a:cubicBezTo>
+                    <a:cubicBezTo>
+                      <a:pt x="10" y="26"/>
+                      <a:pt x="13" y="27"/>
+                      <a:pt x="16" y="27"/>
+                    </a:cubicBezTo>
+                    <a:cubicBezTo>
+                      <a:pt x="19" y="27"/>
+                      <a:pt x="22" y="26"/>
+                      <a:pt x="24" y="24"/>
+                    </a:cubicBezTo>
+                    <a:cubicBezTo>
+                      <a:pt x="29" y="19"/>
+                      <a:pt x="29" y="12"/>
+                      <a:pt x="24" y="7"/>
+                    </a:cubicBezTo>
+                    <a:cubicBezTo>
+                      <a:pt x="22" y="5"/>
+                      <a:pt x="19" y="4"/>
+                      <a:pt x="16" y="4"/>
+                    </a:cubicBezTo>
+                    <a:close/>
+                  </a:path>
+                </a:pathLst>
+              </a:custGeom>
+              <a:gradFill rotWithShape="0">
+                <a:gsLst>
+                  <a:gs pos="0">
+                    <a:srgbClr val="82ffff"/>
+                  </a:gs>
+                  <a:gs pos="100000">
+                    <a:srgbClr val="3d97de"/>
+                  </a:gs>
+                </a:gsLst>
+                <a:lin ang="5400000"/>
+              </a:gradFill>
+              <a:ln w="0">
+                <a:noFill/>
+              </a:ln>
+            </p:spPr>
+            <p:style>
+              <a:lnRef idx="0"/>
+              <a:fillRef idx="0"/>
+              <a:effectRef idx="0"/>
+              <a:fontRef idx="minor"/>
+            </p:style>
+          </p:sp>
+        </p:grpSp>
+        <p:grpSp>
+          <p:nvGrpSpPr>
+            <p:cNvPr id="109" name="Group 9"/>
+            <p:cNvGrpSpPr/>
+            <p:nvPr/>
+          </p:nvGrpSpPr>
+          <p:grpSpPr>
+            <a:xfrm>
+              <a:off x="11364840" y="0"/>
+              <a:ext cx="673200" cy="6847200"/>
+              <a:chOff x="11364840" y="0"/>
+              <a:chExt cx="673200" cy="6847200"/>
+            </a:xfrm>
+          </p:grpSpPr>
+          <p:sp>
+            <p:nvSpPr>
+              <p:cNvPr id="110" name="Freeform 32"/>
+              <p:cNvSpPr/>
+              <p:nvPr/>
+            </p:nvSpPr>
+            <p:spPr>
+              <a:xfrm>
+                <a:off x="11484000" y="0"/>
+                <a:ext cx="416160" cy="511200"/>
+              </a:xfrm>
+              <a:custGeom>
+                <a:avLst/>
+                <a:gdLst/>
+                <a:ahLst/>
+                <a:rect l="l" t="t" r="r" b="b"/>
+                <a:pathLst>
+                  <a:path w="263" h="323">
+                    <a:moveTo>
+                      <a:pt x="12" y="323"/>
+                    </a:moveTo>
+                    <a:lnTo>
+                      <a:pt x="0" y="314"/>
+                    </a:lnTo>
+                    <a:lnTo>
+                      <a:pt x="203" y="108"/>
+                    </a:lnTo>
+                    <a:lnTo>
+                      <a:pt x="248" y="0"/>
+                    </a:lnTo>
+                    <a:lnTo>
+                      <a:pt x="263" y="6"/>
+                    </a:lnTo>
+                    <a:lnTo>
+                      <a:pt x="218" y="117"/>
+                    </a:lnTo>
+                    <a:lnTo>
+                      <a:pt x="218" y="117"/>
+                    </a:lnTo>
+                    <a:lnTo>
+                      <a:pt x="12" y="323"/>
+                    </a:lnTo>
+                    <a:close/>
+                  </a:path>
+                </a:pathLst>
+              </a:custGeom>
+              <a:gradFill rotWithShape="0">
+                <a:gsLst>
+                  <a:gs pos="0">
+                    <a:srgbClr val="82ffff">
+                      <a:alpha val="80000"/>
+                    </a:srgbClr>
+                  </a:gs>
+                  <a:gs pos="100000">
+                    <a:srgbClr val="3d97de">
+                      <a:alpha val="60000"/>
+                    </a:srgbClr>
+                  </a:gs>
+                </a:gsLst>
+                <a:lin ang="5400000"/>
+              </a:gradFill>
+              <a:ln w="0">
+                <a:noFill/>
+              </a:ln>
+            </p:spPr>
+            <p:style>
+              <a:lnRef idx="0"/>
+              <a:fillRef idx="0"/>
+              <a:effectRef idx="0"/>
+              <a:fontRef idx="minor"/>
+            </p:style>
+          </p:sp>
+          <p:sp>
+            <p:nvSpPr>
+              <p:cNvPr id="111" name="Freeform 33"/>
+              <p:cNvSpPr/>
+              <p:nvPr/>
+            </p:nvSpPr>
+            <p:spPr>
+              <a:xfrm>
+                <a:off x="11364840" y="474840"/>
+                <a:ext cx="155880" cy="150840"/>
+              </a:xfrm>
+              <a:custGeom>
+                <a:avLst/>
+                <a:gdLst/>
+                <a:ahLst/>
+                <a:rect l="l" t="t" r="r" b="b"/>
+                <a:pathLst>
+                  <a:path w="33" h="32">
+                    <a:moveTo>
+                      <a:pt x="17" y="32"/>
+                    </a:moveTo>
+                    <a:cubicBezTo>
+                      <a:pt x="13" y="32"/>
+                      <a:pt x="9" y="30"/>
+                      <a:pt x="6" y="27"/>
+                    </a:cubicBezTo>
+                    <a:cubicBezTo>
+                      <a:pt x="0" y="21"/>
+                      <a:pt x="0" y="11"/>
+                      <a:pt x="6" y="5"/>
+                    </a:cubicBezTo>
+                    <a:cubicBezTo>
+                      <a:pt x="9" y="2"/>
+                      <a:pt x="13" y="0"/>
+                      <a:pt x="17" y="0"/>
+                    </a:cubicBezTo>
+                    <a:cubicBezTo>
+                      <a:pt x="21" y="0"/>
+                      <a:pt x="25" y="2"/>
+                      <a:pt x="28" y="5"/>
+                    </a:cubicBezTo>
+                    <a:cubicBezTo>
+                      <a:pt x="31" y="8"/>
+                      <a:pt x="33" y="12"/>
+                      <a:pt x="33" y="16"/>
+                    </a:cubicBezTo>
+                    <a:cubicBezTo>
+                      <a:pt x="33" y="20"/>
+                      <a:pt x="31" y="24"/>
+                      <a:pt x="28" y="27"/>
+                    </a:cubicBezTo>
+                    <a:cubicBezTo>
+                      <a:pt x="25" y="30"/>
+                      <a:pt x="21" y="32"/>
+                      <a:pt x="17" y="32"/>
+                    </a:cubicBezTo>
+                    <a:close/>
+                    <a:moveTo>
+                      <a:pt x="17" y="4"/>
+                    </a:moveTo>
+                    <a:cubicBezTo>
+                      <a:pt x="14" y="4"/>
+                      <a:pt x="11" y="6"/>
+                      <a:pt x="9" y="8"/>
+                    </a:cubicBezTo>
+                    <a:cubicBezTo>
+                      <a:pt x="4" y="12"/>
+                      <a:pt x="4" y="20"/>
+                      <a:pt x="9" y="24"/>
+                    </a:cubicBezTo>
+                    <a:cubicBezTo>
+                      <a:pt x="11" y="27"/>
+                      <a:pt x="14" y="28"/>
+                      <a:pt x="17" y="28"/>
+                    </a:cubicBezTo>
+                    <a:cubicBezTo>
+                      <a:pt x="20" y="28"/>
+                      <a:pt x="23" y="27"/>
+                      <a:pt x="26" y="24"/>
+                    </a:cubicBezTo>
+                    <a:cubicBezTo>
+                      <a:pt x="30" y="20"/>
+                      <a:pt x="30" y="12"/>
+                      <a:pt x="26" y="8"/>
+                    </a:cubicBezTo>
+                    <a:cubicBezTo>
+                      <a:pt x="23" y="6"/>
+                      <a:pt x="20" y="4"/>
+                      <a:pt x="17" y="4"/>
+                    </a:cubicBezTo>
+                    <a:close/>
+                  </a:path>
+                </a:pathLst>
+              </a:custGeom>
+              <a:gradFill rotWithShape="0">
+                <a:gsLst>
+                  <a:gs pos="0">
+                    <a:srgbClr val="82ffff">
+                      <a:alpha val="80000"/>
+                    </a:srgbClr>
+                  </a:gs>
+                  <a:gs pos="100000">
+                    <a:srgbClr val="3d97de">
+                      <a:alpha val="60000"/>
+                    </a:srgbClr>
+                  </a:gs>
+                </a:gsLst>
+                <a:lin ang="5400000"/>
+              </a:gradFill>
+              <a:ln w="0">
+                <a:noFill/>
+              </a:ln>
+            </p:spPr>
+            <p:style>
+              <a:lnRef idx="0"/>
+              <a:fillRef idx="0"/>
+              <a:effectRef idx="0"/>
+              <a:fontRef idx="minor"/>
+            </p:style>
+          </p:sp>
+          <p:sp>
+            <p:nvSpPr>
+              <p:cNvPr id="112" name="Freeform 34"/>
+              <p:cNvSpPr/>
+              <p:nvPr/>
+            </p:nvSpPr>
+            <p:spPr>
+              <a:xfrm>
+                <a:off x="11631600" y="1539720"/>
+                <a:ext cx="187560" cy="189000"/>
+              </a:xfrm>
+              <a:custGeom>
+                <a:avLst/>
+                <a:gdLst/>
+                <a:ahLst/>
+                <a:rect l="l" t="t" r="r" b="b"/>
+                <a:pathLst>
+                  <a:path w="40" h="40">
+                    <a:moveTo>
+                      <a:pt x="20" y="40"/>
+                    </a:moveTo>
+                    <a:cubicBezTo>
+                      <a:pt x="9" y="40"/>
+                      <a:pt x="0" y="31"/>
+                      <a:pt x="0" y="20"/>
+                    </a:cubicBezTo>
+                    <a:cubicBezTo>
+                      <a:pt x="0" y="9"/>
+                      <a:pt x="9" y="0"/>
+                      <a:pt x="20" y="0"/>
+                    </a:cubicBezTo>
+                    <a:cubicBezTo>
+                      <a:pt x="31" y="0"/>
+                      <a:pt x="40" y="9"/>
+                      <a:pt x="40" y="20"/>
+                    </a:cubicBezTo>
+                    <a:cubicBezTo>
+                      <a:pt x="40" y="31"/>
+                      <a:pt x="31" y="40"/>
+                      <a:pt x="20" y="40"/>
+                    </a:cubicBezTo>
+                    <a:close/>
+                    <a:moveTo>
+                      <a:pt x="20" y="4"/>
+                    </a:moveTo>
+                    <a:cubicBezTo>
+                      <a:pt x="11" y="4"/>
+                      <a:pt x="4" y="11"/>
+                      <a:pt x="4" y="20"/>
+                    </a:cubicBezTo>
+                    <a:cubicBezTo>
+                      <a:pt x="4" y="29"/>
+                      <a:pt x="11" y="36"/>
+                      <a:pt x="20" y="36"/>
+                    </a:cubicBezTo>
+                    <a:cubicBezTo>
+                      <a:pt x="29" y="36"/>
+                      <a:pt x="36" y="29"/>
+                      <a:pt x="36" y="20"/>
+                    </a:cubicBezTo>
+                    <a:cubicBezTo>
+                      <a:pt x="36" y="11"/>
+                      <a:pt x="29" y="4"/>
+                      <a:pt x="20" y="4"/>
+                    </a:cubicBezTo>
+                    <a:close/>
+                  </a:path>
+                </a:pathLst>
+              </a:custGeom>
+              <a:gradFill rotWithShape="0">
+                <a:gsLst>
+                  <a:gs pos="0">
+                    <a:srgbClr val="82ffff">
+                      <a:alpha val="80000"/>
+                    </a:srgbClr>
+                  </a:gs>
+                  <a:gs pos="100000">
+                    <a:srgbClr val="3d97de">
+                      <a:alpha val="60000"/>
+                    </a:srgbClr>
+                  </a:gs>
+                </a:gsLst>
+                <a:lin ang="5400000"/>
+              </a:gradFill>
+              <a:ln w="0">
+                <a:noFill/>
+              </a:ln>
+            </p:spPr>
+            <p:style>
+              <a:lnRef idx="0"/>
+              <a:fillRef idx="0"/>
+              <a:effectRef idx="0"/>
+              <a:fontRef idx="minor"/>
+            </p:style>
+          </p:sp>
+          <p:sp>
+            <p:nvSpPr>
+              <p:cNvPr id="113" name="Freeform 35"/>
+              <p:cNvSpPr/>
+              <p:nvPr/>
+            </p:nvSpPr>
+            <p:spPr>
+              <a:xfrm>
+                <a:off x="11531520" y="5694480"/>
+                <a:ext cx="297000" cy="1152720"/>
+              </a:xfrm>
+              <a:custGeom>
+                <a:avLst/>
+                <a:gdLst/>
+                <a:ahLst/>
+                <a:rect l="l" t="t" r="r" b="b"/>
+                <a:pathLst>
+                  <a:path w="188" h="727">
+                    <a:moveTo>
+                      <a:pt x="15" y="727"/>
+                    </a:moveTo>
+                    <a:lnTo>
+                      <a:pt x="0" y="727"/>
+                    </a:lnTo>
+                    <a:lnTo>
+                      <a:pt x="0" y="407"/>
+                    </a:lnTo>
+                    <a:lnTo>
+                      <a:pt x="0" y="407"/>
+                    </a:lnTo>
+                    <a:lnTo>
+                      <a:pt x="176" y="0"/>
+                    </a:lnTo>
+                    <a:lnTo>
+                      <a:pt x="188" y="6"/>
+                    </a:lnTo>
+                    <a:lnTo>
+                      <a:pt x="15" y="410"/>
+                    </a:lnTo>
+                    <a:lnTo>
+                      <a:pt x="15" y="727"/>
+                    </a:lnTo>
+                    <a:close/>
+                  </a:path>
+                </a:pathLst>
+              </a:custGeom>
+              <a:gradFill rotWithShape="0">
+                <a:gsLst>
+                  <a:gs pos="0">
+                    <a:srgbClr val="82ffff">
+                      <a:alpha val="80000"/>
+                    </a:srgbClr>
+                  </a:gs>
+                  <a:gs pos="100000">
+                    <a:srgbClr val="3d97de">
+                      <a:alpha val="60000"/>
+                    </a:srgbClr>
+                  </a:gs>
+                </a:gsLst>
+                <a:lin ang="5400000"/>
+              </a:gradFill>
+              <a:ln w="0">
+                <a:noFill/>
+              </a:ln>
+            </p:spPr>
+            <p:style>
+              <a:lnRef idx="0"/>
+              <a:fillRef idx="0"/>
+              <a:effectRef idx="0"/>
+              <a:fontRef idx="minor"/>
+            </p:style>
+          </p:sp>
+          <p:sp>
+            <p:nvSpPr>
+              <p:cNvPr id="114" name="Freeform 36"/>
+              <p:cNvSpPr/>
+              <p:nvPr/>
+            </p:nvSpPr>
+            <p:spPr>
+              <a:xfrm>
+                <a:off x="11773080" y="5551560"/>
+                <a:ext cx="155880" cy="154080"/>
+              </a:xfrm>
+              <a:custGeom>
+                <a:avLst/>
+                <a:gdLst/>
+                <a:ahLst/>
+                <a:rect l="l" t="t" r="r" b="b"/>
+                <a:pathLst>
+                  <a:path w="33" h="33">
+                    <a:moveTo>
+                      <a:pt x="17" y="33"/>
+                    </a:moveTo>
+                    <a:cubicBezTo>
+                      <a:pt x="8" y="33"/>
+                      <a:pt x="0" y="25"/>
+                      <a:pt x="0" y="16"/>
+                    </a:cubicBezTo>
+                    <a:cubicBezTo>
+                      <a:pt x="0" y="7"/>
+                      <a:pt x="8" y="0"/>
+                      <a:pt x="17" y="0"/>
+                    </a:cubicBezTo>
+                    <a:cubicBezTo>
+                      <a:pt x="26" y="0"/>
+                      <a:pt x="33" y="7"/>
+                      <a:pt x="33" y="16"/>
+                    </a:cubicBezTo>
+                    <a:cubicBezTo>
+                      <a:pt x="33" y="25"/>
+                      <a:pt x="26" y="33"/>
+                      <a:pt x="17" y="33"/>
+                    </a:cubicBezTo>
+                    <a:close/>
+                    <a:moveTo>
+                      <a:pt x="17" y="4"/>
+                    </a:moveTo>
+                    <a:cubicBezTo>
+                      <a:pt x="10" y="4"/>
+                      <a:pt x="4" y="9"/>
+                      <a:pt x="4" y="16"/>
+                    </a:cubicBezTo>
+                    <a:cubicBezTo>
+                      <a:pt x="4" y="23"/>
+                      <a:pt x="10" y="29"/>
+                      <a:pt x="17" y="29"/>
+                    </a:cubicBezTo>
+                    <a:cubicBezTo>
+                      <a:pt x="23" y="29"/>
+                      <a:pt x="29" y="23"/>
+                      <a:pt x="29" y="16"/>
+                    </a:cubicBezTo>
+                    <a:cubicBezTo>
+                      <a:pt x="29" y="9"/>
+                      <a:pt x="23" y="4"/>
+                      <a:pt x="17" y="4"/>
+                    </a:cubicBezTo>
+                    <a:close/>
+                  </a:path>
+                </a:pathLst>
+              </a:custGeom>
+              <a:gradFill rotWithShape="0">
+                <a:gsLst>
+                  <a:gs pos="0">
+                    <a:srgbClr val="82ffff">
+                      <a:alpha val="80000"/>
+                    </a:srgbClr>
+                  </a:gs>
+                  <a:gs pos="100000">
+                    <a:srgbClr val="3d97de">
+                      <a:alpha val="60000"/>
+                    </a:srgbClr>
+                  </a:gs>
+                </a:gsLst>
+                <a:lin ang="5400000"/>
+              </a:gradFill>
+              <a:ln w="0">
+                <a:noFill/>
+              </a:ln>
+            </p:spPr>
+            <p:style>
+              <a:lnRef idx="0"/>
+              <a:fillRef idx="0"/>
+              <a:effectRef idx="0"/>
+              <a:fontRef idx="minor"/>
+            </p:style>
+          </p:sp>
+          <p:sp>
+            <p:nvSpPr>
+              <p:cNvPr id="115" name="Freeform 37"/>
+              <p:cNvSpPr/>
+              <p:nvPr/>
+            </p:nvSpPr>
+            <p:spPr>
+              <a:xfrm>
+                <a:off x="11711160" y="4680"/>
+                <a:ext cx="303480" cy="1543320"/>
+              </a:xfrm>
+              <a:custGeom>
+                <a:avLst/>
+                <a:gdLst/>
+                <a:ahLst/>
+                <a:rect l="l" t="t" r="r" b="b"/>
+                <a:pathLst>
+                  <a:path w="192" h="973">
+                    <a:moveTo>
+                      <a:pt x="15" y="973"/>
+                    </a:moveTo>
+                    <a:lnTo>
+                      <a:pt x="0" y="973"/>
+                    </a:lnTo>
+                    <a:lnTo>
+                      <a:pt x="0" y="790"/>
+                    </a:lnTo>
+                    <a:lnTo>
+                      <a:pt x="174" y="614"/>
+                    </a:lnTo>
+                    <a:lnTo>
+                      <a:pt x="174" y="0"/>
+                    </a:lnTo>
+                    <a:lnTo>
+                      <a:pt x="192" y="0"/>
+                    </a:lnTo>
+                    <a:lnTo>
+                      <a:pt x="192" y="620"/>
+                    </a:lnTo>
+                    <a:lnTo>
+                      <a:pt x="15" y="796"/>
+                    </a:lnTo>
+                    <a:lnTo>
+                      <a:pt x="15" y="973"/>
+                    </a:lnTo>
+                    <a:close/>
+                  </a:path>
+                </a:pathLst>
+              </a:custGeom>
+              <a:gradFill rotWithShape="0">
+                <a:gsLst>
+                  <a:gs pos="0">
+                    <a:srgbClr val="82ffff">
+                      <a:alpha val="80000"/>
+                    </a:srgbClr>
+                  </a:gs>
+                  <a:gs pos="100000">
+                    <a:srgbClr val="3d97de">
+                      <a:alpha val="60000"/>
+                    </a:srgbClr>
+                  </a:gs>
+                </a:gsLst>
+                <a:lin ang="5400000"/>
+              </a:gradFill>
+              <a:ln w="0">
+                <a:noFill/>
+              </a:ln>
+            </p:spPr>
+            <p:style>
+              <a:lnRef idx="0"/>
+              <a:fillRef idx="0"/>
+              <a:effectRef idx="0"/>
+              <a:fontRef idx="minor"/>
+            </p:style>
+          </p:sp>
+          <p:sp>
+            <p:nvSpPr>
+              <p:cNvPr id="116" name="Freeform 38"/>
+              <p:cNvSpPr/>
+              <p:nvPr/>
+            </p:nvSpPr>
+            <p:spPr>
+              <a:xfrm>
+                <a:off x="11636280" y="4867200"/>
+                <a:ext cx="187560" cy="187560"/>
+              </a:xfrm>
+              <a:custGeom>
+                <a:avLst/>
+                <a:gdLst/>
+                <a:ahLst/>
+                <a:rect l="l" t="t" r="r" b="b"/>
+                <a:pathLst>
+                  <a:path w="40" h="40">
+                    <a:moveTo>
+                      <a:pt x="20" y="40"/>
+                    </a:moveTo>
+                    <a:cubicBezTo>
+                      <a:pt x="9" y="40"/>
+                      <a:pt x="0" y="31"/>
+                      <a:pt x="0" y="20"/>
+                    </a:cubicBezTo>
+                    <a:cubicBezTo>
+                      <a:pt x="0" y="9"/>
+                      <a:pt x="9" y="0"/>
+                      <a:pt x="20" y="0"/>
+                    </a:cubicBezTo>
+                    <a:cubicBezTo>
+                      <a:pt x="31" y="0"/>
+                      <a:pt x="40" y="9"/>
+                      <a:pt x="40" y="20"/>
+                    </a:cubicBezTo>
+                    <a:cubicBezTo>
+                      <a:pt x="40" y="31"/>
+                      <a:pt x="31" y="40"/>
+                      <a:pt x="20" y="40"/>
+                    </a:cubicBezTo>
+                    <a:close/>
+                    <a:moveTo>
+                      <a:pt x="20" y="4"/>
+                    </a:moveTo>
+                    <a:cubicBezTo>
+                      <a:pt x="11" y="4"/>
+                      <a:pt x="4" y="11"/>
+                      <a:pt x="4" y="20"/>
+                    </a:cubicBezTo>
+                    <a:cubicBezTo>
+                      <a:pt x="4" y="29"/>
+                      <a:pt x="11" y="36"/>
+                      <a:pt x="20" y="36"/>
+                    </a:cubicBezTo>
+                    <a:cubicBezTo>
+                      <a:pt x="29" y="36"/>
+                      <a:pt x="36" y="29"/>
+                      <a:pt x="36" y="20"/>
+                    </a:cubicBezTo>
+                    <a:cubicBezTo>
+                      <a:pt x="36" y="11"/>
+                      <a:pt x="29" y="4"/>
+                      <a:pt x="20" y="4"/>
+                    </a:cubicBezTo>
+                    <a:close/>
+                  </a:path>
+                </a:pathLst>
+              </a:custGeom>
+              <a:gradFill rotWithShape="0">
+                <a:gsLst>
+                  <a:gs pos="0">
+                    <a:srgbClr val="82ffff">
+                      <a:alpha val="80000"/>
+                    </a:srgbClr>
+                  </a:gs>
+                  <a:gs pos="100000">
+                    <a:srgbClr val="3d97de">
+                      <a:alpha val="60000"/>
+                    </a:srgbClr>
+                  </a:gs>
+                </a:gsLst>
+                <a:lin ang="5400000"/>
+              </a:gradFill>
+              <a:ln w="0">
+                <a:noFill/>
+              </a:ln>
+            </p:spPr>
+            <p:style>
+              <a:lnRef idx="0"/>
+              <a:fillRef idx="0"/>
+              <a:effectRef idx="0"/>
+              <a:fontRef idx="minor"/>
+            </p:style>
+          </p:sp>
+          <p:sp>
+            <p:nvSpPr>
+              <p:cNvPr id="117" name="Freeform 39"/>
+              <p:cNvSpPr/>
+              <p:nvPr/>
+            </p:nvSpPr>
+            <p:spPr>
+              <a:xfrm>
+                <a:off x="11441160" y="5046840"/>
+                <a:ext cx="306360" cy="1800360"/>
+              </a:xfrm>
+              <a:custGeom>
+                <a:avLst/>
+                <a:gdLst/>
+                <a:ahLst/>
+                <a:rect l="l" t="t" r="r" b="b"/>
+                <a:pathLst>
+                  <a:path w="194" h="1135">
+                    <a:moveTo>
+                      <a:pt x="18" y="1135"/>
+                    </a:moveTo>
+                    <a:lnTo>
+                      <a:pt x="0" y="1135"/>
+                    </a:lnTo>
+                    <a:lnTo>
+                      <a:pt x="0" y="354"/>
+                    </a:lnTo>
+                    <a:lnTo>
+                      <a:pt x="176" y="177"/>
+                    </a:lnTo>
+                    <a:lnTo>
+                      <a:pt x="176" y="0"/>
+                    </a:lnTo>
+                    <a:lnTo>
+                      <a:pt x="194" y="0"/>
+                    </a:lnTo>
+                    <a:lnTo>
+                      <a:pt x="194" y="183"/>
+                    </a:lnTo>
+                    <a:lnTo>
+                      <a:pt x="18" y="360"/>
+                    </a:lnTo>
+                    <a:lnTo>
+                      <a:pt x="18" y="1135"/>
+                    </a:lnTo>
+                    <a:close/>
+                  </a:path>
+                </a:pathLst>
+              </a:custGeom>
+              <a:gradFill rotWithShape="0">
+                <a:gsLst>
+                  <a:gs pos="0">
+                    <a:srgbClr val="82ffff">
+                      <a:alpha val="80000"/>
+                    </a:srgbClr>
+                  </a:gs>
+                  <a:gs pos="100000">
+                    <a:srgbClr val="3d97de">
+                      <a:alpha val="60000"/>
+                    </a:srgbClr>
+                  </a:gs>
+                </a:gsLst>
+                <a:lin ang="5400000"/>
+              </a:gradFill>
+              <a:ln w="0">
+                <a:noFill/>
+              </a:ln>
+            </p:spPr>
+            <p:style>
+              <a:lnRef idx="0"/>
+              <a:fillRef idx="0"/>
+              <a:effectRef idx="0"/>
+              <a:fontRef idx="minor"/>
+            </p:style>
+          </p:sp>
+          <p:sp>
+            <p:nvSpPr>
+              <p:cNvPr id="118" name="Freeform 40"/>
+              <p:cNvSpPr/>
+              <p:nvPr/>
+            </p:nvSpPr>
+            <p:spPr>
+              <a:xfrm>
+                <a:off x="11849040" y="6416640"/>
+                <a:ext cx="189000" cy="187560"/>
+              </a:xfrm>
+              <a:custGeom>
+                <a:avLst/>
+                <a:gdLst/>
+                <a:ahLst/>
+                <a:rect l="l" t="t" r="r" b="b"/>
+                <a:pathLst>
+                  <a:path w="40" h="40">
+                    <a:moveTo>
+                      <a:pt x="20" y="40"/>
+                    </a:moveTo>
+                    <a:cubicBezTo>
+                      <a:pt x="9" y="40"/>
+                      <a:pt x="0" y="31"/>
+                      <a:pt x="0" y="20"/>
+                    </a:cubicBezTo>
+                    <a:cubicBezTo>
+                      <a:pt x="0" y="9"/>
+                      <a:pt x="9" y="0"/>
+                      <a:pt x="20" y="0"/>
+                    </a:cubicBezTo>
+                    <a:cubicBezTo>
+                      <a:pt x="31" y="0"/>
+                      <a:pt x="40" y="9"/>
+                      <a:pt x="40" y="20"/>
+                    </a:cubicBezTo>
+                    <a:cubicBezTo>
+                      <a:pt x="40" y="31"/>
+                      <a:pt x="31" y="40"/>
+                      <a:pt x="20" y="40"/>
+                    </a:cubicBezTo>
+                    <a:close/>
+                    <a:moveTo>
+                      <a:pt x="20" y="4"/>
+                    </a:moveTo>
+                    <a:cubicBezTo>
+                      <a:pt x="12" y="4"/>
+                      <a:pt x="4" y="11"/>
+                      <a:pt x="4" y="20"/>
+                    </a:cubicBezTo>
+                    <a:cubicBezTo>
+                      <a:pt x="4" y="29"/>
+                      <a:pt x="12" y="36"/>
+                      <a:pt x="20" y="36"/>
+                    </a:cubicBezTo>
+                    <a:cubicBezTo>
+                      <a:pt x="29" y="36"/>
+                      <a:pt x="36" y="29"/>
+                      <a:pt x="36" y="20"/>
+                    </a:cubicBezTo>
+                    <a:cubicBezTo>
+                      <a:pt x="36" y="11"/>
+                      <a:pt x="29" y="4"/>
+                      <a:pt x="20" y="4"/>
+                    </a:cubicBezTo>
+                    <a:close/>
+                  </a:path>
+                </a:pathLst>
+              </a:custGeom>
+              <a:gradFill rotWithShape="0">
+                <a:gsLst>
+                  <a:gs pos="0">
+                    <a:srgbClr val="82ffff">
+                      <a:alpha val="80000"/>
+                    </a:srgbClr>
+                  </a:gs>
+                  <a:gs pos="100000">
+                    <a:srgbClr val="3d97de">
+                      <a:alpha val="60000"/>
+                    </a:srgbClr>
+                  </a:gs>
+                </a:gsLst>
+                <a:lin ang="5400000"/>
+              </a:gradFill>
+              <a:ln w="0">
+                <a:noFill/>
+              </a:ln>
+            </p:spPr>
+            <p:style>
+              <a:lnRef idx="0"/>
+              <a:fillRef idx="0"/>
+              <a:effectRef idx="0"/>
+              <a:fontRef idx="minor"/>
+            </p:style>
+          </p:sp>
+          <p:sp>
+            <p:nvSpPr>
+              <p:cNvPr id="119" name="Rectangle 41"/>
+              <p:cNvSpPr/>
+              <p:nvPr/>
+            </p:nvSpPr>
+            <p:spPr>
+              <a:xfrm>
+                <a:off x="11939760" y="6595920"/>
+                <a:ext cx="22320" cy="250920"/>
+              </a:xfrm>
+              <a:prstGeom prst="rect">
+                <a:avLst/>
+              </a:prstGeom>
+              <a:gradFill rotWithShape="0">
+                <a:gsLst>
+                  <a:gs pos="0">
+                    <a:srgbClr val="82ffff">
+                      <a:alpha val="80000"/>
+                    </a:srgbClr>
+                  </a:gs>
+                  <a:gs pos="100000">
+                    <a:srgbClr val="3d97de">
+                      <a:alpha val="60000"/>
+                    </a:srgbClr>
+                  </a:gs>
+                </a:gsLst>
+                <a:lin ang="5400000"/>
+              </a:gradFill>
+              <a:ln w="0">
+                <a:noFill/>
+              </a:ln>
+            </p:spPr>
+            <p:style>
+              <a:lnRef idx="0"/>
+              <a:fillRef idx="0"/>
+              <a:effectRef idx="0"/>
+              <a:fontRef idx="minor"/>
+            </p:style>
+          </p:sp>
+        </p:grpSp>
+      </p:grpSp>
+      <p:sp>
+        <p:nvSpPr>
+          <p:cNvPr id="120" name="PlaceHolder 1"/>
+          <p:cNvSpPr>
+            <a:spLocks noGrp="1"/>
+          </p:cNvSpPr>
+          <p:nvPr>
+            <p:ph type="title"/>
+          </p:nvPr>
+        </p:nvSpPr>
+        <p:spPr>
+          <a:xfrm>
+            <a:off x="609480" y="273600"/>
             <a:ext cx="10972440" cy="1144800"/>
           </a:xfrm>
           <a:prstGeom prst="rect">
@@ -4372,7 +8925,7 @@
       </p:sp>
       <p:sp>
         <p:nvSpPr>
-          <p:cNvPr id="42" name="PlaceHolder 2"/>
+          <p:cNvPr id="121" name="PlaceHolder 2"/>
           <p:cNvSpPr>
             <a:spLocks noGrp="1"/>
           </p:cNvSpPr>
@@ -4553,18 +9106,18 @@
   </p:cSld>
   <p:clrMap bg1="lt1" bg2="lt2" tx1="dk1" tx2="dk2" accent1="accent1" accent2="accent2" accent3="accent3" accent4="accent4" accent5="accent5" accent6="accent6" hlink="hlink" folHlink="folHlink"/>
   <p:sldLayoutIdLst>
-    <p:sldLayoutId id="2147483649" r:id="rId4"/>
-    <p:sldLayoutId id="2147483650" r:id="rId5"/>
-    <p:sldLayoutId id="2147483651" r:id="rId6"/>
-    <p:sldLayoutId id="2147483652" r:id="rId7"/>
-    <p:sldLayoutId id="2147483653" r:id="rId8"/>
-    <p:sldLayoutId id="2147483654" r:id="rId9"/>
-    <p:sldLayoutId id="2147483655" r:id="rId10"/>
-    <p:sldLayoutId id="2147483656" r:id="rId11"/>
-    <p:sldLayoutId id="2147483657" r:id="rId12"/>
-    <p:sldLayoutId id="2147483658" r:id="rId13"/>
-    <p:sldLayoutId id="2147483659" r:id="rId14"/>
-    <p:sldLayoutId id="2147483660" r:id="rId15"/>
+    <p:sldLayoutId id="2147483662" r:id="rId4"/>
+    <p:sldLayoutId id="2147483663" r:id="rId5"/>
+    <p:sldLayoutId id="2147483664" r:id="rId6"/>
+    <p:sldLayoutId id="2147483665" r:id="rId7"/>
+    <p:sldLayoutId id="2147483666" r:id="rId8"/>
+    <p:sldLayoutId id="2147483667" r:id="rId9"/>
+    <p:sldLayoutId id="2147483668" r:id="rId10"/>
+    <p:sldLayoutId id="2147483669" r:id="rId11"/>
+    <p:sldLayoutId id="2147483670" r:id="rId12"/>
+    <p:sldLayoutId id="2147483671" r:id="rId13"/>
+    <p:sldLayoutId id="2147483672" r:id="rId14"/>
+    <p:sldLayoutId id="2147483673" r:id="rId15"/>
   </p:sldLayoutIdLst>
 </p:sldMaster>
 </file>
@@ -4588,14 +9141,14 @@
       </p:grpSpPr>
       <p:sp>
         <p:nvSpPr>
-          <p:cNvPr id="79" name="Content Placeholder 2"/>
+          <p:cNvPr id="158" name="Content Placeholder 2"/>
           <p:cNvSpPr/>
           <p:nvPr/>
         </p:nvSpPr>
         <p:spPr>
           <a:xfrm>
             <a:off x="1141560" y="2249640"/>
-            <a:ext cx="9905400" cy="3540960"/>
+            <a:ext cx="9904680" cy="3540240"/>
           </a:xfrm>
           <a:prstGeom prst="rect">
             <a:avLst/>
@@ -4614,14 +9167,14 @@
       </p:sp>
       <p:sp>
         <p:nvSpPr>
-          <p:cNvPr id="80" name="Title 4"/>
+          <p:cNvPr id="159" name="Title 4"/>
           <p:cNvSpPr/>
           <p:nvPr/>
         </p:nvSpPr>
         <p:spPr>
           <a:xfrm>
             <a:off x="1141560" y="618480"/>
-            <a:ext cx="9905400" cy="1477800"/>
+            <a:ext cx="9904680" cy="1477080"/>
           </a:xfrm>
           <a:prstGeom prst="rect">
             <a:avLst/>
@@ -4653,6 +9206,7 @@
                   <a:srgbClr val="ffffff"/>
                 </a:solidFill>
                 <a:latin typeface="Tw Cen MT"/>
+                <a:ea typeface="DejaVu Sans"/>
               </a:rPr>
               <a:t>8085</a:t>
             </a:r>
@@ -4663,10 +9217,196 @@
                   <a:srgbClr val="ffffff"/>
                 </a:solidFill>
                 <a:latin typeface="Tw Cen MT"/>
+                <a:ea typeface="DejaVu Sans"/>
               </a:rPr>
               <a:t>MICROPROCESSOR</a:t>
             </a:r>
             <a:endParaRPr b="0" lang="en-US" sz="3600" spc="-1" strike="noStrike">
+              <a:latin typeface="Arial"/>
+            </a:endParaRPr>
+          </a:p>
+        </p:txBody>
+      </p:sp>
+      <p:sp>
+        <p:nvSpPr>
+          <p:cNvPr id="160" name=""/>
+          <p:cNvSpPr/>
+          <p:nvPr/>
+        </p:nvSpPr>
+        <p:spPr>
+          <a:xfrm>
+            <a:off x="609480" y="221040"/>
+            <a:ext cx="10972080" cy="1249920"/>
+          </a:xfrm>
+          <a:prstGeom prst="rect">
+            <a:avLst/>
+          </a:prstGeom>
+          <a:noFill/>
+          <a:ln w="0">
+            <a:noFill/>
+          </a:ln>
+        </p:spPr>
+        <p:style>
+          <a:lnRef idx="0"/>
+          <a:fillRef idx="0"/>
+          <a:effectRef idx="0"/>
+          <a:fontRef idx="minor"/>
+        </p:style>
+        <p:txBody>
+          <a:bodyPr lIns="0" rIns="0" tIns="0" bIns="0" anchor="ctr">
+            <a:noAutofit/>
+          </a:bodyPr>
+          <a:p>
+            <a:pPr algn="ctr">
+              <a:lnSpc>
+                <a:spcPct val="100000"/>
+              </a:lnSpc>
+            </a:pPr>
+            <a:r>
+              <a:rPr b="0" lang="en-US" sz="4400" spc="-1" strike="noStrike">
+                <a:latin typeface="Arial"/>
+              </a:rPr>
+              <a:t>8085</a:t>
+            </a:r>
+            <a:br/>
+            <a:r>
+              <a:rPr b="0" lang="en-US" sz="4400" spc="-1" strike="noStrike">
+                <a:latin typeface="Arial"/>
+              </a:rPr>
+              <a:t>MICROPROCESSOR</a:t>
+            </a:r>
+            <a:endParaRPr b="0" lang="en-US" sz="4400" spc="-1" strike="noStrike">
+              <a:latin typeface="Arial"/>
+            </a:endParaRPr>
+          </a:p>
+        </p:txBody>
+      </p:sp>
+      <p:sp>
+        <p:nvSpPr>
+          <p:cNvPr id="161" name=""/>
+          <p:cNvSpPr/>
+          <p:nvPr/>
+        </p:nvSpPr>
+        <p:spPr>
+          <a:xfrm>
+            <a:off x="609480" y="1604520"/>
+            <a:ext cx="10972080" cy="3976920"/>
+          </a:xfrm>
+          <a:prstGeom prst="rect">
+            <a:avLst/>
+          </a:prstGeom>
+          <a:noFill/>
+          <a:ln w="0">
+            <a:noFill/>
+          </a:ln>
+        </p:spPr>
+        <p:style>
+          <a:lnRef idx="0"/>
+          <a:fillRef idx="0"/>
+          <a:effectRef idx="0"/>
+          <a:fontRef idx="minor"/>
+        </p:style>
+        <p:txBody>
+          <a:bodyPr lIns="0" rIns="0" tIns="0" bIns="0">
+            <a:normAutofit/>
+          </a:bodyPr>
+          <a:p>
+            <a:pPr marL="432000" indent="-323640">
+              <a:lnSpc>
+                <a:spcPct val="100000"/>
+              </a:lnSpc>
+              <a:spcBef>
+                <a:spcPts val="1417"/>
+              </a:spcBef>
+              <a:buClr>
+                <a:srgbClr val="000000"/>
+              </a:buClr>
+              <a:buSzPct val="45000"/>
+              <a:buFont typeface="Wingdings" charset="2"/>
+              <a:buChar char=""/>
+            </a:pPr>
+            <a:r>
+              <a:rPr b="0" lang="en-US" sz="3200" spc="-1" strike="noStrike">
+                <a:latin typeface="Arial"/>
+              </a:rPr>
+              <a:t>Presented by:</a:t>
+            </a:r>
+            <a:endParaRPr b="0" lang="en-US" sz="3200" spc="-1" strike="noStrike">
+              <a:latin typeface="Arial"/>
+            </a:endParaRPr>
+          </a:p>
+          <a:p>
+            <a:pPr marL="432000" indent="-323640">
+              <a:lnSpc>
+                <a:spcPct val="100000"/>
+              </a:lnSpc>
+              <a:spcBef>
+                <a:spcPts val="1417"/>
+              </a:spcBef>
+              <a:buClr>
+                <a:srgbClr val="000000"/>
+              </a:buClr>
+              <a:buSzPct val="45000"/>
+              <a:buFont typeface="Wingdings" charset="2"/>
+              <a:buChar char=""/>
+            </a:pPr>
+            <a:r>
+              <a:rPr b="0" lang="en-US" sz="3200" spc="-1" strike="noStrike">
+                <a:latin typeface="Arial"/>
+              </a:rPr>
+              <a:t>Rafia Afsana Rinky</a:t>
+            </a:r>
+            <a:endParaRPr b="0" lang="en-US" sz="3200" spc="-1" strike="noStrike">
+              <a:latin typeface="Arial"/>
+            </a:endParaRPr>
+          </a:p>
+          <a:p>
+            <a:pPr marL="432000" indent="-323640">
+              <a:lnSpc>
+                <a:spcPct val="100000"/>
+              </a:lnSpc>
+              <a:spcBef>
+                <a:spcPts val="1417"/>
+              </a:spcBef>
+              <a:buClr>
+                <a:srgbClr val="000000"/>
+              </a:buClr>
+              <a:buSzPct val="45000"/>
+              <a:buFont typeface="Wingdings" charset="2"/>
+              <a:buChar char=""/>
+            </a:pPr>
+            <a:r>
+              <a:rPr b="0" lang="en-US" sz="3200" spc="-1" strike="noStrike">
+                <a:latin typeface="Arial"/>
+              </a:rPr>
+              <a:t>RMU, Roll - XXX</a:t>
+            </a:r>
+            <a:endParaRPr b="0" lang="en-US" sz="3200" spc="-1" strike="noStrike">
+              <a:latin typeface="Arial"/>
+            </a:endParaRPr>
+          </a:p>
+          <a:p>
+            <a:pPr marL="432000" indent="-323640">
+              <a:lnSpc>
+                <a:spcPct val="100000"/>
+              </a:lnSpc>
+              <a:spcBef>
+                <a:spcPts val="1417"/>
+              </a:spcBef>
+              <a:buClr>
+                <a:srgbClr val="000000"/>
+              </a:buClr>
+              <a:buSzPct val="45000"/>
+              <a:buFont typeface="Wingdings" charset="2"/>
+              <a:buChar char=""/>
+            </a:pPr>
+            <a:r>
+              <a:rPr b="0" lang="en-US" sz="3200" spc="-1" strike="noStrike">
+                <a:latin typeface="Arial"/>
+              </a:rPr>
+              <a:t>Department of CSE</a:t>
+            </a:r>
+            <a:endParaRPr b="0" lang="en-US" sz="3200" spc="-1" strike="noStrike">
               <a:latin typeface="Arial"/>
             </a:endParaRPr>
           </a:p>
@@ -4704,14 +9444,14 @@
       </p:grpSpPr>
       <p:sp>
         <p:nvSpPr>
-          <p:cNvPr id="96" name="Title 1"/>
+          <p:cNvPr id="177" name="Title 1"/>
           <p:cNvSpPr/>
           <p:nvPr/>
         </p:nvSpPr>
         <p:spPr>
           <a:xfrm>
             <a:off x="1141560" y="618480"/>
-            <a:ext cx="9905400" cy="1477800"/>
+            <a:ext cx="9904680" cy="1477080"/>
           </a:xfrm>
           <a:prstGeom prst="rect">
             <a:avLst/>
@@ -4743,6 +9483,7 @@
                   <a:srgbClr val="ffffff"/>
                 </a:solidFill>
                 <a:latin typeface="Tw Cen MT"/>
+                <a:ea typeface="DejaVu Sans"/>
               </a:rPr>
               <a:t>2. INSTRUCTION REGISTER &amp;</a:t>
             </a:r>
@@ -4753,6 +9494,7 @@
                   <a:srgbClr val="ffffff"/>
                 </a:solidFill>
                 <a:latin typeface="Tw Cen MT"/>
+                <a:ea typeface="DejaVu Sans"/>
               </a:rPr>
               <a:t>DECODER</a:t>
             </a:r>
@@ -4764,14 +9506,14 @@
       </p:sp>
       <p:sp>
         <p:nvSpPr>
-          <p:cNvPr id="97" name="Content Placeholder 2"/>
+          <p:cNvPr id="178" name="Content Placeholder 2"/>
           <p:cNvSpPr/>
           <p:nvPr/>
         </p:nvSpPr>
         <p:spPr>
           <a:xfrm>
             <a:off x="1141560" y="2249640"/>
-            <a:ext cx="9905400" cy="3540960"/>
+            <a:ext cx="9904680" cy="3540240"/>
           </a:xfrm>
           <a:prstGeom prst="rect">
             <a:avLst/>
@@ -4792,7 +9534,7 @@
             <a:noAutofit/>
           </a:bodyPr>
           <a:p>
-            <a:pPr marL="432000" indent="-323640">
+            <a:pPr marL="432000" indent="-322920">
               <a:lnSpc>
                 <a:spcPct val="100000"/>
               </a:lnSpc>
@@ -4812,6 +9554,7 @@
                   <a:srgbClr val="ffffff"/>
                 </a:solidFill>
                 <a:latin typeface="Tw Cen MT"/>
+                <a:ea typeface="DejaVu Sans"/>
               </a:rPr>
               <a:t>In computing, an instruction register (IR) is the part of a CPU's control unit that holds the instruction currently being executed or decoded.</a:t>
             </a:r>
@@ -4820,7 +9563,7 @@
             </a:endParaRPr>
           </a:p>
           <a:p>
-            <a:pPr marL="432000" indent="-323640">
+            <a:pPr marL="432000" indent="-322920">
               <a:lnSpc>
                 <a:spcPct val="100000"/>
               </a:lnSpc>
@@ -4840,6 +9583,7 @@
                   <a:srgbClr val="ffffff"/>
                 </a:solidFill>
                 <a:latin typeface="Tw Cen MT"/>
+                <a:ea typeface="DejaVu Sans"/>
               </a:rPr>
               <a:t>There is an Instruction Decoder which Decodes the information’s present in the instruction register for further processing.</a:t>
             </a:r>
@@ -4881,14 +9625,14 @@
       </p:grpSpPr>
       <p:sp>
         <p:nvSpPr>
-          <p:cNvPr id="98" name="Title 1"/>
+          <p:cNvPr id="179" name="Title 1"/>
           <p:cNvSpPr/>
           <p:nvPr/>
         </p:nvSpPr>
         <p:spPr>
           <a:xfrm>
             <a:off x="1141560" y="618480"/>
-            <a:ext cx="9905400" cy="1477800"/>
+            <a:ext cx="9904680" cy="1477080"/>
           </a:xfrm>
           <a:prstGeom prst="rect">
             <a:avLst/>
@@ -4920,6 +9664,7 @@
                   <a:srgbClr val="ffffff"/>
                 </a:solidFill>
                 <a:latin typeface="Tw Cen MT"/>
+                <a:ea typeface="DejaVu Sans"/>
               </a:rPr>
               <a:t>3. PROGRAM COUNTER</a:t>
             </a:r>
@@ -4931,14 +9676,14 @@
       </p:sp>
       <p:sp>
         <p:nvSpPr>
-          <p:cNvPr id="99" name="Content Placeholder 2"/>
+          <p:cNvPr id="180" name="Content Placeholder 2"/>
           <p:cNvSpPr/>
           <p:nvPr/>
         </p:nvSpPr>
         <p:spPr>
           <a:xfrm>
             <a:off x="1141560" y="2249640"/>
-            <a:ext cx="9905400" cy="3540960"/>
+            <a:ext cx="9904680" cy="3540240"/>
           </a:xfrm>
           <a:prstGeom prst="rect">
             <a:avLst/>
@@ -4959,7 +9704,7 @@
             <a:noAutofit/>
           </a:bodyPr>
           <a:p>
-            <a:pPr marL="432000" indent="-323640">
+            <a:pPr marL="432000" indent="-322920">
               <a:lnSpc>
                 <a:spcPct val="100000"/>
               </a:lnSpc>
@@ -4979,6 +9724,7 @@
                   <a:srgbClr val="ffffff"/>
                 </a:solidFill>
                 <a:latin typeface="Tw Cen MT"/>
+                <a:ea typeface="DejaVu Sans"/>
               </a:rPr>
               <a:t>A program counter is a register in a computer processor that contains the address (location) of the instruction being executed at the current time.</a:t>
             </a:r>
@@ -5020,14 +9766,14 @@
       </p:grpSpPr>
       <p:sp>
         <p:nvSpPr>
-          <p:cNvPr id="100" name="Title 1"/>
+          <p:cNvPr id="181" name=""/>
           <p:cNvSpPr/>
           <p:nvPr/>
         </p:nvSpPr>
         <p:spPr>
           <a:xfrm>
-            <a:off x="1141560" y="618480"/>
-            <a:ext cx="9905400" cy="1477800"/>
+            <a:off x="609480" y="273600"/>
+            <a:ext cx="10972080" cy="1144440"/>
           </a:xfrm>
           <a:prstGeom prst="rect">
             <a:avLst/>
@@ -5043,17 +9789,38 @@
           <a:effectRef idx="0"/>
           <a:fontRef idx="minor"/>
         </p:style>
+        <p:txBody>
+          <a:bodyPr lIns="0" rIns="0" tIns="0" bIns="0" anchor="ctr">
+            <a:noAutofit/>
+          </a:bodyPr>
+          <a:p>
+            <a:pPr algn="ctr">
+              <a:lnSpc>
+                <a:spcPct val="100000"/>
+              </a:lnSpc>
+            </a:pPr>
+            <a:r>
+              <a:rPr b="0" lang="en-US" sz="4400" spc="-1" strike="noStrike">
+                <a:latin typeface="Arial"/>
+              </a:rPr>
+              <a:t>4. STACK POINTER</a:t>
+            </a:r>
+            <a:endParaRPr b="0" lang="en-US" sz="4400" spc="-1" strike="noStrike">
+              <a:latin typeface="Arial"/>
+            </a:endParaRPr>
+          </a:p>
+        </p:txBody>
       </p:sp>
       <p:sp>
         <p:nvSpPr>
-          <p:cNvPr id="101" name="Content Placeholder 2"/>
+          <p:cNvPr id="182" name=""/>
           <p:cNvSpPr/>
           <p:nvPr/>
         </p:nvSpPr>
         <p:spPr>
           <a:xfrm>
-            <a:off x="1141560" y="2249640"/>
-            <a:ext cx="9905400" cy="3540960"/>
+            <a:off x="609480" y="1604520"/>
+            <a:ext cx="10972080" cy="3976920"/>
           </a:xfrm>
           <a:prstGeom prst="rect">
             <a:avLst/>
@@ -5069,6 +9836,61 @@
           <a:effectRef idx="0"/>
           <a:fontRef idx="minor"/>
         </p:style>
+        <p:txBody>
+          <a:bodyPr lIns="0" rIns="0" tIns="0" bIns="0">
+            <a:normAutofit/>
+          </a:bodyPr>
+          <a:p>
+            <a:pPr marL="432000" indent="-323640">
+              <a:lnSpc>
+                <a:spcPct val="100000"/>
+              </a:lnSpc>
+              <a:spcBef>
+                <a:spcPts val="1417"/>
+              </a:spcBef>
+              <a:buClr>
+                <a:srgbClr val="000000"/>
+              </a:buClr>
+              <a:buSzPct val="45000"/>
+              <a:buFont typeface="Wingdings" charset="2"/>
+              <a:buChar char=""/>
+            </a:pPr>
+            <a:r>
+              <a:rPr b="0" lang="en-US" sz="3200" spc="-1" strike="noStrike">
+                <a:latin typeface="Arial"/>
+              </a:rPr>
+              <a:t>A stack pointer is a small register that stores the address of the last program request in a stack.</a:t>
+            </a:r>
+            <a:endParaRPr b="0" lang="en-US" sz="3200" spc="-1" strike="noStrike">
+              <a:latin typeface="Arial"/>
+            </a:endParaRPr>
+          </a:p>
+          <a:p>
+            <a:pPr marL="432000" indent="-323640">
+              <a:lnSpc>
+                <a:spcPct val="100000"/>
+              </a:lnSpc>
+              <a:spcBef>
+                <a:spcPts val="1417"/>
+              </a:spcBef>
+              <a:buClr>
+                <a:srgbClr val="000000"/>
+              </a:buClr>
+              <a:buSzPct val="45000"/>
+              <a:buFont typeface="Wingdings" charset="2"/>
+              <a:buChar char=""/>
+            </a:pPr>
+            <a:r>
+              <a:rPr b="0" lang="en-US" sz="3200" spc="-1" strike="noStrike">
+                <a:latin typeface="Arial"/>
+              </a:rPr>
+              <a:t>A stack is a specialized buffer which stores data from the top down.</a:t>
+            </a:r>
+            <a:endParaRPr b="0" lang="en-US" sz="3200" spc="-1" strike="noStrike">
+              <a:latin typeface="Arial"/>
+            </a:endParaRPr>
+          </a:p>
+        </p:txBody>
       </p:sp>
     </p:spTree>
   </p:cSld>
@@ -5102,14 +9924,14 @@
       </p:grpSpPr>
       <p:sp>
         <p:nvSpPr>
-          <p:cNvPr id="102" name="Title 1"/>
+          <p:cNvPr id="183" name=""/>
           <p:cNvSpPr/>
           <p:nvPr/>
         </p:nvSpPr>
         <p:spPr>
           <a:xfrm>
-            <a:off x="1141560" y="618480"/>
-            <a:ext cx="9905400" cy="1477800"/>
+            <a:off x="609480" y="273600"/>
+            <a:ext cx="10972080" cy="1144440"/>
           </a:xfrm>
           <a:prstGeom prst="rect">
             <a:avLst/>
@@ -5125,17 +9947,38 @@
           <a:effectRef idx="0"/>
           <a:fontRef idx="minor"/>
         </p:style>
+        <p:txBody>
+          <a:bodyPr lIns="0" rIns="0" tIns="0" bIns="0" anchor="ctr">
+            <a:noAutofit/>
+          </a:bodyPr>
+          <a:p>
+            <a:pPr algn="ctr">
+              <a:lnSpc>
+                <a:spcPct val="100000"/>
+              </a:lnSpc>
+            </a:pPr>
+            <a:r>
+              <a:rPr b="0" lang="en-US" sz="4400" spc="-1" strike="noStrike">
+                <a:latin typeface="Arial"/>
+              </a:rPr>
+              <a:t>5. FLAG REGISTER</a:t>
+            </a:r>
+            <a:endParaRPr b="0" lang="en-US" sz="4400" spc="-1" strike="noStrike">
+              <a:latin typeface="Arial"/>
+            </a:endParaRPr>
+          </a:p>
+        </p:txBody>
       </p:sp>
       <p:sp>
         <p:nvSpPr>
-          <p:cNvPr id="103" name="Content Placeholder 2"/>
+          <p:cNvPr id="184" name=""/>
           <p:cNvSpPr/>
           <p:nvPr/>
         </p:nvSpPr>
         <p:spPr>
           <a:xfrm>
-            <a:off x="1141560" y="2249640"/>
-            <a:ext cx="9905400" cy="3540960"/>
+            <a:off x="609480" y="1604520"/>
+            <a:ext cx="11048760" cy="4110120"/>
           </a:xfrm>
           <a:prstGeom prst="rect">
             <a:avLst/>
@@ -5151,6 +9994,1266 @@
           <a:effectRef idx="0"/>
           <a:fontRef idx="minor"/>
         </p:style>
+        <p:txBody>
+          <a:bodyPr lIns="0" rIns="0" tIns="0" bIns="0">
+            <a:normAutofit fontScale="43000"/>
+          </a:bodyPr>
+          <a:p>
+            <a:pPr marL="432000" indent="-323640">
+              <a:lnSpc>
+                <a:spcPct val="100000"/>
+              </a:lnSpc>
+              <a:spcBef>
+                <a:spcPts val="1417"/>
+              </a:spcBef>
+              <a:buClr>
+                <a:srgbClr val="000000"/>
+              </a:buClr>
+              <a:buSzPct val="45000"/>
+              <a:buFont typeface="Wingdings" charset="2"/>
+              <a:buChar char=""/>
+            </a:pPr>
+            <a:r>
+              <a:rPr b="0" lang="en-US" sz="3200" spc="-1" strike="noStrike">
+                <a:latin typeface="Arial"/>
+              </a:rPr>
+              <a:t>1. Sign Flag (S): Sign flag occupies the 7th bit of the flag register which is also known as the Most Significant Bit ( MSB ).</a:t>
+            </a:r>
+            <a:endParaRPr b="0" lang="en-US" sz="3200" spc="-1" strike="noStrike">
+              <a:latin typeface="Arial"/>
+            </a:endParaRPr>
+          </a:p>
+          <a:p>
+            <a:pPr marL="432000" indent="-323640">
+              <a:lnSpc>
+                <a:spcPct val="100000"/>
+              </a:lnSpc>
+              <a:spcBef>
+                <a:spcPts val="1417"/>
+              </a:spcBef>
+              <a:buClr>
+                <a:srgbClr val="000000"/>
+              </a:buClr>
+              <a:buSzPct val="45000"/>
+              <a:buFont typeface="Wingdings" charset="2"/>
+              <a:buChar char=""/>
+            </a:pPr>
+            <a:r>
+              <a:rPr b="0" lang="en-US" sz="3200" spc="-1" strike="noStrike">
+                <a:latin typeface="Arial"/>
+              </a:rPr>
+              <a:t>2. Zero Flag (Z): Zero flag occupies the 6th bit of the flag register. It is set(1) when the operation performed in the ALU (Arithmetic and Logic unit) results in 0 and is reset(0) when the result is not zero.</a:t>
+            </a:r>
+            <a:endParaRPr b="0" lang="en-US" sz="3200" spc="-1" strike="noStrike">
+              <a:latin typeface="Arial"/>
+            </a:endParaRPr>
+          </a:p>
+          <a:p>
+            <a:pPr marL="432000" indent="-323640">
+              <a:lnSpc>
+                <a:spcPct val="100000"/>
+              </a:lnSpc>
+              <a:spcBef>
+                <a:spcPts val="1417"/>
+              </a:spcBef>
+              <a:buClr>
+                <a:srgbClr val="000000"/>
+              </a:buClr>
+              <a:buSzPct val="45000"/>
+              <a:buFont typeface="Wingdings" charset="2"/>
+              <a:buChar char=""/>
+            </a:pPr>
+            <a:r>
+              <a:rPr b="0" lang="en-US" sz="3200" spc="-1" strike="noStrike">
+                <a:latin typeface="Arial"/>
+              </a:rPr>
+              <a:t>3. Auxiliary Carry Flag (AC): If an operation performed in ALU generates the carry from D7 to next stage then CY flag is set, else its reset.</a:t>
+            </a:r>
+            <a:endParaRPr b="0" lang="en-US" sz="3200" spc="-1" strike="noStrike">
+              <a:latin typeface="Arial"/>
+            </a:endParaRPr>
+          </a:p>
+          <a:p>
+            <a:pPr marL="432000" indent="-323640">
+              <a:lnSpc>
+                <a:spcPct val="100000"/>
+              </a:lnSpc>
+              <a:spcBef>
+                <a:spcPts val="1417"/>
+              </a:spcBef>
+              <a:buClr>
+                <a:srgbClr val="000000"/>
+              </a:buClr>
+              <a:buSzPct val="45000"/>
+              <a:buFont typeface="Wingdings" charset="2"/>
+              <a:buChar char=""/>
+            </a:pPr>
+            <a:r>
+              <a:rPr b="0" lang="en-US" sz="3200" spc="-1" strike="noStrike">
+                <a:latin typeface="Arial"/>
+              </a:rPr>
+              <a:t>4. Parity Flag (P): If the result contains Even number of 1’s then parity exists and flag bit is set.</a:t>
+            </a:r>
+            <a:endParaRPr b="0" lang="en-US" sz="3200" spc="-1" strike="noStrike">
+              <a:latin typeface="Arial"/>
+            </a:endParaRPr>
+          </a:p>
+          <a:p>
+            <a:pPr marL="432000" indent="-323640">
+              <a:lnSpc>
+                <a:spcPct val="100000"/>
+              </a:lnSpc>
+              <a:spcBef>
+                <a:spcPts val="1417"/>
+              </a:spcBef>
+              <a:buClr>
+                <a:srgbClr val="000000"/>
+              </a:buClr>
+              <a:buSzPct val="45000"/>
+              <a:buFont typeface="Wingdings" charset="2"/>
+              <a:buChar char=""/>
+            </a:pPr>
+            <a:r>
+              <a:rPr b="0" lang="en-US" sz="3200" spc="-1" strike="noStrike">
+                <a:latin typeface="Arial"/>
+              </a:rPr>
+              <a:t>5. Carry Flag (CY): If the arithmetic operation finally results in a carry, carry flag is set(1). Else, it is reset(0).</a:t>
+            </a:r>
+            <a:endParaRPr b="0" lang="en-US" sz="3200" spc="-1" strike="noStrike">
+              <a:latin typeface="Arial"/>
+            </a:endParaRPr>
+          </a:p>
+        </p:txBody>
+      </p:sp>
+    </p:spTree>
+  </p:cSld>
+  <mc:AlternateContent>
+    <mc:Choice Requires="p14">
+      <p:transition spd="slow" p14:dur="2000"/>
+    </mc:Choice>
+    <mc:Fallback>
+      <p:transition spd="slow"/>
+    </mc:Fallback>
+  </mc:AlternateContent>
+</p:sld>
+</file>
+
+<file path=ppt/slides/slide14.xml><?xml version="1.0" encoding="utf-8"?>
+<p:sld xmlns:a="http://schemas.openxmlformats.org/drawingml/2006/main" xmlns:p="http://schemas.openxmlformats.org/presentationml/2006/main" xmlns:r="http://schemas.openxmlformats.org/officeDocument/2006/relationships" xmlns:p14="http://schemas.microsoft.com/office/powerpoint/2010/main" xmlns:p15="http://schemas.microsoft.com/office/powerpoint/2012/main" xmlns:mc="http://schemas.openxmlformats.org/markup-compatibility/2006">
+  <p:cSld>
+    <p:spTree>
+      <p:nvGrpSpPr>
+        <p:cNvPr id="1" name=""/>
+        <p:cNvGrpSpPr/>
+        <p:nvPr/>
+      </p:nvGrpSpPr>
+      <p:grpSpPr>
+        <a:xfrm>
+          <a:off x="0" y="0"/>
+          <a:ext cx="0" cy="0"/>
+          <a:chOff x="0" y="0"/>
+          <a:chExt cx="0" cy="0"/>
+        </a:xfrm>
+      </p:grpSpPr>
+      <p:sp>
+        <p:nvSpPr>
+          <p:cNvPr id="185" name=""/>
+          <p:cNvSpPr/>
+          <p:nvPr/>
+        </p:nvSpPr>
+        <p:spPr>
+          <a:xfrm>
+            <a:off x="609480" y="221040"/>
+            <a:ext cx="10972080" cy="1249920"/>
+          </a:xfrm>
+          <a:prstGeom prst="rect">
+            <a:avLst/>
+          </a:prstGeom>
+          <a:noFill/>
+          <a:ln w="0">
+            <a:noFill/>
+          </a:ln>
+        </p:spPr>
+        <p:style>
+          <a:lnRef idx="0"/>
+          <a:fillRef idx="0"/>
+          <a:effectRef idx="0"/>
+          <a:fontRef idx="minor"/>
+        </p:style>
+        <p:txBody>
+          <a:bodyPr lIns="0" rIns="0" tIns="0" bIns="0" anchor="ctr">
+            <a:noAutofit/>
+          </a:bodyPr>
+          <a:p>
+            <a:pPr algn="ctr">
+              <a:lnSpc>
+                <a:spcPct val="100000"/>
+              </a:lnSpc>
+            </a:pPr>
+            <a:r>
+              <a:rPr b="0" lang="en-US" sz="4400" spc="-1" strike="noStrike">
+                <a:latin typeface="Arial"/>
+              </a:rPr>
+              <a:t>ALU</a:t>
+            </a:r>
+            <a:br/>
+            <a:endParaRPr b="0" lang="en-US" sz="4400" spc="-1" strike="noStrike">
+              <a:latin typeface="Arial"/>
+            </a:endParaRPr>
+          </a:p>
+        </p:txBody>
+      </p:sp>
+      <p:sp>
+        <p:nvSpPr>
+          <p:cNvPr id="186" name=""/>
+          <p:cNvSpPr/>
+          <p:nvPr/>
+        </p:nvSpPr>
+        <p:spPr>
+          <a:xfrm>
+            <a:off x="609480" y="1604520"/>
+            <a:ext cx="10972080" cy="3976920"/>
+          </a:xfrm>
+          <a:prstGeom prst="rect">
+            <a:avLst/>
+          </a:prstGeom>
+          <a:noFill/>
+          <a:ln w="0">
+            <a:noFill/>
+          </a:ln>
+        </p:spPr>
+        <p:style>
+          <a:lnRef idx="0"/>
+          <a:fillRef idx="0"/>
+          <a:effectRef idx="0"/>
+          <a:fontRef idx="minor"/>
+        </p:style>
+        <p:txBody>
+          <a:bodyPr lIns="0" rIns="0" tIns="0" bIns="0">
+            <a:normAutofit/>
+          </a:bodyPr>
+          <a:p>
+            <a:pPr>
+              <a:lnSpc>
+                <a:spcPct val="100000"/>
+              </a:lnSpc>
+              <a:spcBef>
+                <a:spcPts val="1417"/>
+              </a:spcBef>
+            </a:pPr>
+            <a:endParaRPr b="0" lang="en-US" sz="1800" spc="-1" strike="noStrike">
+              <a:latin typeface="Arial"/>
+            </a:endParaRPr>
+          </a:p>
+          <a:p>
+            <a:pPr marL="432000" indent="-323640">
+              <a:lnSpc>
+                <a:spcPct val="100000"/>
+              </a:lnSpc>
+              <a:spcBef>
+                <a:spcPts val="1417"/>
+              </a:spcBef>
+              <a:buClr>
+                <a:srgbClr val="000000"/>
+              </a:buClr>
+              <a:buSzPct val="45000"/>
+              <a:buFont typeface="Wingdings" charset="2"/>
+              <a:buChar char=""/>
+            </a:pPr>
+            <a:r>
+              <a:rPr b="0" lang="en-US" sz="3200" spc="-1" strike="noStrike">
+                <a:latin typeface="Arial"/>
+              </a:rPr>
+              <a:t>It is not accessible by user.</a:t>
+            </a:r>
+            <a:endParaRPr b="0" lang="en-US" sz="3200" spc="-1" strike="noStrike">
+              <a:latin typeface="Arial"/>
+            </a:endParaRPr>
+          </a:p>
+          <a:p>
+            <a:pPr marL="432000" indent="-323640">
+              <a:lnSpc>
+                <a:spcPct val="100000"/>
+              </a:lnSpc>
+              <a:spcBef>
+                <a:spcPts val="1417"/>
+              </a:spcBef>
+              <a:buClr>
+                <a:srgbClr val="000000"/>
+              </a:buClr>
+              <a:buSzPct val="45000"/>
+              <a:buFont typeface="Wingdings" charset="2"/>
+              <a:buChar char=""/>
+            </a:pPr>
+            <a:r>
+              <a:rPr b="0" lang="en-US" sz="3200" spc="-1" strike="noStrike">
+                <a:latin typeface="Arial"/>
+              </a:rPr>
+              <a:t>The world length of ALU depends upon of an internal data bus.</a:t>
+            </a:r>
+            <a:endParaRPr b="0" lang="en-US" sz="3200" spc="-1" strike="noStrike">
+              <a:latin typeface="Arial"/>
+            </a:endParaRPr>
+          </a:p>
+          <a:p>
+            <a:pPr marL="432000" indent="-323640">
+              <a:lnSpc>
+                <a:spcPct val="100000"/>
+              </a:lnSpc>
+              <a:spcBef>
+                <a:spcPts val="1417"/>
+              </a:spcBef>
+              <a:buClr>
+                <a:srgbClr val="000000"/>
+              </a:buClr>
+              <a:buSzPct val="45000"/>
+              <a:buFont typeface="Wingdings" charset="2"/>
+              <a:buChar char=""/>
+            </a:pPr>
+            <a:r>
+              <a:rPr b="0" lang="en-US" sz="3200" spc="-1" strike="noStrike">
+                <a:latin typeface="Arial"/>
+              </a:rPr>
+              <a:t>It is 8 bit. It is always controlled by timing and control circuits</a:t>
+            </a:r>
+            <a:endParaRPr b="0" lang="en-US" sz="3200" spc="-1" strike="noStrike">
+              <a:latin typeface="Arial"/>
+            </a:endParaRPr>
+          </a:p>
+          <a:p>
+            <a:pPr marL="432000" indent="-323640">
+              <a:lnSpc>
+                <a:spcPct val="100000"/>
+              </a:lnSpc>
+              <a:spcBef>
+                <a:spcPts val="1417"/>
+              </a:spcBef>
+              <a:buClr>
+                <a:srgbClr val="000000"/>
+              </a:buClr>
+              <a:buSzPct val="45000"/>
+              <a:buFont typeface="Wingdings" charset="2"/>
+              <a:buChar char=""/>
+            </a:pPr>
+            <a:r>
+              <a:rPr b="0" lang="en-US" sz="3200" spc="-1" strike="noStrike">
+                <a:latin typeface="Arial"/>
+              </a:rPr>
+              <a:t>It provides status or result of flag register.</a:t>
+            </a:r>
+            <a:endParaRPr b="0" lang="en-US" sz="3200" spc="-1" strike="noStrike">
+              <a:latin typeface="Arial"/>
+            </a:endParaRPr>
+          </a:p>
+        </p:txBody>
+      </p:sp>
+    </p:spTree>
+  </p:cSld>
+  <mc:AlternateContent>
+    <mc:Choice Requires="p14">
+      <p:transition spd="slow" p14:dur="2000"/>
+    </mc:Choice>
+    <mc:Fallback>
+      <p:transition spd="slow"/>
+    </mc:Fallback>
+  </mc:AlternateContent>
+</p:sld>
+</file>
+
+<file path=ppt/slides/slide15.xml><?xml version="1.0" encoding="utf-8"?>
+<p:sld xmlns:a="http://schemas.openxmlformats.org/drawingml/2006/main" xmlns:p="http://schemas.openxmlformats.org/presentationml/2006/main" xmlns:r="http://schemas.openxmlformats.org/officeDocument/2006/relationships" xmlns:p14="http://schemas.microsoft.com/office/powerpoint/2010/main" xmlns:p15="http://schemas.microsoft.com/office/powerpoint/2012/main" xmlns:mc="http://schemas.openxmlformats.org/markup-compatibility/2006">
+  <p:cSld>
+    <p:spTree>
+      <p:nvGrpSpPr>
+        <p:cNvPr id="1" name=""/>
+        <p:cNvGrpSpPr/>
+        <p:nvPr/>
+      </p:nvGrpSpPr>
+      <p:grpSpPr>
+        <a:xfrm>
+          <a:off x="0" y="0"/>
+          <a:ext cx="0" cy="0"/>
+          <a:chOff x="0" y="0"/>
+          <a:chExt cx="0" cy="0"/>
+        </a:xfrm>
+      </p:grpSpPr>
+      <p:sp>
+        <p:nvSpPr>
+          <p:cNvPr id="187" name=""/>
+          <p:cNvSpPr/>
+          <p:nvPr/>
+        </p:nvSpPr>
+        <p:spPr>
+          <a:xfrm>
+            <a:off x="609480" y="273600"/>
+            <a:ext cx="10972080" cy="1144440"/>
+          </a:xfrm>
+          <a:prstGeom prst="rect">
+            <a:avLst/>
+          </a:prstGeom>
+          <a:noFill/>
+          <a:ln w="0">
+            <a:noFill/>
+          </a:ln>
+        </p:spPr>
+        <p:style>
+          <a:lnRef idx="0"/>
+          <a:fillRef idx="0"/>
+          <a:effectRef idx="0"/>
+          <a:fontRef idx="minor"/>
+        </p:style>
+        <p:txBody>
+          <a:bodyPr lIns="0" rIns="0" tIns="0" bIns="0" anchor="ctr">
+            <a:noAutofit/>
+          </a:bodyPr>
+          <a:p>
+            <a:pPr algn="ctr">
+              <a:lnSpc>
+                <a:spcPct val="100000"/>
+              </a:lnSpc>
+            </a:pPr>
+            <a:r>
+              <a:rPr b="0" lang="en-US" sz="4400" spc="-1" strike="noStrike">
+                <a:latin typeface="Arial"/>
+              </a:rPr>
+              <a:t>ARITHMETIC &amp; LOGICAL SECTION</a:t>
+            </a:r>
+            <a:endParaRPr b="0" lang="en-US" sz="4400" spc="-1" strike="noStrike">
+              <a:latin typeface="Arial"/>
+            </a:endParaRPr>
+          </a:p>
+        </p:txBody>
+      </p:sp>
+      <p:sp>
+        <p:nvSpPr>
+          <p:cNvPr id="188" name=""/>
+          <p:cNvSpPr/>
+          <p:nvPr/>
+        </p:nvSpPr>
+        <p:spPr>
+          <a:xfrm>
+            <a:off x="609480" y="1604520"/>
+            <a:ext cx="10972080" cy="3976920"/>
+          </a:xfrm>
+          <a:prstGeom prst="rect">
+            <a:avLst/>
+          </a:prstGeom>
+          <a:noFill/>
+          <a:ln w="0">
+            <a:noFill/>
+          </a:ln>
+        </p:spPr>
+        <p:style>
+          <a:lnRef idx="0"/>
+          <a:fillRef idx="0"/>
+          <a:effectRef idx="0"/>
+          <a:fontRef idx="minor"/>
+        </p:style>
+        <p:txBody>
+          <a:bodyPr lIns="0" rIns="0" tIns="0" bIns="0">
+            <a:normAutofit/>
+          </a:bodyPr>
+          <a:p>
+            <a:pPr marL="432000" indent="-323640">
+              <a:lnSpc>
+                <a:spcPct val="100000"/>
+              </a:lnSpc>
+              <a:spcBef>
+                <a:spcPts val="1417"/>
+              </a:spcBef>
+              <a:buClr>
+                <a:srgbClr val="000000"/>
+              </a:buClr>
+              <a:buSzPct val="45000"/>
+              <a:buFont typeface="Wingdings" charset="2"/>
+              <a:buChar char=""/>
+            </a:pPr>
+            <a:r>
+              <a:rPr b="0" lang="en-US" sz="3200" spc="-1" strike="noStrike">
+                <a:latin typeface="Arial"/>
+              </a:rPr>
+              <a:t>1. Instruction Decoder and Machine cycle encoder</a:t>
+            </a:r>
+            <a:endParaRPr b="0" lang="en-US" sz="3200" spc="-1" strike="noStrike">
+              <a:latin typeface="Arial"/>
+            </a:endParaRPr>
+          </a:p>
+          <a:p>
+            <a:pPr marL="432000" indent="-323640">
+              <a:lnSpc>
+                <a:spcPct val="100000"/>
+              </a:lnSpc>
+              <a:spcBef>
+                <a:spcPts val="1417"/>
+              </a:spcBef>
+              <a:buClr>
+                <a:srgbClr val="000000"/>
+              </a:buClr>
+              <a:buSzPct val="45000"/>
+              <a:buFont typeface="Wingdings" charset="2"/>
+              <a:buChar char=""/>
+            </a:pPr>
+            <a:r>
+              <a:rPr b="0" lang="en-US" sz="3200" spc="-1" strike="noStrike">
+                <a:latin typeface="Arial"/>
+              </a:rPr>
+              <a:t>2. Address Buffer &amp; Data Buffer</a:t>
+            </a:r>
+            <a:endParaRPr b="0" lang="en-US" sz="3200" spc="-1" strike="noStrike">
+              <a:latin typeface="Arial"/>
+            </a:endParaRPr>
+          </a:p>
+          <a:p>
+            <a:pPr marL="432000" indent="-323640">
+              <a:lnSpc>
+                <a:spcPct val="100000"/>
+              </a:lnSpc>
+              <a:spcBef>
+                <a:spcPts val="1417"/>
+              </a:spcBef>
+              <a:buClr>
+                <a:srgbClr val="000000"/>
+              </a:buClr>
+              <a:buSzPct val="45000"/>
+              <a:buFont typeface="Wingdings" charset="2"/>
+              <a:buChar char=""/>
+            </a:pPr>
+            <a:r>
+              <a:rPr b="0" lang="en-US" sz="3200" spc="-1" strike="noStrike">
+                <a:latin typeface="Arial"/>
+              </a:rPr>
+              <a:t>3. Increment/Decrement Address latch etc.</a:t>
+            </a:r>
+            <a:endParaRPr b="0" lang="en-US" sz="3200" spc="-1" strike="noStrike">
+              <a:latin typeface="Arial"/>
+            </a:endParaRPr>
+          </a:p>
+          <a:p>
+            <a:pPr>
+              <a:lnSpc>
+                <a:spcPct val="100000"/>
+              </a:lnSpc>
+              <a:spcBef>
+                <a:spcPts val="1417"/>
+              </a:spcBef>
+            </a:pPr>
+            <a:endParaRPr b="0" lang="en-US" sz="3200" spc="-1" strike="noStrike">
+              <a:latin typeface="Arial"/>
+            </a:endParaRPr>
+          </a:p>
+          <a:p>
+            <a:pPr>
+              <a:lnSpc>
+                <a:spcPct val="100000"/>
+              </a:lnSpc>
+              <a:spcBef>
+                <a:spcPts val="1417"/>
+              </a:spcBef>
+            </a:pPr>
+            <a:endParaRPr b="0" lang="en-US" sz="3200" spc="-1" strike="noStrike">
+              <a:latin typeface="Arial"/>
+            </a:endParaRPr>
+          </a:p>
+        </p:txBody>
+      </p:sp>
+    </p:spTree>
+  </p:cSld>
+  <mc:AlternateContent>
+    <mc:Choice Requires="p14">
+      <p:transition spd="slow" p14:dur="2000"/>
+    </mc:Choice>
+    <mc:Fallback>
+      <p:transition spd="slow"/>
+    </mc:Fallback>
+  </mc:AlternateContent>
+</p:sld>
+</file>
+
+<file path=ppt/slides/slide16.xml><?xml version="1.0" encoding="utf-8"?>
+<p:sld xmlns:a="http://schemas.openxmlformats.org/drawingml/2006/main" xmlns:p="http://schemas.openxmlformats.org/presentationml/2006/main" xmlns:r="http://schemas.openxmlformats.org/officeDocument/2006/relationships" xmlns:p14="http://schemas.microsoft.com/office/powerpoint/2010/main" xmlns:p15="http://schemas.microsoft.com/office/powerpoint/2012/main" xmlns:mc="http://schemas.openxmlformats.org/markup-compatibility/2006">
+  <p:cSld>
+    <p:spTree>
+      <p:nvGrpSpPr>
+        <p:cNvPr id="1" name=""/>
+        <p:cNvGrpSpPr/>
+        <p:nvPr/>
+      </p:nvGrpSpPr>
+      <p:grpSpPr>
+        <a:xfrm>
+          <a:off x="0" y="0"/>
+          <a:ext cx="0" cy="0"/>
+          <a:chOff x="0" y="0"/>
+          <a:chExt cx="0" cy="0"/>
+        </a:xfrm>
+      </p:grpSpPr>
+      <p:sp>
+        <p:nvSpPr>
+          <p:cNvPr id="189" name=""/>
+          <p:cNvSpPr/>
+          <p:nvPr/>
+        </p:nvSpPr>
+        <p:spPr>
+          <a:xfrm>
+            <a:off x="609480" y="221040"/>
+            <a:ext cx="10972080" cy="1249920"/>
+          </a:xfrm>
+          <a:prstGeom prst="rect">
+            <a:avLst/>
+          </a:prstGeom>
+          <a:noFill/>
+          <a:ln w="0">
+            <a:noFill/>
+          </a:ln>
+        </p:spPr>
+        <p:style>
+          <a:lnRef idx="0"/>
+          <a:fillRef idx="0"/>
+          <a:effectRef idx="0"/>
+          <a:fontRef idx="minor"/>
+        </p:style>
+        <p:txBody>
+          <a:bodyPr lIns="0" rIns="0" tIns="0" bIns="0" anchor="ctr">
+            <a:noAutofit/>
+          </a:bodyPr>
+          <a:p>
+            <a:pPr algn="ctr">
+              <a:lnSpc>
+                <a:spcPct val="100000"/>
+              </a:lnSpc>
+            </a:pPr>
+            <a:r>
+              <a:rPr b="0" lang="en-US" sz="4400" spc="-1" strike="noStrike">
+                <a:latin typeface="Arial"/>
+              </a:rPr>
+              <a:t>1. INSTRUCTION DECODER &amp; MACHINE</a:t>
+            </a:r>
+            <a:br/>
+            <a:r>
+              <a:rPr b="0" lang="en-US" sz="4400" spc="-1" strike="noStrike">
+                <a:latin typeface="Arial"/>
+              </a:rPr>
+              <a:t>CYCLE ENCODER</a:t>
+            </a:r>
+            <a:endParaRPr b="0" lang="en-US" sz="4400" spc="-1" strike="noStrike">
+              <a:latin typeface="Arial"/>
+            </a:endParaRPr>
+          </a:p>
+        </p:txBody>
+      </p:sp>
+      <p:sp>
+        <p:nvSpPr>
+          <p:cNvPr id="190" name=""/>
+          <p:cNvSpPr/>
+          <p:nvPr/>
+        </p:nvSpPr>
+        <p:spPr>
+          <a:xfrm>
+            <a:off x="609480" y="1604520"/>
+            <a:ext cx="10972080" cy="3976920"/>
+          </a:xfrm>
+          <a:prstGeom prst="rect">
+            <a:avLst/>
+          </a:prstGeom>
+          <a:noFill/>
+          <a:ln w="0">
+            <a:noFill/>
+          </a:ln>
+        </p:spPr>
+        <p:style>
+          <a:lnRef idx="0"/>
+          <a:fillRef idx="0"/>
+          <a:effectRef idx="0"/>
+          <a:fontRef idx="minor"/>
+        </p:style>
+        <p:txBody>
+          <a:bodyPr lIns="0" rIns="0" tIns="0" bIns="0">
+            <a:normAutofit/>
+          </a:bodyPr>
+          <a:p>
+            <a:pPr marL="432000" indent="-323640">
+              <a:lnSpc>
+                <a:spcPct val="100000"/>
+              </a:lnSpc>
+              <a:spcBef>
+                <a:spcPts val="1417"/>
+              </a:spcBef>
+              <a:buClr>
+                <a:srgbClr val="000000"/>
+              </a:buClr>
+              <a:buSzPct val="45000"/>
+              <a:buFont typeface="Wingdings" charset="2"/>
+              <a:buChar char=""/>
+            </a:pPr>
+            <a:r>
+              <a:rPr b="0" lang="en-US" sz="3200" spc="-1" strike="noStrike">
+                <a:latin typeface="Arial"/>
+              </a:rPr>
+              <a:t>The Instruction Decoder of a processor is a combinatorial circuit sometimes in the form of a read-only memory, sometimes in the form of an ordinary combinatorial circuit.</a:t>
+            </a:r>
+            <a:endParaRPr b="0" lang="en-US" sz="3200" spc="-1" strike="noStrike">
+              <a:latin typeface="Arial"/>
+            </a:endParaRPr>
+          </a:p>
+          <a:p>
+            <a:pPr marL="432000" indent="-323640">
+              <a:lnSpc>
+                <a:spcPct val="100000"/>
+              </a:lnSpc>
+              <a:spcBef>
+                <a:spcPts val="1417"/>
+              </a:spcBef>
+              <a:buClr>
+                <a:srgbClr val="000000"/>
+              </a:buClr>
+              <a:buSzPct val="45000"/>
+              <a:buFont typeface="Wingdings" charset="2"/>
+              <a:buChar char=""/>
+            </a:pPr>
+            <a:r>
+              <a:rPr b="0" lang="en-US" sz="3200" spc="-1" strike="noStrike">
+                <a:latin typeface="Arial"/>
+              </a:rPr>
+              <a:t>A Machine Cycle, also called a processor cycle or a instruction cycle, is the basic operation performed by a Central Processing Unit (CPU).</a:t>
+            </a:r>
+            <a:endParaRPr b="0" lang="en-US" sz="3200" spc="-1" strike="noStrike">
+              <a:latin typeface="Arial"/>
+            </a:endParaRPr>
+          </a:p>
+        </p:txBody>
+      </p:sp>
+    </p:spTree>
+  </p:cSld>
+  <mc:AlternateContent>
+    <mc:Choice Requires="p14">
+      <p:transition spd="slow" p14:dur="2000"/>
+    </mc:Choice>
+    <mc:Fallback>
+      <p:transition spd="slow"/>
+    </mc:Fallback>
+  </mc:AlternateContent>
+</p:sld>
+</file>
+
+<file path=ppt/slides/slide17.xml><?xml version="1.0" encoding="utf-8"?>
+<p:sld xmlns:a="http://schemas.openxmlformats.org/drawingml/2006/main" xmlns:p="http://schemas.openxmlformats.org/presentationml/2006/main" xmlns:r="http://schemas.openxmlformats.org/officeDocument/2006/relationships" xmlns:p14="http://schemas.microsoft.com/office/powerpoint/2010/main" xmlns:p15="http://schemas.microsoft.com/office/powerpoint/2012/main" xmlns:mc="http://schemas.openxmlformats.org/markup-compatibility/2006">
+  <p:cSld>
+    <p:spTree>
+      <p:nvGrpSpPr>
+        <p:cNvPr id="1" name=""/>
+        <p:cNvGrpSpPr/>
+        <p:nvPr/>
+      </p:nvGrpSpPr>
+      <p:grpSpPr>
+        <a:xfrm>
+          <a:off x="0" y="0"/>
+          <a:ext cx="0" cy="0"/>
+          <a:chOff x="0" y="0"/>
+          <a:chExt cx="0" cy="0"/>
+        </a:xfrm>
+      </p:grpSpPr>
+      <p:sp>
+        <p:nvSpPr>
+          <p:cNvPr id="191" name=""/>
+          <p:cNvSpPr/>
+          <p:nvPr/>
+        </p:nvSpPr>
+        <p:spPr>
+          <a:xfrm>
+            <a:off x="609480" y="273600"/>
+            <a:ext cx="10972080" cy="1144440"/>
+          </a:xfrm>
+          <a:prstGeom prst="rect">
+            <a:avLst/>
+          </a:prstGeom>
+          <a:noFill/>
+          <a:ln w="0">
+            <a:noFill/>
+          </a:ln>
+        </p:spPr>
+        <p:style>
+          <a:lnRef idx="0"/>
+          <a:fillRef idx="0"/>
+          <a:effectRef idx="0"/>
+          <a:fontRef idx="minor"/>
+        </p:style>
+        <p:txBody>
+          <a:bodyPr lIns="0" rIns="0" tIns="0" bIns="0" anchor="ctr">
+            <a:noAutofit/>
+          </a:bodyPr>
+          <a:p>
+            <a:pPr algn="ctr">
+              <a:lnSpc>
+                <a:spcPct val="100000"/>
+              </a:lnSpc>
+            </a:pPr>
+            <a:r>
+              <a:rPr b="0" lang="en-US" sz="4400" spc="-1" strike="noStrike">
+                <a:latin typeface="Arial"/>
+              </a:rPr>
+              <a:t>2. ADDRESS BUFFER &amp; DATA BUFFER</a:t>
+            </a:r>
+            <a:endParaRPr b="0" lang="en-US" sz="4400" spc="-1" strike="noStrike">
+              <a:latin typeface="Arial"/>
+            </a:endParaRPr>
+          </a:p>
+        </p:txBody>
+      </p:sp>
+      <p:sp>
+        <p:nvSpPr>
+          <p:cNvPr id="192" name=""/>
+          <p:cNvSpPr/>
+          <p:nvPr/>
+        </p:nvSpPr>
+        <p:spPr>
+          <a:xfrm>
+            <a:off x="609480" y="1604520"/>
+            <a:ext cx="10972080" cy="3976920"/>
+          </a:xfrm>
+          <a:prstGeom prst="rect">
+            <a:avLst/>
+          </a:prstGeom>
+          <a:noFill/>
+          <a:ln w="0">
+            <a:noFill/>
+          </a:ln>
+        </p:spPr>
+        <p:style>
+          <a:lnRef idx="0"/>
+          <a:fillRef idx="0"/>
+          <a:effectRef idx="0"/>
+          <a:fontRef idx="minor"/>
+        </p:style>
+        <p:txBody>
+          <a:bodyPr lIns="0" rIns="0" tIns="0" bIns="0">
+            <a:normAutofit fontScale="76000"/>
+          </a:bodyPr>
+          <a:p>
+            <a:pPr marL="432000" indent="-323640">
+              <a:lnSpc>
+                <a:spcPct val="100000"/>
+              </a:lnSpc>
+              <a:spcBef>
+                <a:spcPts val="1417"/>
+              </a:spcBef>
+              <a:buClr>
+                <a:srgbClr val="000000"/>
+              </a:buClr>
+              <a:buSzPct val="45000"/>
+              <a:buFont typeface="Wingdings" charset="2"/>
+              <a:buChar char=""/>
+            </a:pPr>
+            <a:r>
+              <a:rPr b="0" lang="en-US" sz="3200" spc="-1" strike="noStrike">
+                <a:latin typeface="Arial"/>
+              </a:rPr>
+              <a:t>Address Buffer</a:t>
+            </a:r>
+            <a:endParaRPr b="0" lang="en-US" sz="3200" spc="-1" strike="noStrike">
+              <a:latin typeface="Arial"/>
+            </a:endParaRPr>
+          </a:p>
+          <a:p>
+            <a:pPr marL="432000" indent="-323640">
+              <a:lnSpc>
+                <a:spcPct val="100000"/>
+              </a:lnSpc>
+              <a:spcBef>
+                <a:spcPts val="1417"/>
+              </a:spcBef>
+              <a:buClr>
+                <a:srgbClr val="000000"/>
+              </a:buClr>
+              <a:buSzPct val="45000"/>
+              <a:buFont typeface="Wingdings" charset="2"/>
+              <a:buChar char=""/>
+            </a:pPr>
+            <a:r>
+              <a:rPr b="0" lang="en-US" sz="3200" spc="-1" strike="noStrike">
+                <a:latin typeface="Arial"/>
+              </a:rPr>
+              <a:t>It is a group of lines (wires) used to refer a physical location in memory.</a:t>
+            </a:r>
+            <a:endParaRPr b="0" lang="en-US" sz="3200" spc="-1" strike="noStrike">
+              <a:latin typeface="Arial"/>
+            </a:endParaRPr>
+          </a:p>
+          <a:p>
+            <a:pPr marL="432000" indent="-323640">
+              <a:lnSpc>
+                <a:spcPct val="100000"/>
+              </a:lnSpc>
+              <a:spcBef>
+                <a:spcPts val="1417"/>
+              </a:spcBef>
+              <a:buClr>
+                <a:srgbClr val="000000"/>
+              </a:buClr>
+              <a:buSzPct val="45000"/>
+              <a:buFont typeface="Wingdings" charset="2"/>
+              <a:buChar char=""/>
+            </a:pPr>
+            <a:r>
+              <a:rPr b="0" lang="en-US" sz="3200" spc="-1" strike="noStrike">
+                <a:latin typeface="Arial"/>
+              </a:rPr>
+              <a:t>It is unidirectional.</a:t>
+            </a:r>
+            <a:endParaRPr b="0" lang="en-US" sz="3200" spc="-1" strike="noStrike">
+              <a:latin typeface="Arial"/>
+            </a:endParaRPr>
+          </a:p>
+          <a:p>
+            <a:pPr marL="432000" indent="-323640">
+              <a:lnSpc>
+                <a:spcPct val="100000"/>
+              </a:lnSpc>
+              <a:spcBef>
+                <a:spcPts val="1417"/>
+              </a:spcBef>
+              <a:buClr>
+                <a:srgbClr val="000000"/>
+              </a:buClr>
+              <a:buSzPct val="45000"/>
+              <a:buFont typeface="Wingdings" charset="2"/>
+              <a:buChar char=""/>
+            </a:pPr>
+            <a:r>
+              <a:rPr b="0" lang="en-US" sz="3200" spc="-1" strike="noStrike">
+                <a:latin typeface="Arial"/>
+              </a:rPr>
+              <a:t>8085 has 16-bit address bus.</a:t>
+            </a:r>
+            <a:endParaRPr b="0" lang="en-US" sz="3200" spc="-1" strike="noStrike">
+              <a:latin typeface="Arial"/>
+            </a:endParaRPr>
+          </a:p>
+          <a:p>
+            <a:pPr marL="432000" indent="-323640">
+              <a:lnSpc>
+                <a:spcPct val="100000"/>
+              </a:lnSpc>
+              <a:spcBef>
+                <a:spcPts val="1417"/>
+              </a:spcBef>
+              <a:buClr>
+                <a:srgbClr val="000000"/>
+              </a:buClr>
+              <a:buSzPct val="45000"/>
+              <a:buFont typeface="Wingdings" charset="2"/>
+              <a:buChar char=""/>
+            </a:pPr>
+            <a:r>
+              <a:rPr b="0" lang="en-US" sz="3200" spc="-1" strike="noStrike">
+                <a:latin typeface="Arial"/>
+              </a:rPr>
+              <a:t>Data Buffer</a:t>
+            </a:r>
+            <a:endParaRPr b="0" lang="en-US" sz="3200" spc="-1" strike="noStrike">
+              <a:latin typeface="Arial"/>
+            </a:endParaRPr>
+          </a:p>
+          <a:p>
+            <a:pPr marL="432000" indent="-323640">
+              <a:lnSpc>
+                <a:spcPct val="100000"/>
+              </a:lnSpc>
+              <a:spcBef>
+                <a:spcPts val="1417"/>
+              </a:spcBef>
+              <a:buClr>
+                <a:srgbClr val="000000"/>
+              </a:buClr>
+              <a:buSzPct val="45000"/>
+              <a:buFont typeface="Wingdings" charset="2"/>
+              <a:buChar char=""/>
+            </a:pPr>
+            <a:r>
+              <a:rPr b="0" lang="en-US" sz="3200" spc="-1" strike="noStrike">
+                <a:latin typeface="Arial"/>
+              </a:rPr>
+              <a:t>It also called memory bus.</a:t>
+            </a:r>
+            <a:endParaRPr b="0" lang="en-US" sz="3200" spc="-1" strike="noStrike">
+              <a:latin typeface="Arial"/>
+            </a:endParaRPr>
+          </a:p>
+          <a:p>
+            <a:pPr marL="432000" indent="-323640">
+              <a:lnSpc>
+                <a:spcPct val="100000"/>
+              </a:lnSpc>
+              <a:spcBef>
+                <a:spcPts val="1417"/>
+              </a:spcBef>
+              <a:buClr>
+                <a:srgbClr val="000000"/>
+              </a:buClr>
+              <a:buSzPct val="45000"/>
+              <a:buFont typeface="Wingdings" charset="2"/>
+              <a:buChar char=""/>
+            </a:pPr>
+            <a:r>
+              <a:rPr b="0" lang="en-US" sz="3200" spc="-1" strike="noStrike">
+                <a:latin typeface="Arial"/>
+              </a:rPr>
+              <a:t>Used to carry the data.</a:t>
+            </a:r>
+            <a:endParaRPr b="0" lang="en-US" sz="3200" spc="-1" strike="noStrike">
+              <a:latin typeface="Arial"/>
+            </a:endParaRPr>
+          </a:p>
+        </p:txBody>
+      </p:sp>
+    </p:spTree>
+  </p:cSld>
+  <mc:AlternateContent>
+    <mc:Choice Requires="p14">
+      <p:transition spd="slow" p14:dur="2000"/>
+    </mc:Choice>
+    <mc:Fallback>
+      <p:transition spd="slow"/>
+    </mc:Fallback>
+  </mc:AlternateContent>
+</p:sld>
+</file>
+
+<file path=ppt/slides/slide18.xml><?xml version="1.0" encoding="utf-8"?>
+<p:sld xmlns:a="http://schemas.openxmlformats.org/drawingml/2006/main" xmlns:p="http://schemas.openxmlformats.org/presentationml/2006/main" xmlns:r="http://schemas.openxmlformats.org/officeDocument/2006/relationships" xmlns:p14="http://schemas.microsoft.com/office/powerpoint/2010/main" xmlns:p15="http://schemas.microsoft.com/office/powerpoint/2012/main" xmlns:mc="http://schemas.openxmlformats.org/markup-compatibility/2006">
+  <p:cSld>
+    <p:spTree>
+      <p:nvGrpSpPr>
+        <p:cNvPr id="1" name=""/>
+        <p:cNvGrpSpPr/>
+        <p:nvPr/>
+      </p:nvGrpSpPr>
+      <p:grpSpPr>
+        <a:xfrm>
+          <a:off x="0" y="0"/>
+          <a:ext cx="0" cy="0"/>
+          <a:chOff x="0" y="0"/>
+          <a:chExt cx="0" cy="0"/>
+        </a:xfrm>
+      </p:grpSpPr>
+      <p:sp>
+        <p:nvSpPr>
+          <p:cNvPr id="193" name=""/>
+          <p:cNvSpPr/>
+          <p:nvPr/>
+        </p:nvSpPr>
+        <p:spPr>
+          <a:xfrm>
+            <a:off x="609480" y="1604520"/>
+            <a:ext cx="10972080" cy="3976920"/>
+          </a:xfrm>
+          <a:prstGeom prst="rect">
+            <a:avLst/>
+          </a:prstGeom>
+          <a:noFill/>
+          <a:ln w="0">
+            <a:noFill/>
+          </a:ln>
+        </p:spPr>
+        <p:style>
+          <a:lnRef idx="0"/>
+          <a:fillRef idx="0"/>
+          <a:effectRef idx="0"/>
+          <a:fontRef idx="minor"/>
+        </p:style>
+        <p:txBody>
+          <a:bodyPr lIns="0" rIns="0" tIns="0" bIns="0">
+            <a:normAutofit/>
+          </a:bodyPr>
+          <a:p>
+            <a:pPr marL="432000" indent="-323640">
+              <a:lnSpc>
+                <a:spcPct val="100000"/>
+              </a:lnSpc>
+              <a:spcBef>
+                <a:spcPts val="1417"/>
+              </a:spcBef>
+              <a:buClr>
+                <a:srgbClr val="000000"/>
+              </a:buClr>
+              <a:buSzPct val="45000"/>
+              <a:buFont typeface="Wingdings" charset="2"/>
+              <a:buChar char=""/>
+            </a:pPr>
+            <a:r>
+              <a:rPr b="0" lang="en-US" sz="3200" spc="-1" strike="noStrike">
+                <a:latin typeface="Arial"/>
+              </a:rPr>
+              <a:t>It is bidirectional.</a:t>
+            </a:r>
+            <a:endParaRPr b="0" lang="en-US" sz="3200" spc="-1" strike="noStrike">
+              <a:latin typeface="Arial"/>
+            </a:endParaRPr>
+          </a:p>
+          <a:p>
+            <a:pPr marL="432000" indent="-323640">
+              <a:lnSpc>
+                <a:spcPct val="100000"/>
+              </a:lnSpc>
+              <a:spcBef>
+                <a:spcPts val="1417"/>
+              </a:spcBef>
+              <a:buClr>
+                <a:srgbClr val="000000"/>
+              </a:buClr>
+              <a:buSzPct val="45000"/>
+              <a:buFont typeface="Wingdings" charset="2"/>
+              <a:buChar char=""/>
+            </a:pPr>
+            <a:r>
+              <a:rPr b="0" lang="en-US" sz="3200" spc="-1" strike="noStrike">
+                <a:latin typeface="Arial"/>
+              </a:rPr>
+              <a:t>the width of the data bus is determined by the size of the individual memory blocks (in 8085, it is 8-bit).</a:t>
+            </a:r>
+            <a:endParaRPr b="0" lang="en-US" sz="3200" spc="-1" strike="noStrike">
+              <a:latin typeface="Arial"/>
+            </a:endParaRPr>
+          </a:p>
+        </p:txBody>
+      </p:sp>
+    </p:spTree>
+  </p:cSld>
+  <mc:AlternateContent>
+    <mc:Choice Requires="p14">
+      <p:transition spd="slow" p14:dur="2000"/>
+    </mc:Choice>
+    <mc:Fallback>
+      <p:transition spd="slow"/>
+    </mc:Fallback>
+  </mc:AlternateContent>
+</p:sld>
+</file>
+
+<file path=ppt/slides/slide19.xml><?xml version="1.0" encoding="utf-8"?>
+<p:sld xmlns:a="http://schemas.openxmlformats.org/drawingml/2006/main" xmlns:p="http://schemas.openxmlformats.org/presentationml/2006/main" xmlns:r="http://schemas.openxmlformats.org/officeDocument/2006/relationships" xmlns:p14="http://schemas.microsoft.com/office/powerpoint/2010/main" xmlns:p15="http://schemas.microsoft.com/office/powerpoint/2012/main" xmlns:mc="http://schemas.openxmlformats.org/markup-compatibility/2006">
+  <p:cSld>
+    <p:spTree>
+      <p:nvGrpSpPr>
+        <p:cNvPr id="1" name=""/>
+        <p:cNvGrpSpPr/>
+        <p:nvPr/>
+      </p:nvGrpSpPr>
+      <p:grpSpPr>
+        <a:xfrm>
+          <a:off x="0" y="0"/>
+          <a:ext cx="0" cy="0"/>
+          <a:chOff x="0" y="0"/>
+          <a:chExt cx="0" cy="0"/>
+        </a:xfrm>
+      </p:grpSpPr>
+      <p:sp>
+        <p:nvSpPr>
+          <p:cNvPr id="194" name=""/>
+          <p:cNvSpPr/>
+          <p:nvPr/>
+        </p:nvSpPr>
+        <p:spPr>
+          <a:xfrm>
+            <a:off x="609480" y="221040"/>
+            <a:ext cx="10972080" cy="1249920"/>
+          </a:xfrm>
+          <a:prstGeom prst="rect">
+            <a:avLst/>
+          </a:prstGeom>
+          <a:noFill/>
+          <a:ln w="0">
+            <a:noFill/>
+          </a:ln>
+        </p:spPr>
+        <p:style>
+          <a:lnRef idx="0"/>
+          <a:fillRef idx="0"/>
+          <a:effectRef idx="0"/>
+          <a:fontRef idx="minor"/>
+        </p:style>
+        <p:txBody>
+          <a:bodyPr lIns="0" rIns="0" tIns="0" bIns="0" anchor="ctr">
+            <a:noAutofit/>
+          </a:bodyPr>
+          <a:p>
+            <a:pPr algn="ctr">
+              <a:lnSpc>
+                <a:spcPct val="100000"/>
+              </a:lnSpc>
+            </a:pPr>
+            <a:r>
+              <a:rPr b="0" lang="en-US" sz="4400" spc="-1" strike="noStrike">
+                <a:latin typeface="Arial"/>
+              </a:rPr>
+              <a:t>3. INCREMENT/DECREMENT</a:t>
+            </a:r>
+            <a:br/>
+            <a:r>
+              <a:rPr b="0" lang="en-US" sz="4400" spc="-1" strike="noStrike">
+                <a:latin typeface="Arial"/>
+              </a:rPr>
+              <a:t>ADDRESS LATCH</a:t>
+            </a:r>
+            <a:endParaRPr b="0" lang="en-US" sz="4400" spc="-1" strike="noStrike">
+              <a:latin typeface="Arial"/>
+            </a:endParaRPr>
+          </a:p>
+        </p:txBody>
+      </p:sp>
+      <p:sp>
+        <p:nvSpPr>
+          <p:cNvPr id="195" name=""/>
+          <p:cNvSpPr/>
+          <p:nvPr/>
+        </p:nvSpPr>
+        <p:spPr>
+          <a:xfrm>
+            <a:off x="609480" y="1604520"/>
+            <a:ext cx="10972080" cy="3976920"/>
+          </a:xfrm>
+          <a:prstGeom prst="rect">
+            <a:avLst/>
+          </a:prstGeom>
+          <a:noFill/>
+          <a:ln w="0">
+            <a:noFill/>
+          </a:ln>
+        </p:spPr>
+        <p:style>
+          <a:lnRef idx="0"/>
+          <a:fillRef idx="0"/>
+          <a:effectRef idx="0"/>
+          <a:fontRef idx="minor"/>
+        </p:style>
+        <p:txBody>
+          <a:bodyPr lIns="0" rIns="0" tIns="0" bIns="0">
+            <a:normAutofit/>
+          </a:bodyPr>
+          <a:p>
+            <a:pPr marL="432000" indent="-323640">
+              <a:lnSpc>
+                <a:spcPct val="100000"/>
+              </a:lnSpc>
+              <a:spcBef>
+                <a:spcPts val="1417"/>
+              </a:spcBef>
+              <a:buClr>
+                <a:srgbClr val="000000"/>
+              </a:buClr>
+              <a:buSzPct val="45000"/>
+              <a:buFont typeface="Wingdings" charset="2"/>
+              <a:buChar char=""/>
+            </a:pPr>
+            <a:r>
+              <a:rPr b="0" lang="en-US" sz="3200" spc="-1" strike="noStrike">
+                <a:latin typeface="Arial"/>
+              </a:rPr>
+              <a:t>This 16-bit register is used to increment or decrement the contents of program counter or stack pointer as a part of execution of instructions related to them.</a:t>
+            </a:r>
+            <a:endParaRPr b="0" lang="en-US" sz="3200" spc="-1" strike="noStrike">
+              <a:latin typeface="Arial"/>
+            </a:endParaRPr>
+          </a:p>
+        </p:txBody>
       </p:sp>
     </p:spTree>
   </p:cSld>
@@ -5184,14 +11287,14 @@
       </p:grpSpPr>
       <p:sp>
         <p:nvSpPr>
-          <p:cNvPr id="81" name="Title 1"/>
+          <p:cNvPr id="162" name="Title 1"/>
           <p:cNvSpPr/>
           <p:nvPr/>
         </p:nvSpPr>
         <p:spPr>
           <a:xfrm>
             <a:off x="1141560" y="618480"/>
-            <a:ext cx="9905400" cy="1477800"/>
+            <a:ext cx="9904680" cy="1477080"/>
           </a:xfrm>
           <a:prstGeom prst="rect">
             <a:avLst/>
@@ -5223,6 +11326,7 @@
                   <a:srgbClr val="ffffff"/>
                 </a:solidFill>
                 <a:latin typeface="Tw Cen MT"/>
+                <a:ea typeface="DejaVu Sans"/>
               </a:rPr>
               <a:t>CONTENTS</a:t>
             </a:r>
@@ -5234,14 +11338,14 @@
       </p:sp>
       <p:sp>
         <p:nvSpPr>
-          <p:cNvPr id="82" name="Content Placeholder 2"/>
+          <p:cNvPr id="163" name="Content Placeholder 2"/>
           <p:cNvSpPr/>
           <p:nvPr/>
         </p:nvSpPr>
         <p:spPr>
           <a:xfrm>
             <a:off x="1143000" y="2249640"/>
-            <a:ext cx="9905400" cy="3540960"/>
+            <a:ext cx="9904680" cy="3540240"/>
           </a:xfrm>
           <a:prstGeom prst="rect">
             <a:avLst/>
@@ -5350,6 +11454,322 @@
               <a:t>4. Functional units of 8085 Microprocessor</a:t>
             </a:r>
             <a:endParaRPr b="0" lang="en-US" sz="1100" spc="-1" strike="noStrike">
+              <a:latin typeface="Arial"/>
+            </a:endParaRPr>
+          </a:p>
+        </p:txBody>
+      </p:sp>
+    </p:spTree>
+  </p:cSld>
+  <mc:AlternateContent>
+    <mc:Choice Requires="p14">
+      <p:transition spd="slow" p14:dur="2000"/>
+    </mc:Choice>
+    <mc:Fallback>
+      <p:transition spd="slow"/>
+    </mc:Fallback>
+  </mc:AlternateContent>
+</p:sld>
+</file>
+
+<file path=ppt/slides/slide20.xml><?xml version="1.0" encoding="utf-8"?>
+<p:sld xmlns:a="http://schemas.openxmlformats.org/drawingml/2006/main" xmlns:p="http://schemas.openxmlformats.org/presentationml/2006/main" xmlns:r="http://schemas.openxmlformats.org/officeDocument/2006/relationships" xmlns:p14="http://schemas.microsoft.com/office/powerpoint/2010/main" xmlns:p15="http://schemas.microsoft.com/office/powerpoint/2012/main" xmlns:mc="http://schemas.openxmlformats.org/markup-compatibility/2006">
+  <p:cSld>
+    <p:spTree>
+      <p:nvGrpSpPr>
+        <p:cNvPr id="1" name=""/>
+        <p:cNvGrpSpPr/>
+        <p:nvPr/>
+      </p:nvGrpSpPr>
+      <p:grpSpPr>
+        <a:xfrm>
+          <a:off x="0" y="0"/>
+          <a:ext cx="0" cy="0"/>
+          <a:chOff x="0" y="0"/>
+          <a:chExt cx="0" cy="0"/>
+        </a:xfrm>
+      </p:grpSpPr>
+      <p:sp>
+        <p:nvSpPr>
+          <p:cNvPr id="196" name=""/>
+          <p:cNvSpPr/>
+          <p:nvPr/>
+        </p:nvSpPr>
+        <p:spPr>
+          <a:xfrm>
+            <a:off x="609480" y="273600"/>
+            <a:ext cx="10972080" cy="1144440"/>
+          </a:xfrm>
+          <a:prstGeom prst="rect">
+            <a:avLst/>
+          </a:prstGeom>
+          <a:noFill/>
+          <a:ln w="0">
+            <a:noFill/>
+          </a:ln>
+        </p:spPr>
+        <p:style>
+          <a:lnRef idx="0"/>
+          <a:fillRef idx="0"/>
+          <a:effectRef idx="0"/>
+          <a:fontRef idx="minor"/>
+        </p:style>
+        <p:txBody>
+          <a:bodyPr lIns="0" rIns="0" tIns="0" bIns="0" anchor="ctr">
+            <a:noAutofit/>
+          </a:bodyPr>
+          <a:p>
+            <a:pPr algn="ctr">
+              <a:lnSpc>
+                <a:spcPct val="100000"/>
+              </a:lnSpc>
+            </a:pPr>
+            <a:r>
+              <a:rPr b="0" lang="en-US" sz="4400" spc="-1" strike="noStrike">
+                <a:latin typeface="Arial"/>
+              </a:rPr>
+              <a:t>WHAT IS BUS?</a:t>
+            </a:r>
+            <a:endParaRPr b="0" lang="en-US" sz="4400" spc="-1" strike="noStrike">
+              <a:latin typeface="Arial"/>
+            </a:endParaRPr>
+          </a:p>
+        </p:txBody>
+      </p:sp>
+      <p:sp>
+        <p:nvSpPr>
+          <p:cNvPr id="197" name=""/>
+          <p:cNvSpPr/>
+          <p:nvPr/>
+        </p:nvSpPr>
+        <p:spPr>
+          <a:xfrm>
+            <a:off x="609480" y="1604520"/>
+            <a:ext cx="10972080" cy="3976920"/>
+          </a:xfrm>
+          <a:prstGeom prst="rect">
+            <a:avLst/>
+          </a:prstGeom>
+          <a:noFill/>
+          <a:ln w="0">
+            <a:noFill/>
+          </a:ln>
+        </p:spPr>
+        <p:style>
+          <a:lnRef idx="0"/>
+          <a:fillRef idx="0"/>
+          <a:effectRef idx="0"/>
+          <a:fontRef idx="minor"/>
+        </p:style>
+        <p:txBody>
+          <a:bodyPr lIns="0" rIns="0" tIns="0" bIns="0">
+            <a:normAutofit/>
+          </a:bodyPr>
+          <a:p>
+            <a:pPr marL="432000" indent="-323640">
+              <a:lnSpc>
+                <a:spcPct val="100000"/>
+              </a:lnSpc>
+              <a:spcBef>
+                <a:spcPts val="1417"/>
+              </a:spcBef>
+              <a:buClr>
+                <a:srgbClr val="000000"/>
+              </a:buClr>
+              <a:buSzPct val="45000"/>
+              <a:buFont typeface="Wingdings" charset="2"/>
+              <a:buChar char=""/>
+            </a:pPr>
+            <a:r>
+              <a:rPr b="0" lang="en-US" sz="3200" spc="-1" strike="noStrike">
+                <a:latin typeface="Arial"/>
+              </a:rPr>
+              <a:t>It is a set of pins, wires or signals.</a:t>
+            </a:r>
+            <a:endParaRPr b="0" lang="en-US" sz="3200" spc="-1" strike="noStrike">
+              <a:latin typeface="Arial"/>
+            </a:endParaRPr>
+          </a:p>
+        </p:txBody>
+      </p:sp>
+    </p:spTree>
+  </p:cSld>
+  <mc:AlternateContent>
+    <mc:Choice Requires="p14">
+      <p:transition spd="slow" p14:dur="2000"/>
+    </mc:Choice>
+    <mc:Fallback>
+      <p:transition spd="slow"/>
+    </mc:Fallback>
+  </mc:AlternateContent>
+</p:sld>
+</file>
+
+<file path=ppt/slides/slide21.xml><?xml version="1.0" encoding="utf-8"?>
+<p:sld xmlns:a="http://schemas.openxmlformats.org/drawingml/2006/main" xmlns:p="http://schemas.openxmlformats.org/presentationml/2006/main" xmlns:r="http://schemas.openxmlformats.org/officeDocument/2006/relationships" xmlns:p14="http://schemas.microsoft.com/office/powerpoint/2010/main" xmlns:p15="http://schemas.microsoft.com/office/powerpoint/2012/main" xmlns:mc="http://schemas.openxmlformats.org/markup-compatibility/2006">
+  <p:cSld>
+    <p:spTree>
+      <p:nvGrpSpPr>
+        <p:cNvPr id="1" name=""/>
+        <p:cNvGrpSpPr/>
+        <p:nvPr/>
+      </p:nvGrpSpPr>
+      <p:grpSpPr>
+        <a:xfrm>
+          <a:off x="0" y="0"/>
+          <a:ext cx="0" cy="0"/>
+          <a:chOff x="0" y="0"/>
+          <a:chExt cx="0" cy="0"/>
+        </a:xfrm>
+      </p:grpSpPr>
+      <p:sp>
+        <p:nvSpPr>
+          <p:cNvPr id="198" name=""/>
+          <p:cNvSpPr/>
+          <p:nvPr/>
+        </p:nvSpPr>
+        <p:spPr>
+          <a:xfrm>
+            <a:off x="609480" y="273600"/>
+            <a:ext cx="10972080" cy="1144440"/>
+          </a:xfrm>
+          <a:prstGeom prst="rect">
+            <a:avLst/>
+          </a:prstGeom>
+          <a:noFill/>
+          <a:ln w="0">
+            <a:noFill/>
+          </a:ln>
+        </p:spPr>
+        <p:style>
+          <a:lnRef idx="0"/>
+          <a:fillRef idx="0"/>
+          <a:effectRef idx="0"/>
+          <a:fontRef idx="minor"/>
+        </p:style>
+        <p:txBody>
+          <a:bodyPr lIns="0" rIns="0" tIns="0" bIns="0" anchor="ctr">
+            <a:noAutofit/>
+          </a:bodyPr>
+          <a:p>
+            <a:pPr algn="ctr">
+              <a:lnSpc>
+                <a:spcPct val="100000"/>
+              </a:lnSpc>
+            </a:pPr>
+            <a:r>
+              <a:rPr b="0" lang="en-US" sz="4400" spc="-1" strike="noStrike">
+                <a:latin typeface="Arial"/>
+              </a:rPr>
+              <a:t>CONCLUSION</a:t>
+            </a:r>
+            <a:endParaRPr b="0" lang="en-US" sz="4400" spc="-1" strike="noStrike">
+              <a:latin typeface="Arial"/>
+            </a:endParaRPr>
+          </a:p>
+        </p:txBody>
+      </p:sp>
+      <p:sp>
+        <p:nvSpPr>
+          <p:cNvPr id="199" name=""/>
+          <p:cNvSpPr/>
+          <p:nvPr/>
+        </p:nvSpPr>
+        <p:spPr>
+          <a:xfrm>
+            <a:off x="609480" y="1604520"/>
+            <a:ext cx="10972080" cy="3976920"/>
+          </a:xfrm>
+          <a:prstGeom prst="rect">
+            <a:avLst/>
+          </a:prstGeom>
+          <a:noFill/>
+          <a:ln w="0">
+            <a:noFill/>
+          </a:ln>
+        </p:spPr>
+        <p:style>
+          <a:lnRef idx="0"/>
+          <a:fillRef idx="0"/>
+          <a:effectRef idx="0"/>
+          <a:fontRef idx="minor"/>
+        </p:style>
+        <p:txBody>
+          <a:bodyPr lIns="0" rIns="0" tIns="0" bIns="0">
+            <a:normAutofit/>
+          </a:bodyPr>
+          <a:p>
+            <a:pPr marL="432000" indent="-323640">
+              <a:lnSpc>
+                <a:spcPct val="100000"/>
+              </a:lnSpc>
+              <a:spcBef>
+                <a:spcPts val="1417"/>
+              </a:spcBef>
+              <a:buClr>
+                <a:srgbClr val="000000"/>
+              </a:buClr>
+              <a:buSzPct val="45000"/>
+              <a:buFont typeface="Wingdings" charset="2"/>
+              <a:buChar char=""/>
+            </a:pPr>
+            <a:r>
+              <a:rPr b="0" lang="en-US" sz="3200" spc="-1" strike="noStrike">
+                <a:latin typeface="Arial"/>
+              </a:rPr>
+              <a:t>The 8085 processor was used in a few early personal computers, produced from 1977 to early-to-mid1980’s.</a:t>
+            </a:r>
+            <a:endParaRPr b="0" lang="en-US" sz="3200" spc="-1" strike="noStrike">
+              <a:latin typeface="Arial"/>
+            </a:endParaRPr>
+          </a:p>
+          <a:p>
+            <a:pPr marL="432000" indent="-323640">
+              <a:lnSpc>
+                <a:spcPct val="100000"/>
+              </a:lnSpc>
+              <a:spcBef>
+                <a:spcPts val="1417"/>
+              </a:spcBef>
+              <a:buClr>
+                <a:srgbClr val="000000"/>
+              </a:buClr>
+              <a:buSzPct val="45000"/>
+              <a:buFont typeface="Wingdings" charset="2"/>
+              <a:buChar char=""/>
+            </a:pPr>
+            <a:r>
+              <a:rPr b="0" lang="en-US" sz="3200" spc="-1" strike="noStrike">
+                <a:latin typeface="Arial"/>
+              </a:rPr>
+              <a:t>Now-a-days, in many engineering schools the 8085 processor is used in introductory microprocessor courses.</a:t>
+            </a:r>
+            <a:endParaRPr b="0" lang="en-US" sz="3200" spc="-1" strike="noStrike">
+              <a:latin typeface="Arial"/>
+            </a:endParaRPr>
+          </a:p>
+          <a:p>
+            <a:pPr marL="432000" indent="-323640">
+              <a:lnSpc>
+                <a:spcPct val="100000"/>
+              </a:lnSpc>
+              <a:spcBef>
+                <a:spcPts val="1417"/>
+              </a:spcBef>
+              <a:buClr>
+                <a:srgbClr val="000000"/>
+              </a:buClr>
+              <a:buSzPct val="45000"/>
+              <a:buFont typeface="Wingdings" charset="2"/>
+              <a:buChar char=""/>
+            </a:pPr>
+            <a:r>
+              <a:rPr b="0" lang="en-US" sz="3200" spc="-1" strike="noStrike">
+                <a:latin typeface="Arial"/>
+              </a:rPr>
+              <a:t>However with time, better quality microprocessors have been developed with greater bit processing Capability (32 and 64 bit) along with huge no of other modifications.</a:t>
+            </a:r>
+            <a:endParaRPr b="0" lang="en-US" sz="3200" spc="-1" strike="noStrike">
               <a:latin typeface="Arial"/>
             </a:endParaRPr>
           </a:p>
@@ -5387,14 +11807,14 @@
       </p:grpSpPr>
       <p:sp>
         <p:nvSpPr>
-          <p:cNvPr id="83" name="Title 1"/>
+          <p:cNvPr id="164" name="Title 1"/>
           <p:cNvSpPr/>
           <p:nvPr/>
         </p:nvSpPr>
         <p:spPr>
           <a:xfrm>
             <a:off x="1141560" y="618480"/>
-            <a:ext cx="9905400" cy="1477800"/>
+            <a:ext cx="9904680" cy="1477080"/>
           </a:xfrm>
           <a:prstGeom prst="rect">
             <a:avLst/>
@@ -5426,6 +11846,7 @@
                   <a:srgbClr val="ffffff"/>
                 </a:solidFill>
                 <a:latin typeface="Tw Cen MT"/>
+                <a:ea typeface="DejaVu Sans"/>
               </a:rPr>
               <a:t>WHAT IS MICROPROCESSOR?</a:t>
             </a:r>
@@ -5438,14 +11859,14 @@
       </p:sp>
       <p:sp>
         <p:nvSpPr>
-          <p:cNvPr id="84" name="Content Placeholder 2"/>
+          <p:cNvPr id="165" name="Content Placeholder 2"/>
           <p:cNvSpPr/>
           <p:nvPr/>
         </p:nvSpPr>
         <p:spPr>
           <a:xfrm>
             <a:off x="1141560" y="2249640"/>
-            <a:ext cx="9905400" cy="3540960"/>
+            <a:ext cx="9904680" cy="3540240"/>
           </a:xfrm>
           <a:prstGeom prst="rect">
             <a:avLst/>
@@ -5479,7 +11900,7 @@
             </a:endParaRPr>
           </a:p>
           <a:p>
-            <a:pPr marL="432000" indent="-323640">
+            <a:pPr marL="432000" indent="-322920">
               <a:lnSpc>
                 <a:spcPct val="100000"/>
               </a:lnSpc>
@@ -5499,6 +11920,7 @@
                   <a:srgbClr val="ffffff"/>
                 </a:solidFill>
                 <a:latin typeface="Tw Cen MT"/>
+                <a:ea typeface="DejaVu Sans"/>
               </a:rPr>
               <a:t>A microprocessor is a computer processor which incorporates the functions of a computer's central processing unit (CPU) on a single integrated circuit (IC), or at most a few integrated circuits.</a:t>
             </a:r>
@@ -5507,7 +11929,7 @@
             </a:endParaRPr>
           </a:p>
           <a:p>
-            <a:pPr marL="432000" indent="-323640">
+            <a:pPr marL="432000" indent="-322920">
               <a:lnSpc>
                 <a:spcPct val="100000"/>
               </a:lnSpc>
@@ -5527,6 +11949,7 @@
                   <a:srgbClr val="ffffff"/>
                 </a:solidFill>
                 <a:latin typeface="Tw Cen MT"/>
+                <a:ea typeface="DejaVu Sans"/>
               </a:rPr>
               <a:t>The Intel 8085 is an 8- bit microprocessor produced by Intel and introduced in 1976.</a:t>
             </a:r>
@@ -5581,14 +12004,14 @@
       </p:grpSpPr>
       <p:sp>
         <p:nvSpPr>
-          <p:cNvPr id="85" name="Content Placeholder 2"/>
+          <p:cNvPr id="166" name="Content Placeholder 2"/>
           <p:cNvSpPr/>
           <p:nvPr/>
         </p:nvSpPr>
         <p:spPr>
           <a:xfrm>
             <a:off x="1141560" y="685800"/>
-            <a:ext cx="9905400" cy="5104800"/>
+            <a:ext cx="9904680" cy="5104080"/>
           </a:xfrm>
           <a:prstGeom prst="rect">
             <a:avLst/>
@@ -5609,7 +12032,7 @@
             <a:noAutofit/>
           </a:bodyPr>
           <a:p>
-            <a:pPr marL="432000" indent="-323640">
+            <a:pPr marL="432000" indent="-322920">
               <a:lnSpc>
                 <a:spcPct val="100000"/>
               </a:lnSpc>
@@ -5629,6 +12052,7 @@
                   <a:srgbClr val="ffffff"/>
                 </a:solidFill>
                 <a:latin typeface="Tw Cen MT"/>
+                <a:ea typeface="DejaVu Sans"/>
               </a:rPr>
               <a:t>It is a software-binary compatible with the more famous Intel 8080 with only two minor instructions added to support its added interrupt and serial input/output features.</a:t>
             </a:r>
@@ -5683,14 +12107,14 @@
       </p:grpSpPr>
       <p:sp>
         <p:nvSpPr>
-          <p:cNvPr id="86" name="Title 1"/>
+          <p:cNvPr id="167" name="Title 1"/>
           <p:cNvSpPr/>
           <p:nvPr/>
         </p:nvSpPr>
         <p:spPr>
           <a:xfrm>
             <a:off x="1141560" y="618480"/>
-            <a:ext cx="9905400" cy="1477800"/>
+            <a:ext cx="9904680" cy="1477080"/>
           </a:xfrm>
           <a:prstGeom prst="rect">
             <a:avLst/>
@@ -5722,6 +12146,7 @@
                   <a:srgbClr val="ffffff"/>
                 </a:solidFill>
                 <a:latin typeface="Tw Cen MT"/>
+                <a:ea typeface="DejaVu Sans"/>
               </a:rPr>
               <a:t>REGISTER SECTION</a:t>
             </a:r>
@@ -5733,14 +12158,14 @@
       </p:sp>
       <p:sp>
         <p:nvSpPr>
-          <p:cNvPr id="87" name="Content Placeholder 2"/>
+          <p:cNvPr id="168" name="Content Placeholder 2"/>
           <p:cNvSpPr/>
           <p:nvPr/>
         </p:nvSpPr>
         <p:spPr>
           <a:xfrm>
             <a:off x="1141560" y="2249640"/>
-            <a:ext cx="9905400" cy="3540960"/>
+            <a:ext cx="9904680" cy="3540240"/>
           </a:xfrm>
           <a:prstGeom prst="rect">
             <a:avLst/>
@@ -5761,7 +12186,7 @@
             <a:noAutofit/>
           </a:bodyPr>
           <a:p>
-            <a:pPr marL="432000" indent="-323640">
+            <a:pPr marL="432000" indent="-322920">
               <a:lnSpc>
                 <a:spcPct val="100000"/>
               </a:lnSpc>
@@ -5781,6 +12206,7 @@
                   <a:srgbClr val="ffffff"/>
                 </a:solidFill>
                 <a:latin typeface="Tw Cen MT"/>
+                <a:ea typeface="DejaVu Sans"/>
               </a:rPr>
               <a:t>1. Temporary Register</a:t>
             </a:r>
@@ -5789,7 +12215,7 @@
             </a:endParaRPr>
           </a:p>
           <a:p>
-            <a:pPr marL="432000" indent="-323640">
+            <a:pPr marL="432000" indent="-322920">
               <a:lnSpc>
                 <a:spcPct val="100000"/>
               </a:lnSpc>
@@ -5809,6 +12235,7 @@
                   <a:srgbClr val="ffffff"/>
                 </a:solidFill>
                 <a:latin typeface="Tw Cen MT"/>
+                <a:ea typeface="DejaVu Sans"/>
               </a:rPr>
               <a:t>2. General purpose register</a:t>
             </a:r>
@@ -5817,7 +12244,7 @@
             </a:endParaRPr>
           </a:p>
           <a:p>
-            <a:pPr marL="432000" indent="-323640">
+            <a:pPr marL="432000" indent="-322920">
               <a:lnSpc>
                 <a:spcPct val="100000"/>
               </a:lnSpc>
@@ -5837,6 +12264,7 @@
                   <a:srgbClr val="ffffff"/>
                 </a:solidFill>
                 <a:latin typeface="Tw Cen MT"/>
+                <a:ea typeface="DejaVu Sans"/>
               </a:rPr>
               <a:t>3. Special purpose register</a:t>
             </a:r>
@@ -5878,14 +12306,14 @@
       </p:grpSpPr>
       <p:sp>
         <p:nvSpPr>
-          <p:cNvPr id="88" name="Title 1"/>
+          <p:cNvPr id="169" name="Title 1"/>
           <p:cNvSpPr/>
           <p:nvPr/>
         </p:nvSpPr>
         <p:spPr>
           <a:xfrm>
             <a:off x="1141560" y="618480"/>
-            <a:ext cx="9905400" cy="1477800"/>
+            <a:ext cx="9904680" cy="1477080"/>
           </a:xfrm>
           <a:prstGeom prst="rect">
             <a:avLst/>
@@ -5917,6 +12345,7 @@
                   <a:srgbClr val="ffffff"/>
                 </a:solidFill>
                 <a:latin typeface="Tw Cen MT"/>
+                <a:ea typeface="DejaVu Sans"/>
               </a:rPr>
               <a:t>TEMPORARY REGISTER</a:t>
             </a:r>
@@ -5928,14 +12357,14 @@
       </p:sp>
       <p:sp>
         <p:nvSpPr>
-          <p:cNvPr id="89" name="Content Placeholder 2"/>
+          <p:cNvPr id="170" name="Content Placeholder 2"/>
           <p:cNvSpPr/>
           <p:nvPr/>
         </p:nvSpPr>
         <p:spPr>
           <a:xfrm>
             <a:off x="1141560" y="2249640"/>
-            <a:ext cx="9905400" cy="3540960"/>
+            <a:ext cx="9904680" cy="3540240"/>
           </a:xfrm>
           <a:prstGeom prst="rect">
             <a:avLst/>
@@ -5956,7 +12385,7 @@
             <a:noAutofit/>
           </a:bodyPr>
           <a:p>
-            <a:pPr marL="432000" indent="-323640">
+            <a:pPr marL="432000" indent="-322920">
               <a:lnSpc>
                 <a:spcPct val="100000"/>
               </a:lnSpc>
@@ -5976,6 +12405,7 @@
                   <a:srgbClr val="ffffff"/>
                 </a:solidFill>
                 <a:latin typeface="Tw Cen MT"/>
+                <a:ea typeface="DejaVu Sans"/>
               </a:rPr>
               <a:t>In 8085 microprocessor,there are three temporary 8 bit register. One is used during calculation to keep data temporarily and then move it to destination ,the other two ‘W’ and ‘Z’ temporary register are used to hold data/address temporarily during execution of some instruction.</a:t>
             </a:r>
@@ -6017,14 +12447,14 @@
       </p:grpSpPr>
       <p:sp>
         <p:nvSpPr>
-          <p:cNvPr id="90" name="Title 1"/>
+          <p:cNvPr id="171" name="Title 1"/>
           <p:cNvSpPr/>
           <p:nvPr/>
         </p:nvSpPr>
         <p:spPr>
           <a:xfrm>
             <a:off x="1141560" y="618480"/>
-            <a:ext cx="9905400" cy="1477800"/>
+            <a:ext cx="9904680" cy="1477080"/>
           </a:xfrm>
           <a:prstGeom prst="rect">
             <a:avLst/>
@@ -6056,6 +12486,7 @@
                   <a:srgbClr val="ffffff"/>
                 </a:solidFill>
                 <a:latin typeface="Tw Cen MT"/>
+                <a:ea typeface="DejaVu Sans"/>
               </a:rPr>
               <a:t>GENERAL PURPOSE REGISTER</a:t>
             </a:r>
@@ -6067,14 +12498,14 @@
       </p:sp>
       <p:sp>
         <p:nvSpPr>
-          <p:cNvPr id="91" name="Content Placeholder 2"/>
+          <p:cNvPr id="172" name="Content Placeholder 2"/>
           <p:cNvSpPr/>
           <p:nvPr/>
         </p:nvSpPr>
         <p:spPr>
           <a:xfrm>
             <a:off x="1141560" y="2249640"/>
-            <a:ext cx="9905400" cy="3540960"/>
+            <a:ext cx="9904680" cy="3540240"/>
           </a:xfrm>
           <a:prstGeom prst="rect">
             <a:avLst/>
@@ -6095,7 +12526,7 @@
             <a:noAutofit/>
           </a:bodyPr>
           <a:p>
-            <a:pPr marL="432000" indent="-323640">
+            <a:pPr marL="432000" indent="-322920">
               <a:lnSpc>
                 <a:spcPct val="100000"/>
               </a:lnSpc>
@@ -6115,6 +12546,7 @@
                   <a:srgbClr val="ffffff"/>
                 </a:solidFill>
                 <a:latin typeface="Tw Cen MT"/>
+                <a:ea typeface="DejaVu Sans"/>
               </a:rPr>
               <a:t>B-C,D-E,H-L are the general purpose register.</a:t>
             </a:r>
@@ -6123,7 +12555,7 @@
             </a:endParaRPr>
           </a:p>
           <a:p>
-            <a:pPr marL="432000" indent="-323640">
+            <a:pPr marL="432000" indent="-322920">
               <a:lnSpc>
                 <a:spcPct val="100000"/>
               </a:lnSpc>
@@ -6143,6 +12575,7 @@
                   <a:srgbClr val="ffffff"/>
                 </a:solidFill>
                 <a:latin typeface="Tw Cen MT"/>
+                <a:ea typeface="DejaVu Sans"/>
               </a:rPr>
               <a:t>This register can also be used to work in pairs to hold 16-bit data.</a:t>
             </a:r>
@@ -6151,7 +12584,7 @@
             </a:endParaRPr>
           </a:p>
           <a:p>
-            <a:pPr marL="432000" indent="-323640">
+            <a:pPr marL="432000" indent="-322920">
               <a:lnSpc>
                 <a:spcPct val="100000"/>
               </a:lnSpc>
@@ -6171,6 +12604,7 @@
                   <a:srgbClr val="ffffff"/>
                 </a:solidFill>
                 <a:latin typeface="Tw Cen MT"/>
+                <a:ea typeface="DejaVu Sans"/>
               </a:rPr>
               <a:t>The H-L pairs works as a memory pointer.</a:t>
             </a:r>
@@ -6179,7 +12613,7 @@
             </a:endParaRPr>
           </a:p>
           <a:p>
-            <a:pPr marL="432000" indent="-323640">
+            <a:pPr marL="432000" indent="-322920">
               <a:lnSpc>
                 <a:spcPct val="100000"/>
               </a:lnSpc>
@@ -6199,6 +12633,7 @@
                   <a:srgbClr val="ffffff"/>
                 </a:solidFill>
                 <a:latin typeface="Tw Cen MT"/>
+                <a:ea typeface="DejaVu Sans"/>
               </a:rPr>
               <a:t>A memory pointer holds the address of a particular memory location.</a:t>
             </a:r>
@@ -6240,14 +12675,14 @@
       </p:grpSpPr>
       <p:sp>
         <p:nvSpPr>
-          <p:cNvPr id="92" name="Title 1"/>
+          <p:cNvPr id="173" name="Title 1"/>
           <p:cNvSpPr/>
           <p:nvPr/>
         </p:nvSpPr>
         <p:spPr>
           <a:xfrm>
             <a:off x="1141560" y="618480"/>
-            <a:ext cx="9905400" cy="1477800"/>
+            <a:ext cx="9904680" cy="1477080"/>
           </a:xfrm>
           <a:prstGeom prst="rect">
             <a:avLst/>
@@ -6279,6 +12714,7 @@
                   <a:srgbClr val="ffffff"/>
                 </a:solidFill>
                 <a:latin typeface="Tw Cen MT"/>
+                <a:ea typeface="DejaVu Sans"/>
               </a:rPr>
               <a:t>SPECIAL PURPOSE REGISTER</a:t>
             </a:r>
@@ -6290,14 +12726,14 @@
       </p:sp>
       <p:sp>
         <p:nvSpPr>
-          <p:cNvPr id="93" name="Content Placeholder 2"/>
+          <p:cNvPr id="174" name="Content Placeholder 2"/>
           <p:cNvSpPr/>
           <p:nvPr/>
         </p:nvSpPr>
         <p:spPr>
           <a:xfrm>
             <a:off x="1141560" y="2249640"/>
-            <a:ext cx="9905400" cy="3540960"/>
+            <a:ext cx="9904680" cy="3540240"/>
           </a:xfrm>
           <a:prstGeom prst="rect">
             <a:avLst/>
@@ -6318,7 +12754,7 @@
             <a:noAutofit/>
           </a:bodyPr>
           <a:p>
-            <a:pPr marL="432000" indent="-323640">
+            <a:pPr marL="432000" indent="-322920">
               <a:lnSpc>
                 <a:spcPct val="100000"/>
               </a:lnSpc>
@@ -6338,6 +12774,7 @@
                   <a:srgbClr val="ffffff"/>
                 </a:solidFill>
                 <a:latin typeface="Tw Cen MT"/>
+                <a:ea typeface="DejaVu Sans"/>
               </a:rPr>
               <a:t>1. Accumulator</a:t>
             </a:r>
@@ -6346,7 +12783,7 @@
             </a:endParaRPr>
           </a:p>
           <a:p>
-            <a:pPr marL="432000" indent="-323640">
+            <a:pPr marL="432000" indent="-322920">
               <a:lnSpc>
                 <a:spcPct val="100000"/>
               </a:lnSpc>
@@ -6366,6 +12803,7 @@
                   <a:srgbClr val="ffffff"/>
                 </a:solidFill>
                 <a:latin typeface="Tw Cen MT"/>
+                <a:ea typeface="DejaVu Sans"/>
               </a:rPr>
               <a:t>2. Instruction Register and Decoder </a:t>
             </a:r>
@@ -6374,7 +12812,7 @@
             </a:endParaRPr>
           </a:p>
           <a:p>
-            <a:pPr marL="432000" indent="-323640">
+            <a:pPr marL="432000" indent="-322920">
               <a:lnSpc>
                 <a:spcPct val="100000"/>
               </a:lnSpc>
@@ -6394,6 +12832,7 @@
                   <a:srgbClr val="ffffff"/>
                 </a:solidFill>
                 <a:latin typeface="Tw Cen MT"/>
+                <a:ea typeface="DejaVu Sans"/>
               </a:rPr>
               <a:t>3. Program Counter</a:t>
             </a:r>
@@ -6402,7 +12841,7 @@
             </a:endParaRPr>
           </a:p>
           <a:p>
-            <a:pPr marL="432000" indent="-323640">
+            <a:pPr marL="432000" indent="-322920">
               <a:lnSpc>
                 <a:spcPct val="100000"/>
               </a:lnSpc>
@@ -6422,6 +12861,7 @@
                   <a:srgbClr val="ffffff"/>
                 </a:solidFill>
                 <a:latin typeface="Tw Cen MT"/>
+                <a:ea typeface="DejaVu Sans"/>
               </a:rPr>
               <a:t>4. Stack Pointer</a:t>
             </a:r>
@@ -6430,7 +12870,7 @@
             </a:endParaRPr>
           </a:p>
           <a:p>
-            <a:pPr marL="432000" indent="-323640">
+            <a:pPr marL="432000" indent="-322920">
               <a:lnSpc>
                 <a:spcPct val="100000"/>
               </a:lnSpc>
@@ -6450,6 +12890,7 @@
                   <a:srgbClr val="ffffff"/>
                 </a:solidFill>
                 <a:latin typeface="Tw Cen MT"/>
+                <a:ea typeface="DejaVu Sans"/>
               </a:rPr>
               <a:t>5. Flag Register</a:t>
             </a:r>
@@ -6491,14 +12932,14 @@
       </p:grpSpPr>
       <p:sp>
         <p:nvSpPr>
-          <p:cNvPr id="94" name="Title 1"/>
+          <p:cNvPr id="175" name="Title 1"/>
           <p:cNvSpPr/>
           <p:nvPr/>
         </p:nvSpPr>
         <p:spPr>
           <a:xfrm>
             <a:off x="1141560" y="618480"/>
-            <a:ext cx="9905400" cy="1477800"/>
+            <a:ext cx="9904680" cy="1477080"/>
           </a:xfrm>
           <a:prstGeom prst="rect">
             <a:avLst/>
@@ -6530,6 +12971,7 @@
                   <a:srgbClr val="ffffff"/>
                 </a:solidFill>
                 <a:latin typeface="Tw Cen MT"/>
+                <a:ea typeface="DejaVu Sans"/>
               </a:rPr>
               <a:t>1. ACCUMULATOR</a:t>
             </a:r>
@@ -6541,14 +12983,14 @@
       </p:sp>
       <p:sp>
         <p:nvSpPr>
-          <p:cNvPr id="95" name="Content Placeholder 2"/>
+          <p:cNvPr id="176" name="Content Placeholder 2"/>
           <p:cNvSpPr/>
           <p:nvPr/>
         </p:nvSpPr>
         <p:spPr>
           <a:xfrm>
             <a:off x="1141560" y="2249640"/>
-            <a:ext cx="9905400" cy="3540960"/>
+            <a:ext cx="9904680" cy="3540240"/>
           </a:xfrm>
           <a:prstGeom prst="rect">
             <a:avLst/>
@@ -6569,7 +13011,7 @@
             <a:noAutofit/>
           </a:bodyPr>
           <a:p>
-            <a:pPr marL="432000" indent="-323640">
+            <a:pPr marL="432000" indent="-322920">
               <a:lnSpc>
                 <a:spcPct val="100000"/>
               </a:lnSpc>
@@ -6589,6 +13031,7 @@
                   <a:srgbClr val="ffffff"/>
                 </a:solidFill>
                 <a:latin typeface="Tw Cen MT"/>
+                <a:ea typeface="DejaVu Sans"/>
               </a:rPr>
               <a:t>It is an 8 bit Register use to perform Arithmetic Logical Input and output Operation.</a:t>
             </a:r>
@@ -6597,7 +13040,7 @@
             </a:endParaRPr>
           </a:p>
           <a:p>
-            <a:pPr marL="432000" indent="-323640">
+            <a:pPr marL="432000" indent="-322920">
               <a:lnSpc>
                 <a:spcPct val="100000"/>
               </a:lnSpc>
@@ -6617,6 +13060,7 @@
                   <a:srgbClr val="ffffff"/>
                 </a:solidFill>
                 <a:latin typeface="Tw Cen MT"/>
+                <a:ea typeface="DejaVu Sans"/>
               </a:rPr>
               <a:t>It is connected to the Internal Bus and ALU.</a:t>
             </a:r>
@@ -6863,4 +13307,230 @@
     </a:fmtScheme>
   </a:themeElements>
 </a:theme>
+</file>
+
+<file path=ppt/theme/theme2.xml><?xml version="1.0" encoding="utf-8"?>
+<a:theme xmlns:a="http://schemas.openxmlformats.org/drawingml/2006/main" name="Office Theme">
+  <a:themeElements>
+    <a:clrScheme name="Office">
+      <a:dk1>
+        <a:sysClr val="windowText" lastClr="000000"/>
+      </a:dk1>
+      <a:lt1>
+        <a:sysClr val="window" lastClr="FFFFFF"/>
+      </a:lt1>
+      <a:dk2>
+        <a:srgbClr val="134770"/>
+      </a:dk2>
+      <a:lt2>
+        <a:srgbClr val="82ffff"/>
+      </a:lt2>
+      <a:accent1>
+        <a:srgbClr val="9acd4c"/>
+      </a:accent1>
+      <a:accent2>
+        <a:srgbClr val="faa93a"/>
+      </a:accent2>
+      <a:accent3>
+        <a:srgbClr val="d35940"/>
+      </a:accent3>
+      <a:accent4>
+        <a:srgbClr val="b258d3"/>
+      </a:accent4>
+      <a:accent5>
+        <a:srgbClr val="63a0cc"/>
+      </a:accent5>
+      <a:accent6>
+        <a:srgbClr val="8ac4a7"/>
+      </a:accent6>
+      <a:hlink>
+        <a:srgbClr val="b8fa56"/>
+      </a:hlink>
+      <a:folHlink>
+        <a:srgbClr val="7af8cc"/>
+      </a:folHlink>
+    </a:clrScheme>
+    <a:fontScheme name="Office">
+      <a:majorFont>
+        <a:latin typeface="Arial"/>
+        <a:ea typeface="DejaVu Sans"/>
+        <a:cs typeface="DejaVu Sans"/>
+      </a:majorFont>
+      <a:minorFont>
+        <a:latin typeface="Arial"/>
+        <a:ea typeface="DejaVu Sans"/>
+        <a:cs typeface="DejaVu Sans"/>
+      </a:minorFont>
+    </a:fontScheme>
+    <a:fmtScheme name="Office">
+      <a:fillStyleLst>
+        <a:solidFill>
+          <a:schemeClr val="phClr"/>
+        </a:solidFill>
+        <a:gradFill rotWithShape="1">
+          <a:gsLst>
+            <a:gs pos="0">
+              <a:schemeClr val="phClr">
+                <a:tint val="50000"/>
+                <a:satMod val="300000"/>
+              </a:schemeClr>
+            </a:gs>
+            <a:gs pos="35000">
+              <a:schemeClr val="phClr">
+                <a:tint val="37000"/>
+                <a:satMod val="300000"/>
+              </a:schemeClr>
+            </a:gs>
+            <a:gs pos="100000">
+              <a:schemeClr val="phClr">
+                <a:tint val="15000"/>
+                <a:satMod val="350000"/>
+              </a:schemeClr>
+            </a:gs>
+          </a:gsLst>
+          <a:lin ang="16200000" scaled="1"/>
+        </a:gradFill>
+        <a:gradFill rotWithShape="1">
+          <a:gsLst>
+            <a:gs pos="0">
+              <a:schemeClr val="phClr">
+                <a:shade val="51000"/>
+                <a:satMod val="130000"/>
+              </a:schemeClr>
+            </a:gs>
+            <a:gs pos="80000">
+              <a:schemeClr val="phClr">
+                <a:shade val="93000"/>
+                <a:satMod val="130000"/>
+              </a:schemeClr>
+            </a:gs>
+            <a:gs pos="100000">
+              <a:schemeClr val="phClr">
+                <a:shade val="94000"/>
+                <a:satMod val="135000"/>
+              </a:schemeClr>
+            </a:gs>
+          </a:gsLst>
+          <a:lin ang="16200000" scaled="0"/>
+        </a:gradFill>
+      </a:fillStyleLst>
+      <a:lnStyleLst>
+        <a:ln w="9525" cap="flat" cmpd="sng" algn="ctr">
+          <a:solidFill>
+            <a:schemeClr val="phClr">
+              <a:shade val="95000"/>
+              <a:satMod val="105000"/>
+            </a:schemeClr>
+          </a:solidFill>
+          <a:prstDash val="solid"/>
+          <a:miter/>
+        </a:ln>
+        <a:ln w="25400" cap="flat" cmpd="sng" algn="ctr">
+          <a:solidFill>
+            <a:schemeClr val="phClr"/>
+          </a:solidFill>
+          <a:prstDash val="solid"/>
+          <a:miter/>
+        </a:ln>
+        <a:ln w="38100" cap="flat" cmpd="sng" algn="ctr">
+          <a:solidFill>
+            <a:schemeClr val="phClr"/>
+          </a:solidFill>
+          <a:prstDash val="solid"/>
+          <a:miter/>
+        </a:ln>
+      </a:lnStyleLst>
+      <a:effectStyleLst>
+        <a:effectStyle>
+          <a:effectLst>
+            <a:outerShdw blurRad="40000" dist="20000" dir="5400000" rotWithShape="0">
+              <a:srgbClr val="000000">
+                <a:alpha val="38000"/>
+              </a:srgbClr>
+            </a:outerShdw>
+          </a:effectLst>
+        </a:effectStyle>
+        <a:effectStyle>
+          <a:effectLst>
+            <a:outerShdw blurRad="40000" dist="23000" dir="5400000" rotWithShape="0">
+              <a:srgbClr val="000000">
+                <a:alpha val="35000"/>
+              </a:srgbClr>
+            </a:outerShdw>
+          </a:effectLst>
+        </a:effectStyle>
+        <a:effectStyle>
+          <a:effectLst>
+            <a:outerShdw blurRad="40000" dist="23000" dir="5400000" rotWithShape="0">
+              <a:srgbClr val="000000">
+                <a:alpha val="35000"/>
+              </a:srgbClr>
+            </a:outerShdw>
+          </a:effectLst>
+          <a:scene3d>
+            <a:camera prst="orthographicFront">
+              <a:rot lat="0" lon="0" rev="0"/>
+            </a:camera>
+            <a:lightRig rig="threePt" dir="t">
+              <a:rot lat="0" lon="0" rev="1200000"/>
+            </a:lightRig>
+          </a:scene3d>
+          <a:sp3d>
+            <a:bevelT w="63500" h="25400"/>
+          </a:sp3d>
+        </a:effectStyle>
+      </a:effectStyleLst>
+      <a:bgFillStyleLst>
+        <a:solidFill>
+          <a:schemeClr val="phClr"/>
+        </a:solidFill>
+        <a:gradFill rotWithShape="1">
+          <a:gsLst>
+            <a:gs pos="0">
+              <a:schemeClr val="phClr">
+                <a:tint val="40000"/>
+                <a:satMod val="350000"/>
+              </a:schemeClr>
+            </a:gs>
+            <a:gs pos="40000">
+              <a:schemeClr val="phClr">
+                <a:tint val="45000"/>
+                <a:shade val="99000"/>
+                <a:satMod val="350000"/>
+              </a:schemeClr>
+            </a:gs>
+            <a:gs pos="100000">
+              <a:schemeClr val="phClr">
+                <a:shade val="20000"/>
+                <a:satMod val="255000"/>
+              </a:schemeClr>
+            </a:gs>
+          </a:gsLst>
+          <a:path path="circle">
+            <a:fillToRect l="50000" t="-80000" r="50000" b="180000"/>
+          </a:path>
+        </a:gradFill>
+        <a:gradFill rotWithShape="1">
+          <a:gsLst>
+            <a:gs pos="0">
+              <a:schemeClr val="phClr">
+                <a:tint val="80000"/>
+                <a:satMod val="300000"/>
+              </a:schemeClr>
+            </a:gs>
+            <a:gs pos="100000">
+              <a:schemeClr val="phClr">
+                <a:shade val="30000"/>
+                <a:satMod val="200000"/>
+              </a:schemeClr>
+            </a:gs>
+          </a:gsLst>
+          <a:path path="circle">
+            <a:fillToRect l="50000" t="50000" r="50000" b="50000"/>
+          </a:path>
+        </a:gradFill>
+      </a:bgFillStyleLst>
+    </a:fmtScheme>
+  </a:themeElements>
+</a:theme>
 </file>